--- a/Cosmos_DB_Claims_Tech_Scenario_Attendee_Coach_Deck.pptx
+++ b/Cosmos_DB_Claims_Tech_Scenario_Attendee_Coach_Deck.pptx
@@ -297,7 +297,7 @@
           <a:p>
             <a:fld id="{5DC6FE6B-C416-4AB4-9C30-FB2A7099CAC6}" type="datetimeFigureOut">
               <a:rPr lang="en-US" smtClean="0"/>
-              <a:t>6/27/2023</a:t>
+              <a:t>6/28/2023</a:t>
             </a:fld>
             <a:endParaRPr lang="en-US"/>
           </a:p>
@@ -474,7 +474,7 @@
           <a:p>
             <a:fld id="{CFF76AD5-84B7-47FE-802A-FFAE792CDC84}" type="datetimeFigureOut">
               <a:rPr lang="en-US" smtClean="0"/>
-              <a:t>6/27/2023</a:t>
+              <a:t>6/28/2023</a:t>
             </a:fld>
             <a:endParaRPr lang="en-US"/>
           </a:p>
@@ -12652,7 +12652,7 @@
           <a:p>
             <a:fld id="{E99080E2-161E-4461-9006-6F8BF1776BE3}" type="datetime1">
               <a:rPr lang="en-US" smtClean="0"/>
-              <a:t>6/27/2023</a:t>
+              <a:t>6/28/2023</a:t>
             </a:fld>
             <a:endParaRPr lang="en-US"/>
           </a:p>
@@ -12765,7 +12765,7 @@
           <a:p>
             <a:fld id="{643E9E83-8A79-40C0-9FE5-E30ED9EDC2DE}" type="datetime1">
               <a:rPr lang="en-US" smtClean="0"/>
-              <a:t>6/27/2023</a:t>
+              <a:t>6/28/2023</a:t>
             </a:fld>
             <a:endParaRPr lang="en-US"/>
           </a:p>
@@ -19822,7 +19822,7 @@
           <a:p>
             <a:r>
               <a:rPr lang="en-US" dirty="0"/>
-              <a:t>Challenge 1: The Landing Before the Launch</a:t>
+              <a:t>Challenge 1: Get Up, Set Up, Don't Let Up</a:t>
             </a:r>
           </a:p>
         </p:txBody>
@@ -19842,7 +19842,7 @@
         <p:spPr>
           <a:xfrm>
             <a:off x="584200" y="1396137"/>
-            <a:ext cx="11036300" cy="2554545"/>
+            <a:ext cx="11036300" cy="3477875"/>
           </a:xfrm>
           <a:prstGeom prst="rect">
             <a:avLst/>
@@ -19860,7 +19860,7 @@
               <a:rPr lang="en-US" sz="2000" b="0" i="0" dirty="0">
                 <a:effectLst/>
               </a:rPr>
-              <a:t>In this challenge</a:t>
+              <a:t>In this challenge,</a:t>
             </a:r>
             <a:r>
               <a:rPr lang="en-US" sz="2000" dirty="0"/>
@@ -19903,8 +19903,41 @@
               <a:rPr lang="en-US" sz="2000" b="0" i="0" dirty="0">
                 <a:effectLst/>
               </a:rPr>
-              <a:t>TBD</a:t>
-            </a:r>
+              <a:t>Deploy the Azure services needed to support the claims application</a:t>
+            </a:r>
+            <a:br>
+              <a:rPr lang="en-US" sz="2000" b="0" i="0" dirty="0">
+                <a:effectLst/>
+              </a:rPr>
+            </a:br>
+            <a:endParaRPr lang="en-US" sz="2000" b="0" i="0" dirty="0">
+              <a:effectLst/>
+            </a:endParaRPr>
+          </a:p>
+          <a:p>
+            <a:pPr marL="342900" indent="-342900" algn="l" rtl="0" fontAlgn="base">
+              <a:buFont typeface="Arial" panose="020B0604020202020204" pitchFamily="34" charset="0"/>
+              <a:buChar char="•"/>
+            </a:pPr>
+            <a:r>
+              <a:rPr lang="en-US" sz="2000" dirty="0"/>
+              <a:t>Understand the setup of the development environment</a:t>
+            </a:r>
+            <a:r>
+              <a:rPr lang="en-US" sz="2000" b="0" i="0" dirty="0">
+                <a:effectLst/>
+              </a:rPr>
+              <a:t> </a:t>
+            </a:r>
+          </a:p>
+          <a:p>
+            <a:pPr marL="342900" indent="-342900" algn="l" rtl="0" fontAlgn="base">
+              <a:buFont typeface="Arial" panose="020B0604020202020204" pitchFamily="34" charset="0"/>
+              <a:buChar char="•"/>
+            </a:pPr>
+            <a:endParaRPr lang="en-US" sz="2000" b="0" i="0" dirty="0">
+              <a:effectLst/>
+            </a:endParaRPr>
           </a:p>
           <a:p>
             <a:pPr marL="342900" indent="-342900" algn="l" rtl="0" fontAlgn="base">
@@ -19984,7 +20017,7 @@
           <a:p>
             <a:r>
               <a:rPr lang="en-US" dirty="0"/>
-              <a:t>Challenge 2: It's All About the Payload</a:t>
+              <a:t>Challenge 2: Get Loaded</a:t>
             </a:r>
           </a:p>
         </p:txBody>
@@ -20004,7 +20037,7 @@
         <p:spPr>
           <a:xfrm>
             <a:off x="584200" y="1396137"/>
-            <a:ext cx="11036300" cy="1938992"/>
+            <a:ext cx="11036300" cy="2246769"/>
           </a:xfrm>
           <a:prstGeom prst="rect">
             <a:avLst/>
@@ -20022,7 +20055,7 @@
               <a:rPr lang="en-US" sz="2000" b="0" i="0" dirty="0">
                 <a:effectLst/>
               </a:rPr>
-              <a:t>In this challenge participants will</a:t>
+              <a:t>In this challenge, participants will</a:t>
             </a:r>
             <a:r>
               <a:rPr lang="en-US" sz="2000" dirty="0"/>
@@ -20059,7 +20092,7 @@
               <a:rPr lang="en-US" sz="2000" b="0" i="0" dirty="0">
                 <a:effectLst/>
               </a:rPr>
-              <a:t>TBD</a:t>
+              <a:t>Load high volumes of data into Azure Cosmos DB with Azure Synapse Analytics integration pipelines</a:t>
             </a:r>
           </a:p>
         </p:txBody>
@@ -20125,7 +20158,7 @@
           <a:p>
             <a:r>
               <a:rPr lang="en-US" dirty="0"/>
-              <a:t>Challenge 3: Getting the lay of the land</a:t>
+              <a:t>Challenge 3: Rules Are Made to be Broken</a:t>
             </a:r>
           </a:p>
         </p:txBody>
@@ -20145,7 +20178,7 @@
         <p:spPr>
           <a:xfrm>
             <a:off x="584200" y="1396137"/>
-            <a:ext cx="11036300" cy="2862322"/>
+            <a:ext cx="11036300" cy="3785652"/>
           </a:xfrm>
           <a:prstGeom prst="rect">
             <a:avLst/>
@@ -20163,7 +20196,7 @@
               <a:rPr lang="en-US" sz="2000" b="0" i="0" dirty="0">
                 <a:effectLst/>
               </a:rPr>
-              <a:t>In this challenge</a:t>
+              <a:t>In this challenge,</a:t>
             </a:r>
             <a:r>
               <a:rPr lang="en-US" sz="2000" dirty="0"/>
@@ -20212,6 +20245,14 @@
               </a:rPr>
               <a:t>Run the claim publisher and examine how it drives the change feed. </a:t>
             </a:r>
+            <a:br>
+              <a:rPr lang="en-US" sz="2000" b="0" i="0" dirty="0">
+                <a:effectLst/>
+              </a:rPr>
+            </a:br>
+            <a:endParaRPr lang="en-US" sz="2000" b="0" i="0" dirty="0">
+              <a:effectLst/>
+            </a:endParaRPr>
           </a:p>
           <a:p>
             <a:pPr marL="342900" indent="-342900" algn="l" rtl="0" fontAlgn="base">
@@ -20224,6 +20265,14 @@
               </a:rPr>
               <a:t>As an adjudicator, acknowledge a claim using the UI and then adjudicate that claim. </a:t>
             </a:r>
+            <a:br>
+              <a:rPr lang="en-US" sz="2000" b="0" i="0" dirty="0">
+                <a:effectLst/>
+              </a:rPr>
+            </a:br>
+            <a:endParaRPr lang="en-US" sz="2000" b="0" i="0" dirty="0">
+              <a:effectLst/>
+            </a:endParaRPr>
           </a:p>
           <a:p>
             <a:pPr marL="342900" indent="-342900" algn="l" rtl="0" fontAlgn="base">
@@ -20236,6 +20285,14 @@
               </a:rPr>
               <a:t>Understand the business rules that are in place.</a:t>
             </a:r>
+            <a:br>
+              <a:rPr lang="en-US" sz="2000" b="0" i="0" dirty="0">
+                <a:effectLst/>
+              </a:rPr>
+            </a:br>
+            <a:endParaRPr lang="en-US" sz="2000" b="0" i="0" dirty="0">
+              <a:effectLst/>
+            </a:endParaRPr>
           </a:p>
           <a:p>
             <a:pPr marL="342900" indent="-342900" algn="l" rtl="0" fontAlgn="base">
@@ -20302,8 +20359,8 @@
         </p:nvSpPr>
         <p:spPr>
           <a:xfrm>
-            <a:off x="584200" y="209440"/>
-            <a:ext cx="7440582" cy="495520"/>
+            <a:off x="584199" y="209440"/>
+            <a:ext cx="9687715" cy="926407"/>
           </a:xfrm>
         </p:spPr>
         <p:txBody>
@@ -20312,7 +20369,7 @@
           <a:p>
             <a:r>
               <a:rPr lang="en-US" dirty="0"/>
-              <a:t>Challenge 4: Adding adjudicator guidance</a:t>
+              <a:t>Challenge 4: Not Your High School Guidance Counselor</a:t>
             </a:r>
           </a:p>
         </p:txBody>
@@ -20350,7 +20407,7 @@
               <a:rPr lang="en-US" sz="2000" b="0" i="0" dirty="0">
                 <a:effectLst/>
               </a:rPr>
-              <a:t>In this challenge</a:t>
+              <a:t>In this challenge,</a:t>
             </a:r>
             <a:r>
               <a:rPr lang="en-US" sz="2000" dirty="0"/>
@@ -20360,7 +20417,7 @@
               <a:rPr lang="en-US" sz="2000" b="0" i="0" dirty="0">
                 <a:effectLst/>
               </a:rPr>
-              <a:t> will augment the functionality of the Claim Details pane by providing the adjudicator with AI generated guidance on what action to take. </a:t>
+              <a:t> will augment the functionality of the Claim Details pane by providing the adjudicator with AI-generated guidance on what action to take. </a:t>
             </a:r>
           </a:p>
           <a:p>
@@ -20478,7 +20535,7 @@
         <p:spPr>
           <a:xfrm>
             <a:off x="584200" y="209440"/>
-            <a:ext cx="9558020" cy="926407"/>
+            <a:ext cx="9558020" cy="495520"/>
           </a:xfrm>
         </p:spPr>
         <p:txBody>
@@ -20487,7 +20544,15 @@
           <a:p>
             <a:r>
               <a:rPr lang="en-US" dirty="0"/>
-              <a:t>Challenge 5: Hardcoded rules become AI generated</a:t>
+              <a:t>Challenge 5: Domo </a:t>
+            </a:r>
+            <a:r>
+              <a:rPr lang="en-US" dirty="0" err="1"/>
+              <a:t>Arigato</a:t>
+            </a:r>
+            <a:r>
+              <a:rPr lang="en-US" dirty="0"/>
+              <a:t>, AI Roboto</a:t>
             </a:r>
           </a:p>
         </p:txBody>
@@ -20507,7 +20572,7 @@
         <p:spPr>
           <a:xfrm>
             <a:off x="584200" y="1396137"/>
-            <a:ext cx="11036300" cy="2246769"/>
+            <a:ext cx="11036300" cy="3170099"/>
           </a:xfrm>
           <a:prstGeom prst="rect">
             <a:avLst/>
@@ -20525,7 +20590,7 @@
               <a:rPr lang="en-US" sz="2000" b="0" i="0" dirty="0">
                 <a:effectLst/>
               </a:rPr>
-              <a:t>In this challenge</a:t>
+              <a:t>In this challenge,</a:t>
             </a:r>
             <a:r>
               <a:rPr lang="en-US" sz="2000" dirty="0"/>
@@ -20547,7 +20612,7 @@
             </a:r>
             <a:r>
               <a:rPr lang="en-US" sz="2000" dirty="0"/>
-              <a:t> to automatically review, approve, deny or forward the claim to a manager, replacing the hardcoded rule logic currently used by the solution.</a:t>
+              <a:t> to automatically review, approve, deny, or forward the claim to a manager, replacing the hardcoded rule logic currently used by the solution.</a:t>
             </a:r>
           </a:p>
           <a:p>
@@ -20577,11 +20642,44 @@
               <a:buChar char="•"/>
             </a:pPr>
             <a:r>
-              <a:rPr lang="en-US" sz="2000" b="0" i="0" dirty="0">
-                <a:effectLst/>
-              </a:rPr>
-              <a:t>TBD</a:t>
-            </a:r>
+              <a:rPr lang="en-US" sz="2000" dirty="0"/>
+              <a:t>Automatically </a:t>
+            </a:r>
+            <a:r>
+              <a:rPr lang="en-US" sz="2000"/>
+              <a:t>orchestrate functions </a:t>
+            </a:r>
+            <a:r>
+              <a:rPr lang="en-US" sz="2000" dirty="0"/>
+              <a:t>with the extensibility of </a:t>
+            </a:r>
+            <a:r>
+              <a:rPr lang="en-US" sz="2000"/>
+              <a:t>Semantic Kernel planner</a:t>
+            </a:r>
+            <a:endParaRPr lang="en-US" sz="2000" dirty="0"/>
+          </a:p>
+          <a:p>
+            <a:pPr marL="342900" indent="-342900" algn="l" rtl="0" fontAlgn="base">
+              <a:buFont typeface="Arial" panose="020B0604020202020204" pitchFamily="34" charset="0"/>
+              <a:buChar char="•"/>
+            </a:pPr>
+            <a:endParaRPr lang="en-US" sz="2000" b="0" i="0" dirty="0">
+              <a:effectLst/>
+            </a:endParaRPr>
+          </a:p>
+          <a:p>
+            <a:pPr marL="342900" indent="-342900" algn="l" rtl="0" fontAlgn="base">
+              <a:buFont typeface="Arial" panose="020B0604020202020204" pitchFamily="34" charset="0"/>
+              <a:buChar char="•"/>
+            </a:pPr>
+            <a:r>
+              <a:rPr lang="en-US" sz="2000" dirty="0"/>
+              <a:t>Create an automated rules engine that you can augment with powerful plugins and additional data sources</a:t>
+            </a:r>
+            <a:endParaRPr lang="en-US" sz="2000" b="0" i="0" dirty="0">
+              <a:effectLst/>
+            </a:endParaRPr>
           </a:p>
         </p:txBody>
       </p:sp>
@@ -21054,7 +21152,7 @@
                 </a:solidFill>
                 <a:latin typeface="Segoe UI Semilight"/>
               </a:rPr>
-              <a:t>Are a category of solutions that include medical, home and auto insurance applications.</a:t>
+              <a:t>Are a category of solutions that include medical, home, and auto insurance applications.</a:t>
             </a:r>
           </a:p>
         </p:txBody>
@@ -28161,15 +28259,6 @@
 </file>
 
 <file path=customXml/item1.xml><?xml version="1.0" encoding="utf-8"?>
-<?mso-contentType ?>
-<FormTemplates xmlns="http://schemas.microsoft.com/sharepoint/v3/contenttype/forms">
-  <Display>DocumentLibraryForm</Display>
-  <Edit>DocumentLibraryForm</Edit>
-  <New>DocumentLibraryForm</New>
-</FormTemplates>
-</file>
-
-<file path=customXml/item2.xml><?xml version="1.0" encoding="utf-8"?>
 <ct:contentTypeSchema xmlns:ct="http://schemas.microsoft.com/office/2006/metadata/contentType" xmlns:ma="http://schemas.microsoft.com/office/2006/metadata/properties/metaAttributes" ct:_="" ma:_="" ma:contentTypeName="Document" ma:contentTypeID="0x010100262D61D9A00A5041B210DE23A0FE8625" ma:contentTypeVersion="24" ma:contentTypeDescription="Create a new document." ma:contentTypeScope="" ma:versionID="839773bd44a51a311d8e2846b7142e4b">
   <xsd:schema xmlns:xsd="http://www.w3.org/2001/XMLSchema" xmlns:xs="http://www.w3.org/2001/XMLSchema" xmlns:p="http://schemas.microsoft.com/office/2006/metadata/properties" xmlns:ns1="http://schemas.microsoft.com/sharepoint/v3" xmlns:ns2="675661ce-a921-4ef4-be83-dd19f3c4cc86" xmlns:ns3="4343a8c8-d2d9-429e-8dd3-28f02b2ba4f5" xmlns:ns4="230e9df3-be65-4c73-a93b-d1236ebd677e" targetNamespace="http://schemas.microsoft.com/office/2006/metadata/properties" ma:root="true" ma:fieldsID="7f43399919387af8e2a3ad2b19a547db" ns1:_="" ns2:_="" ns3:_="" ns4:_="">
     <xsd:import namespace="http://schemas.microsoft.com/sharepoint/v3"/>
@@ -28509,6 +28598,15 @@
 </ct:contentTypeSchema>
 </file>
 
+<file path=customXml/item2.xml><?xml version="1.0" encoding="utf-8"?>
+<?mso-contentType ?>
+<FormTemplates xmlns="http://schemas.microsoft.com/sharepoint/v3/contenttype/forms">
+  <Display>DocumentLibraryForm</Display>
+  <Edit>DocumentLibraryForm</Edit>
+  <New>DocumentLibraryForm</New>
+</FormTemplates>
+</file>
+
 <file path=customXml/item3.xml><?xml version="1.0" encoding="utf-8"?>
 <p:properties xmlns:p="http://schemas.microsoft.com/office/2006/metadata/properties" xmlns:xsi="http://www.w3.org/2001/XMLSchema-instance" xmlns:pc="http://schemas.microsoft.com/office/infopath/2007/PartnerControls">
   <documentManagement>
@@ -28537,14 +28635,6 @@
 </file>
 
 <file path=customXml/itemProps1.xml><?xml version="1.0" encoding="utf-8"?>
-<ds:datastoreItem xmlns:ds="http://schemas.openxmlformats.org/officeDocument/2006/customXml" ds:itemID="{91696345-23F8-4CDB-8A31-BEF0BEB16805}">
-  <ds:schemaRefs>
-    <ds:schemaRef ds:uri="http://schemas.microsoft.com/sharepoint/v3/contenttype/forms"/>
-  </ds:schemaRefs>
-</ds:datastoreItem>
-</file>
-
-<file path=customXml/itemProps2.xml><?xml version="1.0" encoding="utf-8"?>
 <ds:datastoreItem xmlns:ds="http://schemas.openxmlformats.org/officeDocument/2006/customXml" ds:itemID="{D1157EB0-1AB2-459D-92B4-E00E8DCC06DF}">
   <ds:schemaRefs>
     <ds:schemaRef ds:uri="http://schemas.microsoft.com/office/2006/metadata/contentType"/>
@@ -28561,6 +28651,14 @@
     <ds:schemaRef ds:uri="http://purl.org/dc/elements/1.1/"/>
     <ds:schemaRef ds:uri="http://purl.org/dc/terms/"/>
     <ds:schemaRef ds:uri="http://schemas.microsoft.com/internal/obd"/>
+  </ds:schemaRefs>
+</ds:datastoreItem>
+</file>
+
+<file path=customXml/itemProps2.xml><?xml version="1.0" encoding="utf-8"?>
+<ds:datastoreItem xmlns:ds="http://schemas.openxmlformats.org/officeDocument/2006/customXml" ds:itemID="{91696345-23F8-4CDB-8A31-BEF0BEB16805}">
+  <ds:schemaRefs>
+    <ds:schemaRef ds:uri="http://schemas.microsoft.com/sharepoint/v3/contenttype/forms"/>
   </ds:schemaRefs>
 </ds:datastoreItem>
 </file>

--- a/Cosmos_DB_Claims_Tech_Scenario_Attendee_Coach_Deck.pptx
+++ b/Cosmos_DB_Claims_Tech_Scenario_Attendee_Coach_Deck.pptx
@@ -15,7 +15,7 @@
     <p:sldId id="2076136250" r:id="rId6"/>
     <p:sldId id="2076136296" r:id="rId7"/>
     <p:sldId id="2076136297" r:id="rId8"/>
-    <p:sldId id="2076136298" r:id="rId9"/>
+    <p:sldId id="2147469941" r:id="rId9"/>
     <p:sldId id="2076136299" r:id="rId10"/>
     <p:sldId id="4719" r:id="rId11"/>
     <p:sldId id="411" r:id="rId12"/>
@@ -141,7 +141,7 @@
             <p14:sldId id="2076136250"/>
             <p14:sldId id="2076136296"/>
             <p14:sldId id="2076136297"/>
-            <p14:sldId id="2076136298"/>
+            <p14:sldId id="2147469941"/>
             <p14:sldId id="2076136299"/>
             <p14:sldId id="4719"/>
             <p14:sldId id="411"/>
@@ -195,12 +195,55 @@
 </p:presentation>
 </file>
 
+<file path=ppt/authors.xml><?xml version="1.0" encoding="utf-8"?>
+<p188:authorLst xmlns:a="http://schemas.openxmlformats.org/drawingml/2006/main" xmlns:r="http://schemas.openxmlformats.org/officeDocument/2006/relationships" xmlns:p188="http://schemas.microsoft.com/office/powerpoint/2018/8/main">
+  <p188:author id="{8717270C-A115-6C30-4B61-415E05BE60BD}" name="Sergiy Smyrnov" initials="SS" userId="S::sesmyrno@microsoft.com::88b83747-0c76-4a29-b65c-36a4e67bd3ac" providerId="AD"/>
+  <p188:author id="{E703D179-5E7C-E25B-2BC4-3C93CA904A19}" name="Joel Hulen" initials="JDH" userId="Joel Hulen" providerId="None"/>
+</p188:authorLst>
+</file>
+
 <file path=ppt/revisionInfo.xml><?xml version="1.0" encoding="utf-8"?>
 <p1510:revInfo xmlns:a="http://schemas.openxmlformats.org/drawingml/2006/main" xmlns:r="http://schemas.openxmlformats.org/officeDocument/2006/relationships" xmlns:p1510="http://schemas.microsoft.com/office/powerpoint/2015/10/main">
   <p1510:revLst>
     <p1510:client id="{78982E6D-EC91-4767-A262-D8D5173EA498}" v="36" dt="2021-06-22T23:31:37.713"/>
   </p1510:revLst>
 </p1510:revInfo>
+</file>
+
+<file path=ppt/comments/modernComment_126F_E0F5D45B.xml><?xml version="1.0" encoding="utf-8"?>
+<p188:cmLst xmlns:a="http://schemas.openxmlformats.org/drawingml/2006/main" xmlns:r="http://schemas.openxmlformats.org/officeDocument/2006/relationships" xmlns:p188="http://schemas.microsoft.com/office/powerpoint/2018/8/main">
+  <p188:cm id="{F396B804-DEBB-4CF0-8431-00D80E8FDA30}" authorId="{8717270C-A115-6C30-4B61-415E05BE60BD}" status="resolved" created="2023-10-09T14:31:14.327">
+    <ac:deMkLst xmlns:ac="http://schemas.microsoft.com/office/drawing/2013/main/command">
+      <pc:docMk xmlns:pc="http://schemas.microsoft.com/office/powerpoint/2013/main/command"/>
+      <pc:sldMk xmlns:pc="http://schemas.microsoft.com/office/powerpoint/2013/main/command" cId="3774207067" sldId="4719"/>
+      <ac:spMk id="7" creationId="{EF8C58CB-E0F1-418D-8711-93DFA38C64B4}"/>
+    </ac:deMkLst>
+    <p188:replyLst>
+      <p188:reply id="{A3DBA20A-67A3-46AD-94AB-DA7DD75E967D}" authorId="{E703D179-5E7C-E25B-2BC4-3C93CA904A19}" created="2023-10-09T16:59:53.063">
+        <p188:txBody>
+          <a:bodyPr/>
+          <a:lstStyle/>
+          <a:p>
+            <a:r>
+              <a:rPr lang="en-US"/>
+              <a:t>I created the next slide for explaining this.</a:t>
+            </a:r>
+          </a:p>
+        </p188:txBody>
+      </p188:reply>
+    </p188:replyLst>
+    <p188:txBody>
+      <a:bodyPr/>
+      <a:lstStyle/>
+      <a:p>
+        <a:r>
+          <a:rPr lang="en-US"/>
+          <a:t>Talk here about specific example where ChangeFeed is used in Medical Claims</a:t>
+        </a:r>
+      </a:p>
+    </p188:txBody>
+  </p188:cm>
+</p188:cmLst>
 </file>
 
 <file path=ppt/handoutMasters/handoutMaster1.xml><?xml version="1.0" encoding="utf-8"?>
@@ -297,7 +340,7 @@
           <a:p>
             <a:fld id="{5DC6FE6B-C416-4AB4-9C30-FB2A7099CAC6}" type="datetimeFigureOut">
               <a:rPr lang="en-US" smtClean="0"/>
-              <a:t>6/28/2023</a:t>
+              <a:t>11/14/2023</a:t>
             </a:fld>
             <a:endParaRPr lang="en-US"/>
           </a:p>
@@ -474,7 +517,7 @@
           <a:p>
             <a:fld id="{CFF76AD5-84B7-47FE-802A-FFAE792CDC84}" type="datetimeFigureOut">
               <a:rPr lang="en-US" smtClean="0"/>
-              <a:t>6/28/2023</a:t>
+              <a:t>11/14/2023</a:t>
             </a:fld>
             <a:endParaRPr lang="en-US"/>
           </a:p>
@@ -785,6 +828,272 @@
           <a:bodyPr/>
           <a:lstStyle/>
           <a:p>
+            <a:pPr marL="457200" marR="0" lvl="1" indent="0" algn="l" defTabSz="914400" rtl="0" eaLnBrk="1" fontAlgn="auto" latinLnBrk="0" hangingPunct="1">
+              <a:lnSpc>
+                <a:spcPct val="107000"/>
+              </a:lnSpc>
+              <a:spcBef>
+                <a:spcPts val="0"/>
+              </a:spcBef>
+              <a:spcAft>
+                <a:spcPts val="0"/>
+              </a:spcAft>
+              <a:buClrTx/>
+              <a:buSzPts val="1000"/>
+              <a:buFont typeface="Symbol" panose="05050102010706020507" pitchFamily="18" charset="2"/>
+              <a:buNone/>
+              <a:tabLst>
+                <a:tab pos="914400" algn="l"/>
+              </a:tabLst>
+              <a:defRPr/>
+            </a:pPr>
+            <a:r>
+              <a:rPr lang="en-US" sz="1800" kern="100" dirty="0">
+                <a:effectLst/>
+                <a:latin typeface="Aptos" panose="020B0004020202020204" pitchFamily="34" charset="0"/>
+                <a:ea typeface="Aptos" panose="020B0004020202020204" pitchFamily="34" charset="0"/>
+                <a:cs typeface="Times New Roman" panose="02020603050405020304" pitchFamily="18" charset="0"/>
+              </a:rPr>
+              <a:t>(Display the architecture diagram while speaking to the below points)</a:t>
+            </a:r>
+          </a:p>
+          <a:p>
+            <a:pPr marL="742950" marR="0" lvl="1" indent="-285750">
+              <a:lnSpc>
+                <a:spcPct val="107000"/>
+              </a:lnSpc>
+              <a:spcBef>
+                <a:spcPts val="0"/>
+              </a:spcBef>
+              <a:spcAft>
+                <a:spcPts val="0"/>
+              </a:spcAft>
+              <a:buSzPts val="1000"/>
+              <a:buFont typeface="Symbol" panose="05050102010706020507" pitchFamily="18" charset="2"/>
+              <a:buChar char=""/>
+              <a:tabLst>
+                <a:tab pos="914400" algn="l"/>
+              </a:tabLst>
+            </a:pPr>
+            <a:endParaRPr lang="en-US" sz="1800" kern="100" dirty="0">
+              <a:effectLst/>
+              <a:latin typeface="Aptos" panose="020B0004020202020204" pitchFamily="34" charset="0"/>
+              <a:ea typeface="Aptos" panose="020B0004020202020204" pitchFamily="34" charset="0"/>
+              <a:cs typeface="Times New Roman" panose="02020603050405020304" pitchFamily="18" charset="0"/>
+            </a:endParaRPr>
+          </a:p>
+          <a:p>
+            <a:pPr marL="742950" marR="0" lvl="1" indent="-285750">
+              <a:lnSpc>
+                <a:spcPct val="107000"/>
+              </a:lnSpc>
+              <a:spcBef>
+                <a:spcPts val="0"/>
+              </a:spcBef>
+              <a:spcAft>
+                <a:spcPts val="0"/>
+              </a:spcAft>
+              <a:buSzPts val="1000"/>
+              <a:buFont typeface="Symbol" panose="05050102010706020507" pitchFamily="18" charset="2"/>
+              <a:buChar char=""/>
+              <a:tabLst>
+                <a:tab pos="914400" algn="l"/>
+              </a:tabLst>
+            </a:pPr>
+            <a:endParaRPr lang="en-US" sz="1800" kern="100" dirty="0">
+              <a:effectLst/>
+              <a:latin typeface="Aptos" panose="020B0004020202020204" pitchFamily="34" charset="0"/>
+              <a:ea typeface="Aptos" panose="020B0004020202020204" pitchFamily="34" charset="0"/>
+              <a:cs typeface="Times New Roman" panose="02020603050405020304" pitchFamily="18" charset="0"/>
+            </a:endParaRPr>
+          </a:p>
+          <a:p>
+            <a:pPr marL="742950" marR="0" lvl="1" indent="-285750">
+              <a:lnSpc>
+                <a:spcPct val="107000"/>
+              </a:lnSpc>
+              <a:spcBef>
+                <a:spcPts val="0"/>
+              </a:spcBef>
+              <a:spcAft>
+                <a:spcPts val="0"/>
+              </a:spcAft>
+              <a:buSzPts val="1000"/>
+              <a:buFont typeface="Symbol" panose="05050102010706020507" pitchFamily="18" charset="2"/>
+              <a:buChar char=""/>
+              <a:tabLst>
+                <a:tab pos="914400" algn="l"/>
+              </a:tabLst>
+            </a:pPr>
+            <a:r>
+              <a:rPr lang="en-US" sz="1800" kern="100" dirty="0">
+                <a:effectLst/>
+                <a:latin typeface="Aptos" panose="020B0004020202020204" pitchFamily="34" charset="0"/>
+                <a:ea typeface="Aptos" panose="020B0004020202020204" pitchFamily="34" charset="0"/>
+                <a:cs typeface="Times New Roman" panose="02020603050405020304" pitchFamily="18" charset="0"/>
+              </a:rPr>
+              <a:t>The front end is a React web application deployed to an Azure Static Web app. This is how users interact with the solution.</a:t>
+            </a:r>
+          </a:p>
+          <a:p>
+            <a:pPr marL="742950" marR="0" lvl="1" indent="-285750">
+              <a:lnSpc>
+                <a:spcPct val="107000"/>
+              </a:lnSpc>
+              <a:spcBef>
+                <a:spcPts val="0"/>
+              </a:spcBef>
+              <a:spcAft>
+                <a:spcPts val="0"/>
+              </a:spcAft>
+              <a:buSzPts val="1000"/>
+              <a:buFont typeface="Symbol" panose="05050102010706020507" pitchFamily="18" charset="2"/>
+              <a:buChar char=""/>
+              <a:tabLst>
+                <a:tab pos="914400" algn="l"/>
+              </a:tabLst>
+            </a:pPr>
+            <a:r>
+              <a:rPr lang="en-US" sz="1800" kern="100" dirty="0">
+                <a:effectLst/>
+                <a:latin typeface="Aptos" panose="020B0004020202020204" pitchFamily="34" charset="0"/>
+                <a:ea typeface="Aptos" panose="020B0004020202020204" pitchFamily="34" charset="0"/>
+                <a:cs typeface="Times New Roman" panose="02020603050405020304" pitchFamily="18" charset="0"/>
+              </a:rPr>
+              <a:t>The API is an ASP.NET Core API app that serves as a lightweight layer for the business logic that lives inside of a .NET 7 class library. It is containerized in Docker and deployed to an Azure Container App (ACA) or Azure Kubernetes Service (AKS).</a:t>
+            </a:r>
+          </a:p>
+          <a:p>
+            <a:pPr marL="742950" marR="0" lvl="1" indent="-285750">
+              <a:lnSpc>
+                <a:spcPct val="107000"/>
+              </a:lnSpc>
+              <a:spcBef>
+                <a:spcPts val="0"/>
+              </a:spcBef>
+              <a:spcAft>
+                <a:spcPts val="0"/>
+              </a:spcAft>
+              <a:buSzPts val="1000"/>
+              <a:buFont typeface="Symbol" panose="05050102010706020507" pitchFamily="18" charset="2"/>
+              <a:buChar char=""/>
+              <a:tabLst>
+                <a:tab pos="914400" algn="l"/>
+              </a:tabLst>
+            </a:pPr>
+            <a:r>
+              <a:rPr lang="en-US" sz="1800" kern="100" dirty="0">
+                <a:effectLst/>
+                <a:latin typeface="Aptos" panose="020B0004020202020204" pitchFamily="34" charset="0"/>
+                <a:ea typeface="Aptos" panose="020B0004020202020204" pitchFamily="34" charset="0"/>
+                <a:cs typeface="Times New Roman" panose="02020603050405020304" pitchFamily="18" charset="0"/>
+              </a:rPr>
+              <a:t>The background worker service is a </a:t>
+            </a:r>
+            <a:r>
+              <a:rPr lang="en-US" sz="1800" kern="100" dirty="0" err="1">
+                <a:effectLst/>
+                <a:latin typeface="Aptos" panose="020B0004020202020204" pitchFamily="34" charset="0"/>
+                <a:ea typeface="Aptos" panose="020B0004020202020204" pitchFamily="34" charset="0"/>
+                <a:cs typeface="Times New Roman" panose="02020603050405020304" pitchFamily="18" charset="0"/>
+              </a:rPr>
+              <a:t>Microsoft.NET.Sdk.Worker</a:t>
+            </a:r>
+            <a:r>
+              <a:rPr lang="en-US" sz="1800" kern="100" dirty="0">
+                <a:effectLst/>
+                <a:latin typeface="Aptos" panose="020B0004020202020204" pitchFamily="34" charset="0"/>
+                <a:ea typeface="Aptos" panose="020B0004020202020204" pitchFamily="34" charset="0"/>
+                <a:cs typeface="Times New Roman" panose="02020603050405020304" pitchFamily="18" charset="0"/>
+              </a:rPr>
+              <a:t> project that also references the .NET 7 class library and is deployed into a different Docker container within the same AKS service or a dedicated ACA instance.</a:t>
+            </a:r>
+          </a:p>
+          <a:p>
+            <a:pPr marL="742950" marR="0" lvl="1" indent="-285750">
+              <a:lnSpc>
+                <a:spcPct val="107000"/>
+              </a:lnSpc>
+              <a:spcBef>
+                <a:spcPts val="0"/>
+              </a:spcBef>
+              <a:spcAft>
+                <a:spcPts val="0"/>
+              </a:spcAft>
+              <a:buSzPts val="1000"/>
+              <a:buFont typeface="Symbol" panose="05050102010706020507" pitchFamily="18" charset="2"/>
+              <a:buChar char=""/>
+              <a:tabLst>
+                <a:tab pos="914400" algn="l"/>
+              </a:tabLst>
+            </a:pPr>
+            <a:r>
+              <a:rPr lang="en-US" sz="1800" kern="100" dirty="0">
+                <a:effectLst/>
+                <a:latin typeface="Aptos" panose="020B0004020202020204" pitchFamily="34" charset="0"/>
+                <a:ea typeface="Aptos" panose="020B0004020202020204" pitchFamily="34" charset="0"/>
+                <a:cs typeface="Times New Roman" panose="02020603050405020304" pitchFamily="18" charset="0"/>
+              </a:rPr>
+              <a:t>All data is stored in Azure Cosmos DB. The background worker service acts as the Azure Cosmos DB change feed processor, which executes as data within the monitored Cosmos DB containers are inserted or updated, allowing for the application of business rules and automated updating of data within various containers.</a:t>
+            </a:r>
+          </a:p>
+          <a:p>
+            <a:pPr marL="742950" marR="0" lvl="1" indent="-285750">
+              <a:lnSpc>
+                <a:spcPct val="107000"/>
+              </a:lnSpc>
+              <a:spcBef>
+                <a:spcPts val="0"/>
+              </a:spcBef>
+              <a:spcAft>
+                <a:spcPts val="0"/>
+              </a:spcAft>
+              <a:buSzPts val="1000"/>
+              <a:buFont typeface="Symbol" panose="05050102010706020507" pitchFamily="18" charset="2"/>
+              <a:buChar char=""/>
+              <a:tabLst>
+                <a:tab pos="914400" algn="l"/>
+              </a:tabLst>
+            </a:pPr>
+            <a:r>
+              <a:rPr lang="en-US" sz="1800" kern="100" dirty="0">
+                <a:effectLst/>
+                <a:latin typeface="Aptos" panose="020B0004020202020204" pitchFamily="34" charset="0"/>
+                <a:ea typeface="Aptos" panose="020B0004020202020204" pitchFamily="34" charset="0"/>
+                <a:cs typeface="Times New Roman" panose="02020603050405020304" pitchFamily="18" charset="0"/>
+              </a:rPr>
+              <a:t>There is an Event Hubs instance that helps us simulate stream processing of incoming medical claims data from a fictitious external system. The background worker service also acts as the Event Hubs processor to write incoming claims added through Event Hubs into Cosmos DB.</a:t>
+            </a:r>
+          </a:p>
+          <a:p>
+            <a:pPr marL="742950" marR="0" lvl="1" indent="-285750">
+              <a:lnSpc>
+                <a:spcPct val="107000"/>
+              </a:lnSpc>
+              <a:spcBef>
+                <a:spcPts val="0"/>
+              </a:spcBef>
+              <a:spcAft>
+                <a:spcPts val="800"/>
+              </a:spcAft>
+              <a:buSzPts val="1000"/>
+              <a:buFont typeface="Symbol" panose="05050102010706020507" pitchFamily="18" charset="2"/>
+              <a:buChar char=""/>
+              <a:tabLst>
+                <a:tab pos="914400" algn="l"/>
+              </a:tabLst>
+            </a:pPr>
+            <a:r>
+              <a:rPr lang="en-US" sz="1800" kern="100" dirty="0">
+                <a:effectLst/>
+                <a:latin typeface="Aptos" panose="020B0004020202020204" pitchFamily="34" charset="0"/>
+                <a:ea typeface="Aptos" panose="020B0004020202020204" pitchFamily="34" charset="0"/>
+                <a:cs typeface="Times New Roman" panose="02020603050405020304" pitchFamily="18" charset="0"/>
+              </a:rPr>
+              <a:t>There is an Azure OpenAI deployment that provides a completion model, orchestrated by Semantic Kernel. This enables the application to provide recommendations to a claims adjudicator on whether to approve or reject a claim, based on the claims data and business rules.</a:t>
+            </a:r>
+          </a:p>
+          <a:p>
             <a:endParaRPr lang="en-US" dirty="0"/>
           </a:p>
         </p:txBody>
@@ -890,7 +1199,7 @@
           <a:p>
             <a:fld id="{CCB0B7A7-645F-45EF-A82D-25C8E51FB344}" type="slidenum">
               <a:rPr lang="en-US" smtClean="0"/>
-              <a:t>15</a:t>
+              <a:t>14</a:t>
             </a:fld>
             <a:endParaRPr lang="en-US"/>
           </a:p>
@@ -974,7 +1283,7 @@
           <a:p>
             <a:fld id="{CCB0B7A7-645F-45EF-A82D-25C8E51FB344}" type="slidenum">
               <a:rPr lang="en-US" smtClean="0"/>
-              <a:t>16</a:t>
+              <a:t>15</a:t>
             </a:fld>
             <a:endParaRPr lang="en-US"/>
           </a:p>
@@ -1058,6 +1367,90 @@
           <a:p>
             <a:fld id="{CCB0B7A7-645F-45EF-A82D-25C8E51FB344}" type="slidenum">
               <a:rPr lang="en-US" smtClean="0"/>
+              <a:t>16</a:t>
+            </a:fld>
+            <a:endParaRPr lang="en-US"/>
+          </a:p>
+        </p:txBody>
+      </p:sp>
+    </p:spTree>
+    <p:extLst>
+      <p:ext uri="{BB962C8B-B14F-4D97-AF65-F5344CB8AC3E}">
+        <p14:creationId xmlns:p14="http://schemas.microsoft.com/office/powerpoint/2010/main" val="3706595812"/>
+      </p:ext>
+    </p:extLst>
+  </p:cSld>
+  <p:clrMapOvr>
+    <a:masterClrMapping/>
+  </p:clrMapOvr>
+</p:notes>
+</file>
+
+<file path=ppt/notesSlides/notesSlide13.xml><?xml version="1.0" encoding="utf-8"?>
+<p:notes xmlns:a="http://schemas.openxmlformats.org/drawingml/2006/main" xmlns:r="http://schemas.openxmlformats.org/officeDocument/2006/relationships" xmlns:p="http://schemas.openxmlformats.org/presentationml/2006/main">
+  <p:cSld>
+    <p:spTree>
+      <p:nvGrpSpPr>
+        <p:cNvPr id="1" name=""/>
+        <p:cNvGrpSpPr/>
+        <p:nvPr/>
+      </p:nvGrpSpPr>
+      <p:grpSpPr>
+        <a:xfrm>
+          <a:off x="0" y="0"/>
+          <a:ext cx="0" cy="0"/>
+          <a:chOff x="0" y="0"/>
+          <a:chExt cx="0" cy="0"/>
+        </a:xfrm>
+      </p:grpSpPr>
+      <p:sp>
+        <p:nvSpPr>
+          <p:cNvPr id="2" name="Slide Image Placeholder 1"/>
+          <p:cNvSpPr>
+            <a:spLocks noGrp="1" noRot="1" noChangeAspect="1"/>
+          </p:cNvSpPr>
+          <p:nvPr>
+            <p:ph type="sldImg"/>
+          </p:nvPr>
+        </p:nvSpPr>
+        <p:spPr/>
+      </p:sp>
+      <p:sp>
+        <p:nvSpPr>
+          <p:cNvPr id="3" name="Notes Placeholder 2"/>
+          <p:cNvSpPr>
+            <a:spLocks noGrp="1"/>
+          </p:cNvSpPr>
+          <p:nvPr>
+            <p:ph type="body" idx="1"/>
+          </p:nvPr>
+        </p:nvSpPr>
+        <p:spPr/>
+        <p:txBody>
+          <a:bodyPr/>
+          <a:lstStyle/>
+          <a:p>
+            <a:endParaRPr lang="en-US" dirty="0"/>
+          </a:p>
+        </p:txBody>
+      </p:sp>
+      <p:sp>
+        <p:nvSpPr>
+          <p:cNvPr id="4" name="Slide Number Placeholder 3"/>
+          <p:cNvSpPr>
+            <a:spLocks noGrp="1"/>
+          </p:cNvSpPr>
+          <p:nvPr>
+            <p:ph type="sldNum" sz="quarter" idx="5"/>
+          </p:nvPr>
+        </p:nvSpPr>
+        <p:spPr/>
+        <p:txBody>
+          <a:bodyPr/>
+          <a:lstStyle/>
+          <a:p>
+            <a:fld id="{CCB0B7A7-645F-45EF-A82D-25C8E51FB344}" type="slidenum">
+              <a:rPr lang="en-US" smtClean="0"/>
               <a:t>17</a:t>
             </a:fld>
             <a:endParaRPr lang="en-US"/>
@@ -1129,27 +1522,7 @@
                 <a:effectLst/>
                 <a:latin typeface="-apple-system"/>
               </a:rPr>
-              <a:t>The application frontend is a </a:t>
-            </a:r>
-            <a:r>
-              <a:rPr lang="en-US" b="0" i="0" dirty="0" err="1">
-                <a:solidFill>
-                  <a:srgbClr val="1F2328"/>
-                </a:solidFill>
-                <a:effectLst/>
-                <a:latin typeface="-apple-system"/>
-              </a:rPr>
-              <a:t>Blazor</a:t>
-            </a:r>
-            <a:r>
-              <a:rPr lang="en-US" b="0" i="0" dirty="0">
-                <a:solidFill>
-                  <a:srgbClr val="1F2328"/>
-                </a:solidFill>
-                <a:effectLst/>
-                <a:latin typeface="-apple-system"/>
-              </a:rPr>
-              <a:t> application with Intelligent Agent UI functionality.</a:t>
+              <a:t>The application frontend is a React single-page application with Intelligent Agent UI functionality.</a:t>
             </a:r>
             <a:endParaRPr lang="en-US" dirty="0"/>
           </a:p>
@@ -1235,7 +1608,130 @@
           <a:bodyPr/>
           <a:lstStyle/>
           <a:p>
-            <a:endParaRPr lang="en-US"/>
+            <a:r>
+              <a:rPr lang="en-US" b="0" i="0" dirty="0">
+                <a:solidFill>
+                  <a:srgbClr val="E6E6E6"/>
+                </a:solidFill>
+                <a:effectLst/>
+                <a:latin typeface="Segoe UI" panose="020B0502040204020203" pitchFamily="34" charset="0"/>
+              </a:rPr>
+              <a:t>The Azure Cosmos DB change feed enables efficient processing of large datasets that have a high volume of writes. Change feed also offers an alternative to querying an entire dataset to identify what has changed. With it, we can implement common patterns, like Event Sourcing.</a:t>
+            </a:r>
+          </a:p>
+          <a:p>
+            <a:endParaRPr lang="en-US" b="0" i="0" dirty="0">
+              <a:solidFill>
+                <a:srgbClr val="E6E6E6"/>
+              </a:solidFill>
+              <a:effectLst/>
+              <a:latin typeface="Segoe UI" panose="020B0502040204020203" pitchFamily="34" charset="0"/>
+            </a:endParaRPr>
+          </a:p>
+          <a:p>
+            <a:pPr algn="l"/>
+            <a:r>
+              <a:rPr lang="en-US" b="0" i="0" dirty="0">
+                <a:solidFill>
+                  <a:srgbClr val="E6E6E6"/>
+                </a:solidFill>
+                <a:effectLst/>
+                <a:latin typeface="Segoe UI" panose="020B0502040204020203" pitchFamily="34" charset="0"/>
+              </a:rPr>
+              <a:t>Generally speaking, Azure Cosmos DB is well-suited for IoT, gaming, retail, and operational logging applications. A common design pattern in these applications is to use changes to the data to trigger other actions. Examples of these actions include:</a:t>
+            </a:r>
+          </a:p>
+          <a:p>
+            <a:pPr algn="l"/>
+            <a:endParaRPr lang="en-US" b="0" i="0" dirty="0">
+              <a:solidFill>
+                <a:srgbClr val="E6E6E6"/>
+              </a:solidFill>
+              <a:effectLst/>
+              <a:latin typeface="Segoe UI" panose="020B0502040204020203" pitchFamily="34" charset="0"/>
+            </a:endParaRPr>
+          </a:p>
+          <a:p>
+            <a:pPr algn="l">
+              <a:buFont typeface="Arial" panose="020B0604020202020204" pitchFamily="34" charset="0"/>
+              <a:buChar char="•"/>
+            </a:pPr>
+            <a:r>
+              <a:rPr lang="en-US" b="0" i="0" dirty="0">
+                <a:solidFill>
+                  <a:srgbClr val="E6E6E6"/>
+                </a:solidFill>
+                <a:effectLst/>
+                <a:latin typeface="Segoe UI" panose="020B0502040204020203" pitchFamily="34" charset="0"/>
+              </a:rPr>
+              <a:t>Triggering a notification or a call to an API when an item is inserted, updated, or deleted.</a:t>
+            </a:r>
+          </a:p>
+          <a:p>
+            <a:pPr algn="l">
+              <a:buFont typeface="Arial" panose="020B0604020202020204" pitchFamily="34" charset="0"/>
+              <a:buChar char="•"/>
+            </a:pPr>
+            <a:r>
+              <a:rPr lang="en-US" b="0" i="0" dirty="0">
+                <a:solidFill>
+                  <a:srgbClr val="E6E6E6"/>
+                </a:solidFill>
+                <a:effectLst/>
+                <a:latin typeface="Segoe UI" panose="020B0502040204020203" pitchFamily="34" charset="0"/>
+              </a:rPr>
+              <a:t>Real-time stream processing for IoT or real-time analytics processing on operational data.</a:t>
+            </a:r>
+          </a:p>
+          <a:p>
+            <a:pPr algn="l">
+              <a:buFont typeface="Arial" panose="020B0604020202020204" pitchFamily="34" charset="0"/>
+              <a:buChar char="•"/>
+            </a:pPr>
+            <a:r>
+              <a:rPr lang="en-US" b="0" i="0" dirty="0">
+                <a:solidFill>
+                  <a:srgbClr val="E6E6E6"/>
+                </a:solidFill>
+                <a:effectLst/>
+                <a:latin typeface="Segoe UI" panose="020B0502040204020203" pitchFamily="34" charset="0"/>
+              </a:rPr>
+              <a:t>Data movement such as synchronizing with a cache, a search engine, a data warehouse, or cold storage.</a:t>
+            </a:r>
+          </a:p>
+          <a:p>
+            <a:pPr algn="l"/>
+            <a:r>
+              <a:rPr lang="en-US" b="0" i="0" dirty="0">
+                <a:solidFill>
+                  <a:srgbClr val="E6E6E6"/>
+                </a:solidFill>
+                <a:effectLst/>
+                <a:latin typeface="Segoe UI" panose="020B0502040204020203" pitchFamily="34" charset="0"/>
+              </a:rPr>
+              <a:t>The change feed in Azure Cosmos DB enables you to build efficient and scalable solutions for each of these patterns, as shown in this image.</a:t>
+            </a:r>
+          </a:p>
+          <a:p>
+            <a:endParaRPr lang="en-US" b="0" i="0" dirty="0">
+              <a:solidFill>
+                <a:srgbClr val="E6E6E6"/>
+              </a:solidFill>
+              <a:effectLst/>
+              <a:latin typeface="Segoe UI" panose="020B0502040204020203" pitchFamily="34" charset="0"/>
+            </a:endParaRPr>
+          </a:p>
+          <a:p>
+            <a:endParaRPr lang="en-US" b="0" i="0" dirty="0">
+              <a:solidFill>
+                <a:srgbClr val="E6E6E6"/>
+              </a:solidFill>
+              <a:effectLst/>
+              <a:latin typeface="Segoe UI" panose="020B0502040204020203" pitchFamily="34" charset="0"/>
+            </a:endParaRPr>
+          </a:p>
+          <a:p>
+            <a:endParaRPr lang="en-US" dirty="0"/>
           </a:p>
         </p:txBody>
       </p:sp>
@@ -1246,7 +1742,7 @@
             <a:spLocks noGrp="1"/>
           </p:cNvSpPr>
           <p:nvPr>
-            <p:ph type="sldNum" sz="quarter" idx="10"/>
+            <p:ph type="sldNum" sz="quarter" idx="5"/>
           </p:nvPr>
         </p:nvSpPr>
         <p:spPr/>
@@ -1254,9 +1750,9 @@
           <a:bodyPr/>
           <a:lstStyle/>
           <a:p>
-            <a:fld id="{4249A09B-4A39-974B-9594-129A7470D52A}" type="slidenum">
+            <a:fld id="{CCB0B7A7-645F-45EF-A82D-25C8E51FB344}" type="slidenum">
               <a:rPr lang="en-US" smtClean="0"/>
-              <a:t>8</a:t>
+              <a:t>7</a:t>
             </a:fld>
             <a:endParaRPr lang="en-US"/>
           </a:p>
@@ -1265,7 +1761,7 @@
     </p:spTree>
     <p:extLst>
       <p:ext uri="{BB962C8B-B14F-4D97-AF65-F5344CB8AC3E}">
-        <p14:creationId xmlns:p14="http://schemas.microsoft.com/office/powerpoint/2010/main" val="3803026329"/>
+        <p14:creationId xmlns:p14="http://schemas.microsoft.com/office/powerpoint/2010/main" val="3535509825"/>
       </p:ext>
     </p:extLst>
   </p:cSld>
@@ -1319,10 +1815,7 @@
           <a:bodyPr/>
           <a:lstStyle/>
           <a:p>
-            <a:r>
-              <a:rPr lang="en-US" dirty="0"/>
-              <a:t>It all starts from an Ask.  The user has a need that needs to be filled.  Kernel, in Semantic Kernel, is the orchestrator for the Ask.  It sends the Ask over to the Planner to the right skills can be found and the right steps can be created from the Ask and Skills.</a:t>
-            </a:r>
+            <a:endParaRPr lang="en-US"/>
           </a:p>
         </p:txBody>
       </p:sp>
@@ -1333,7 +1826,7 @@
             <a:spLocks noGrp="1"/>
           </p:cNvSpPr>
           <p:nvPr>
-            <p:ph type="sldNum" sz="quarter" idx="5"/>
+            <p:ph type="sldNum" sz="quarter" idx="10"/>
           </p:nvPr>
         </p:nvSpPr>
         <p:spPr/>
@@ -1341,9 +1834,9 @@
           <a:bodyPr/>
           <a:lstStyle/>
           <a:p>
-            <a:fld id="{FB75EBB8-D7E4-4048-A244-754319938B9C}" type="slidenum">
+            <a:fld id="{4249A09B-4A39-974B-9594-129A7470D52A}" type="slidenum">
               <a:rPr lang="en-US" smtClean="0"/>
-              <a:t>9</a:t>
+              <a:t>8</a:t>
             </a:fld>
             <a:endParaRPr lang="en-US"/>
           </a:p>
@@ -1352,7 +1845,7 @@
     </p:spTree>
     <p:extLst>
       <p:ext uri="{BB962C8B-B14F-4D97-AF65-F5344CB8AC3E}">
-        <p14:creationId xmlns:p14="http://schemas.microsoft.com/office/powerpoint/2010/main" val="2185004753"/>
+        <p14:creationId xmlns:p14="http://schemas.microsoft.com/office/powerpoint/2010/main" val="3803026329"/>
       </p:ext>
     </p:extLst>
   </p:cSld>
@@ -1408,7 +1901,7 @@
           <a:p>
             <a:r>
               <a:rPr lang="en-US" dirty="0"/>
-              <a:t>Models + skills are amazing and when you add personalized memories and real-time data they become an enabler for warp speed productivity.</a:t>
+              <a:t>It all starts from an Ask.  The user has a need that needs to be filled.  Kernel, in Semantic Kernel, is the orchestrator for the Ask.  It sends the Ask over to the Planner to the right skills can be found and the right steps can be created from the Ask and Skills.</a:t>
             </a:r>
           </a:p>
         </p:txBody>
@@ -1430,6 +1923,93 @@
           <a:p>
             <a:fld id="{FB75EBB8-D7E4-4048-A244-754319938B9C}" type="slidenum">
               <a:rPr lang="en-US" smtClean="0"/>
+              <a:t>9</a:t>
+            </a:fld>
+            <a:endParaRPr lang="en-US"/>
+          </a:p>
+        </p:txBody>
+      </p:sp>
+    </p:spTree>
+    <p:extLst>
+      <p:ext uri="{BB962C8B-B14F-4D97-AF65-F5344CB8AC3E}">
+        <p14:creationId xmlns:p14="http://schemas.microsoft.com/office/powerpoint/2010/main" val="2185004753"/>
+      </p:ext>
+    </p:extLst>
+  </p:cSld>
+  <p:clrMapOvr>
+    <a:masterClrMapping/>
+  </p:clrMapOvr>
+</p:notes>
+</file>
+
+<file path=ppt/notesSlides/notesSlide6.xml><?xml version="1.0" encoding="utf-8"?>
+<p:notes xmlns:a="http://schemas.openxmlformats.org/drawingml/2006/main" xmlns:r="http://schemas.openxmlformats.org/officeDocument/2006/relationships" xmlns:p="http://schemas.openxmlformats.org/presentationml/2006/main">
+  <p:cSld>
+    <p:spTree>
+      <p:nvGrpSpPr>
+        <p:cNvPr id="1" name=""/>
+        <p:cNvGrpSpPr/>
+        <p:nvPr/>
+      </p:nvGrpSpPr>
+      <p:grpSpPr>
+        <a:xfrm>
+          <a:off x="0" y="0"/>
+          <a:ext cx="0" cy="0"/>
+          <a:chOff x="0" y="0"/>
+          <a:chExt cx="0" cy="0"/>
+        </a:xfrm>
+      </p:grpSpPr>
+      <p:sp>
+        <p:nvSpPr>
+          <p:cNvPr id="2" name="Slide Image Placeholder 1"/>
+          <p:cNvSpPr>
+            <a:spLocks noGrp="1" noRot="1" noChangeAspect="1"/>
+          </p:cNvSpPr>
+          <p:nvPr>
+            <p:ph type="sldImg"/>
+          </p:nvPr>
+        </p:nvSpPr>
+        <p:spPr/>
+      </p:sp>
+      <p:sp>
+        <p:nvSpPr>
+          <p:cNvPr id="3" name="Notes Placeholder 2"/>
+          <p:cNvSpPr>
+            <a:spLocks noGrp="1"/>
+          </p:cNvSpPr>
+          <p:nvPr>
+            <p:ph type="body" idx="1"/>
+          </p:nvPr>
+        </p:nvSpPr>
+        <p:spPr/>
+        <p:txBody>
+          <a:bodyPr/>
+          <a:lstStyle/>
+          <a:p>
+            <a:r>
+              <a:rPr lang="en-US" dirty="0"/>
+              <a:t>Models + skills are amazing and when you add personalized memories and real-time data they become an enabler for warp speed productivity.</a:t>
+            </a:r>
+          </a:p>
+        </p:txBody>
+      </p:sp>
+      <p:sp>
+        <p:nvSpPr>
+          <p:cNvPr id="4" name="Slide Number Placeholder 3"/>
+          <p:cNvSpPr>
+            <a:spLocks noGrp="1"/>
+          </p:cNvSpPr>
+          <p:nvPr>
+            <p:ph type="sldNum" sz="quarter" idx="5"/>
+          </p:nvPr>
+        </p:nvSpPr>
+        <p:spPr/>
+        <p:txBody>
+          <a:bodyPr/>
+          <a:lstStyle/>
+          <a:p>
+            <a:fld id="{FB75EBB8-D7E4-4048-A244-754319938B9C}" type="slidenum">
+              <a:rPr lang="en-US" smtClean="0"/>
               <a:t>10</a:t>
             </a:fld>
             <a:endParaRPr lang="en-US"/>
@@ -1449,7 +2029,7 @@
 </p:notes>
 </file>
 
-<file path=ppt/notesSlides/notesSlide6.xml><?xml version="1.0" encoding="utf-8"?>
+<file path=ppt/notesSlides/notesSlide7.xml><?xml version="1.0" encoding="utf-8"?>
 <p:notes xmlns:a="http://schemas.openxmlformats.org/drawingml/2006/main" xmlns:r="http://schemas.openxmlformats.org/officeDocument/2006/relationships" xmlns:p="http://schemas.openxmlformats.org/presentationml/2006/main">
   <p:cSld>
     <p:spTree>
@@ -1629,93 +2209,6 @@
 </p:notes>
 </file>
 
-<file path=ppt/notesSlides/notesSlide7.xml><?xml version="1.0" encoding="utf-8"?>
-<p:notes xmlns:a="http://schemas.openxmlformats.org/drawingml/2006/main" xmlns:r="http://schemas.openxmlformats.org/officeDocument/2006/relationships" xmlns:p="http://schemas.openxmlformats.org/presentationml/2006/main">
-  <p:cSld>
-    <p:spTree>
-      <p:nvGrpSpPr>
-        <p:cNvPr id="1" name=""/>
-        <p:cNvGrpSpPr/>
-        <p:nvPr/>
-      </p:nvGrpSpPr>
-      <p:grpSpPr>
-        <a:xfrm>
-          <a:off x="0" y="0"/>
-          <a:ext cx="0" cy="0"/>
-          <a:chOff x="0" y="0"/>
-          <a:chExt cx="0" cy="0"/>
-        </a:xfrm>
-      </p:grpSpPr>
-      <p:sp>
-        <p:nvSpPr>
-          <p:cNvPr id="2" name="Slide Image Placeholder 1"/>
-          <p:cNvSpPr>
-            <a:spLocks noGrp="1" noRot="1" noChangeAspect="1"/>
-          </p:cNvSpPr>
-          <p:nvPr>
-            <p:ph type="sldImg"/>
-          </p:nvPr>
-        </p:nvSpPr>
-        <p:spPr/>
-      </p:sp>
-      <p:sp>
-        <p:nvSpPr>
-          <p:cNvPr id="3" name="Notes Placeholder 2"/>
-          <p:cNvSpPr>
-            <a:spLocks noGrp="1"/>
-          </p:cNvSpPr>
-          <p:nvPr>
-            <p:ph type="body" idx="1"/>
-          </p:nvPr>
-        </p:nvSpPr>
-        <p:spPr/>
-        <p:txBody>
-          <a:bodyPr/>
-          <a:lstStyle/>
-          <a:p>
-            <a:r>
-              <a:rPr lang="en-US"/>
-              <a:t>This guide is only meant to be a reference. Please do not rely on this guide in place of completing the challenges before coaching. </a:t>
-            </a:r>
-          </a:p>
-        </p:txBody>
-      </p:sp>
-      <p:sp>
-        <p:nvSpPr>
-          <p:cNvPr id="4" name="Slide Number Placeholder 3"/>
-          <p:cNvSpPr>
-            <a:spLocks noGrp="1"/>
-          </p:cNvSpPr>
-          <p:nvPr>
-            <p:ph type="sldNum" sz="quarter" idx="5"/>
-          </p:nvPr>
-        </p:nvSpPr>
-        <p:spPr/>
-        <p:txBody>
-          <a:bodyPr/>
-          <a:lstStyle/>
-          <a:p>
-            <a:fld id="{B14F9875-39BF-4C18-A21D-3E04A24EDC12}" type="slidenum">
-              <a:rPr lang="en-US" smtClean="0"/>
-              <a:t>12</a:t>
-            </a:fld>
-            <a:endParaRPr lang="en-US"/>
-          </a:p>
-        </p:txBody>
-      </p:sp>
-    </p:spTree>
-    <p:extLst>
-      <p:ext uri="{BB962C8B-B14F-4D97-AF65-F5344CB8AC3E}">
-        <p14:creationId xmlns:p14="http://schemas.microsoft.com/office/powerpoint/2010/main" val="1691727235"/>
-      </p:ext>
-    </p:extLst>
-  </p:cSld>
-  <p:clrMapOvr>
-    <a:masterClrMapping/>
-  </p:clrMapOvr>
-</p:notes>
-</file>
-
 <file path=ppt/notesSlides/notesSlide8.xml><?xml version="1.0" encoding="utf-8"?>
 <p:notes xmlns:a="http://schemas.openxmlformats.org/drawingml/2006/main" xmlns:r="http://schemas.openxmlformats.org/officeDocument/2006/relationships" xmlns:p="http://schemas.openxmlformats.org/presentationml/2006/main">
   <p:cSld>
@@ -1760,7 +2253,10 @@
           <a:bodyPr/>
           <a:lstStyle/>
           <a:p>
-            <a:endParaRPr lang="en-US" dirty="0"/>
+            <a:r>
+              <a:rPr lang="en-US"/>
+              <a:t>This guide is only meant to be a reference. Please do not rely on this guide in place of completing the challenges before coaching. </a:t>
+            </a:r>
           </a:p>
         </p:txBody>
       </p:sp>
@@ -1779,9 +2275,9 @@
           <a:bodyPr/>
           <a:lstStyle/>
           <a:p>
-            <a:fld id="{CCB0B7A7-645F-45EF-A82D-25C8E51FB344}" type="slidenum">
+            <a:fld id="{B14F9875-39BF-4C18-A21D-3E04A24EDC12}" type="slidenum">
               <a:rPr lang="en-US" smtClean="0"/>
-              <a:t>13</a:t>
+              <a:t>12</a:t>
             </a:fld>
             <a:endParaRPr lang="en-US"/>
           </a:p>
@@ -1790,7 +2286,7 @@
     </p:spTree>
     <p:extLst>
       <p:ext uri="{BB962C8B-B14F-4D97-AF65-F5344CB8AC3E}">
-        <p14:creationId xmlns:p14="http://schemas.microsoft.com/office/powerpoint/2010/main" val="3706595812"/>
+        <p14:creationId xmlns:p14="http://schemas.microsoft.com/office/powerpoint/2010/main" val="1691727235"/>
       </p:ext>
     </p:extLst>
   </p:cSld>
@@ -1865,7 +2361,7 @@
           <a:p>
             <a:fld id="{CCB0B7A7-645F-45EF-A82D-25C8E51FB344}" type="slidenum">
               <a:rPr lang="en-US" smtClean="0"/>
-              <a:t>14</a:t>
+              <a:t>13</a:t>
             </a:fld>
             <a:endParaRPr lang="en-US"/>
           </a:p>
@@ -12652,7 +13148,7 @@
           <a:p>
             <a:fld id="{E99080E2-161E-4461-9006-6F8BF1776BE3}" type="datetime1">
               <a:rPr lang="en-US" smtClean="0"/>
-              <a:t>6/28/2023</a:t>
+              <a:t>11/14/2023</a:t>
             </a:fld>
             <a:endParaRPr lang="en-US"/>
           </a:p>
@@ -12765,7 +13261,7 @@
           <a:p>
             <a:fld id="{643E9E83-8A79-40C0-9FE5-E30ED9EDC2DE}" type="datetime1">
               <a:rPr lang="en-US" smtClean="0"/>
-              <a:t>6/28/2023</a:t>
+              <a:t>11/14/2023</a:t>
             </a:fld>
             <a:endParaRPr lang="en-US"/>
           </a:p>
@@ -12872,174 +13368,6 @@
 </file>
 
 <file path=ppt/slideLayouts/slideLayout52.xml><?xml version="1.0" encoding="utf-8"?>
-<p:sldLayout xmlns:a="http://schemas.openxmlformats.org/drawingml/2006/main" xmlns:r="http://schemas.openxmlformats.org/officeDocument/2006/relationships" xmlns:p="http://schemas.openxmlformats.org/presentationml/2006/main" userDrawn="1">
-  <p:cSld name="1_Title and stage">
-    <p:spTree>
-      <p:nvGrpSpPr>
-        <p:cNvPr id="1" name=""/>
-        <p:cNvGrpSpPr/>
-        <p:nvPr/>
-      </p:nvGrpSpPr>
-      <p:grpSpPr>
-        <a:xfrm>
-          <a:off x="0" y="0"/>
-          <a:ext cx="0" cy="0"/>
-          <a:chOff x="0" y="0"/>
-          <a:chExt cx="0" cy="0"/>
-        </a:xfrm>
-      </p:grpSpPr>
-      <p:sp>
-        <p:nvSpPr>
-          <p:cNvPr id="2" name="Title 1"/>
-          <p:cNvSpPr>
-            <a:spLocks noGrp="1"/>
-          </p:cNvSpPr>
-          <p:nvPr>
-            <p:ph type="title"/>
-          </p:nvPr>
-        </p:nvSpPr>
-        <p:spPr>
-          <a:xfrm>
-            <a:off x="269240" y="289511"/>
-            <a:ext cx="11655840" cy="899665"/>
-          </a:xfrm>
-        </p:spPr>
-        <p:txBody>
-          <a:bodyPr/>
-          <a:lstStyle>
-            <a:lvl1pPr algn="l">
-              <a:defRPr/>
-            </a:lvl1pPr>
-          </a:lstStyle>
-          <a:p>
-            <a:r>
-              <a:rPr lang="en-US"/>
-              <a:t>Click to edit Master title style</a:t>
-            </a:r>
-          </a:p>
-        </p:txBody>
-      </p:sp>
-      <p:sp>
-        <p:nvSpPr>
-          <p:cNvPr id="3" name="Rectangle 2">
-            <a:extLst>
-              <a:ext uri="{FF2B5EF4-FFF2-40B4-BE49-F238E27FC236}">
-                <a16:creationId xmlns:a16="http://schemas.microsoft.com/office/drawing/2014/main" id="{E8FBB2BD-846C-4813-B494-1EA4319C74C7}"/>
-              </a:ext>
-            </a:extLst>
-          </p:cNvPr>
-          <p:cNvSpPr/>
-          <p:nvPr userDrawn="1"/>
-        </p:nvSpPr>
-        <p:spPr>
-          <a:xfrm>
-            <a:off x="0" y="1469984"/>
-            <a:ext cx="12192000" cy="5395249"/>
-          </a:xfrm>
-          <a:prstGeom prst="rect">
-            <a:avLst/>
-          </a:prstGeom>
-          <a:solidFill>
-            <a:schemeClr val="bg1">
-              <a:lumMod val="95000"/>
-              <a:alpha val="89000"/>
-            </a:schemeClr>
-          </a:solidFill>
-          <a:ln>
-            <a:noFill/>
-          </a:ln>
-        </p:spPr>
-        <p:style>
-          <a:lnRef idx="2">
-            <a:schemeClr val="accent1">
-              <a:shade val="50000"/>
-            </a:schemeClr>
-          </a:lnRef>
-          <a:fillRef idx="1">
-            <a:schemeClr val="accent1"/>
-          </a:fillRef>
-          <a:effectRef idx="0">
-            <a:schemeClr val="accent1"/>
-          </a:effectRef>
-          <a:fontRef idx="minor">
-            <a:schemeClr val="lt1"/>
-          </a:fontRef>
-        </p:style>
-        <p:txBody>
-          <a:bodyPr rtlCol="0" anchor="ctr"/>
-          <a:lstStyle/>
-          <a:p>
-            <a:pPr algn="ctr"/>
-            <a:endParaRPr lang="en-US"/>
-          </a:p>
-        </p:txBody>
-      </p:sp>
-      <p:sp>
-        <p:nvSpPr>
-          <p:cNvPr id="6" name="Text Placeholder 5">
-            <a:extLst>
-              <a:ext uri="{FF2B5EF4-FFF2-40B4-BE49-F238E27FC236}">
-                <a16:creationId xmlns:a16="http://schemas.microsoft.com/office/drawing/2014/main" id="{D51B25BF-04D3-438D-B22A-D496C649A19B}"/>
-              </a:ext>
-            </a:extLst>
-          </p:cNvPr>
-          <p:cNvSpPr>
-            <a:spLocks noGrp="1"/>
-          </p:cNvSpPr>
-          <p:nvPr>
-            <p:ph type="body" sz="quarter" idx="10"/>
-          </p:nvPr>
-        </p:nvSpPr>
-        <p:spPr>
-          <a:xfrm>
-            <a:off x="269239" y="1925685"/>
-            <a:ext cx="11655839" cy="286232"/>
-          </a:xfrm>
-          <a:noFill/>
-        </p:spPr>
-        <p:txBody>
-          <a:bodyPr wrap="square" lIns="91440" tIns="45720" rIns="91440" bIns="45720" rtlCol="0">
-            <a:spAutoFit/>
-          </a:bodyPr>
-          <a:lstStyle>
-            <a:lvl1pPr marL="0" indent="0">
-              <a:buNone/>
-              <a:defRPr lang="en-US" sz="1400" b="1" dirty="0" smtClean="0">
-                <a:solidFill>
-                  <a:schemeClr val="tx2"/>
-                </a:solidFill>
-                <a:latin typeface="Arial" panose="020B0604020202020204" pitchFamily="34" charset="0"/>
-                <a:ea typeface="Arial" panose="020B0604020202020204" pitchFamily="34" charset="0"/>
-                <a:cs typeface="Arial" panose="020B0604020202020204" pitchFamily="34" charset="0"/>
-              </a:defRPr>
-            </a:lvl1pPr>
-          </a:lstStyle>
-          <a:p>
-            <a:pPr marL="0" lvl="0" defTabSz="914400"/>
-            <a:r>
-              <a:rPr lang="en-US" dirty="0"/>
-              <a:t>Edit Master text styles</a:t>
-            </a:r>
-          </a:p>
-        </p:txBody>
-      </p:sp>
-    </p:spTree>
-    <p:extLst>
-      <p:ext uri="{BB962C8B-B14F-4D97-AF65-F5344CB8AC3E}">
-        <p14:creationId xmlns:p14="http://schemas.microsoft.com/office/powerpoint/2010/main" val="689168225"/>
-      </p:ext>
-    </p:extLst>
-  </p:cSld>
-  <p:clrMapOvr>
-    <a:masterClrMapping/>
-  </p:clrMapOvr>
-  <p:transition>
-    <p:fade/>
-  </p:transition>
-</p:sldLayout>
-</file>
-
-<file path=ppt/slideLayouts/slideLayout53.xml><?xml version="1.0" encoding="utf-8"?>
 <p:sldLayout xmlns:a="http://schemas.openxmlformats.org/drawingml/2006/main" xmlns:r="http://schemas.openxmlformats.org/officeDocument/2006/relationships" xmlns:p="http://schemas.openxmlformats.org/presentationml/2006/main" userDrawn="1">
   <p:cSld name="Key Point Freeform">
     <p:spTree>
@@ -13272,6 +13600,174 @@
       </p15:sldGuideLst>
     </p:ext>
   </p:extLst>
+</p:sldLayout>
+</file>
+
+<file path=ppt/slideLayouts/slideLayout53.xml><?xml version="1.0" encoding="utf-8"?>
+<p:sldLayout xmlns:a="http://schemas.openxmlformats.org/drawingml/2006/main" xmlns:r="http://schemas.openxmlformats.org/officeDocument/2006/relationships" xmlns:p="http://schemas.openxmlformats.org/presentationml/2006/main" userDrawn="1">
+  <p:cSld name="1_Title and stage">
+    <p:spTree>
+      <p:nvGrpSpPr>
+        <p:cNvPr id="1" name=""/>
+        <p:cNvGrpSpPr/>
+        <p:nvPr/>
+      </p:nvGrpSpPr>
+      <p:grpSpPr>
+        <a:xfrm>
+          <a:off x="0" y="0"/>
+          <a:ext cx="0" cy="0"/>
+          <a:chOff x="0" y="0"/>
+          <a:chExt cx="0" cy="0"/>
+        </a:xfrm>
+      </p:grpSpPr>
+      <p:sp>
+        <p:nvSpPr>
+          <p:cNvPr id="2" name="Title 1"/>
+          <p:cNvSpPr>
+            <a:spLocks noGrp="1"/>
+          </p:cNvSpPr>
+          <p:nvPr>
+            <p:ph type="title"/>
+          </p:nvPr>
+        </p:nvSpPr>
+        <p:spPr>
+          <a:xfrm>
+            <a:off x="269240" y="289511"/>
+            <a:ext cx="11655840" cy="899665"/>
+          </a:xfrm>
+        </p:spPr>
+        <p:txBody>
+          <a:bodyPr/>
+          <a:lstStyle>
+            <a:lvl1pPr algn="l">
+              <a:defRPr/>
+            </a:lvl1pPr>
+          </a:lstStyle>
+          <a:p>
+            <a:r>
+              <a:rPr lang="en-US"/>
+              <a:t>Click to edit Master title style</a:t>
+            </a:r>
+          </a:p>
+        </p:txBody>
+      </p:sp>
+      <p:sp>
+        <p:nvSpPr>
+          <p:cNvPr id="3" name="Rectangle 2">
+            <a:extLst>
+              <a:ext uri="{FF2B5EF4-FFF2-40B4-BE49-F238E27FC236}">
+                <a16:creationId xmlns:a16="http://schemas.microsoft.com/office/drawing/2014/main" id="{E8FBB2BD-846C-4813-B494-1EA4319C74C7}"/>
+              </a:ext>
+            </a:extLst>
+          </p:cNvPr>
+          <p:cNvSpPr/>
+          <p:nvPr userDrawn="1"/>
+        </p:nvSpPr>
+        <p:spPr>
+          <a:xfrm>
+            <a:off x="0" y="1469984"/>
+            <a:ext cx="12192000" cy="5395249"/>
+          </a:xfrm>
+          <a:prstGeom prst="rect">
+            <a:avLst/>
+          </a:prstGeom>
+          <a:solidFill>
+            <a:schemeClr val="bg1">
+              <a:lumMod val="95000"/>
+              <a:alpha val="89000"/>
+            </a:schemeClr>
+          </a:solidFill>
+          <a:ln>
+            <a:noFill/>
+          </a:ln>
+        </p:spPr>
+        <p:style>
+          <a:lnRef idx="2">
+            <a:schemeClr val="accent1">
+              <a:shade val="50000"/>
+            </a:schemeClr>
+          </a:lnRef>
+          <a:fillRef idx="1">
+            <a:schemeClr val="accent1"/>
+          </a:fillRef>
+          <a:effectRef idx="0">
+            <a:schemeClr val="accent1"/>
+          </a:effectRef>
+          <a:fontRef idx="minor">
+            <a:schemeClr val="lt1"/>
+          </a:fontRef>
+        </p:style>
+        <p:txBody>
+          <a:bodyPr rtlCol="0" anchor="ctr"/>
+          <a:lstStyle/>
+          <a:p>
+            <a:pPr algn="ctr"/>
+            <a:endParaRPr lang="en-US"/>
+          </a:p>
+        </p:txBody>
+      </p:sp>
+      <p:sp>
+        <p:nvSpPr>
+          <p:cNvPr id="6" name="Text Placeholder 5">
+            <a:extLst>
+              <a:ext uri="{FF2B5EF4-FFF2-40B4-BE49-F238E27FC236}">
+                <a16:creationId xmlns:a16="http://schemas.microsoft.com/office/drawing/2014/main" id="{D51B25BF-04D3-438D-B22A-D496C649A19B}"/>
+              </a:ext>
+            </a:extLst>
+          </p:cNvPr>
+          <p:cNvSpPr>
+            <a:spLocks noGrp="1"/>
+          </p:cNvSpPr>
+          <p:nvPr>
+            <p:ph type="body" sz="quarter" idx="10"/>
+          </p:nvPr>
+        </p:nvSpPr>
+        <p:spPr>
+          <a:xfrm>
+            <a:off x="269239" y="1925685"/>
+            <a:ext cx="11655839" cy="286232"/>
+          </a:xfrm>
+          <a:noFill/>
+        </p:spPr>
+        <p:txBody>
+          <a:bodyPr wrap="square" lIns="91440" tIns="45720" rIns="91440" bIns="45720" rtlCol="0">
+            <a:spAutoFit/>
+          </a:bodyPr>
+          <a:lstStyle>
+            <a:lvl1pPr marL="0" indent="0">
+              <a:buNone/>
+              <a:defRPr lang="en-US" sz="1400" b="1" dirty="0" smtClean="0">
+                <a:solidFill>
+                  <a:schemeClr val="tx2"/>
+                </a:solidFill>
+                <a:latin typeface="Arial" panose="020B0604020202020204" pitchFamily="34" charset="0"/>
+                <a:ea typeface="Arial" panose="020B0604020202020204" pitchFamily="34" charset="0"/>
+                <a:cs typeface="Arial" panose="020B0604020202020204" pitchFamily="34" charset="0"/>
+              </a:defRPr>
+            </a:lvl1pPr>
+          </a:lstStyle>
+          <a:p>
+            <a:pPr marL="0" lvl="0" defTabSz="914400"/>
+            <a:r>
+              <a:rPr lang="en-US" dirty="0"/>
+              <a:t>Edit Master text styles</a:t>
+            </a:r>
+          </a:p>
+        </p:txBody>
+      </p:sp>
+    </p:spTree>
+    <p:extLst>
+      <p:ext uri="{BB962C8B-B14F-4D97-AF65-F5344CB8AC3E}">
+        <p14:creationId xmlns:p14="http://schemas.microsoft.com/office/powerpoint/2010/main" val="1314613521"/>
+      </p:ext>
+    </p:extLst>
+  </p:cSld>
+  <p:clrMapOvr>
+    <a:masterClrMapping/>
+  </p:clrMapOvr>
+  <p:transition>
+    <p:fade/>
+  </p:transition>
 </p:sldLayout>
 </file>
 
@@ -16323,8 +16819,8 @@
     <p:sldLayoutId id="2147483927" r:id="rId49"/>
     <p:sldLayoutId id="2147483929" r:id="rId50"/>
     <p:sldLayoutId id="2147483930" r:id="rId51"/>
-    <p:sldLayoutId id="2147483931" r:id="rId52"/>
-    <p:sldLayoutId id="2147483932" r:id="rId53"/>
+    <p:sldLayoutId id="2147483932" r:id="rId52"/>
+    <p:sldLayoutId id="2147483933" r:id="rId53"/>
   </p:sldLayoutIdLst>
   <p:transition>
     <p:fade/>
@@ -21702,22 +22198,20 @@
       </p:grpSpPr>
       <p:sp>
         <p:nvSpPr>
-          <p:cNvPr id="112" name="Rectangle 111">
+          <p:cNvPr id="108" name="Rectangle 107">
             <a:extLst>
               <a:ext uri="{FF2B5EF4-FFF2-40B4-BE49-F238E27FC236}">
-                <a16:creationId xmlns:a16="http://schemas.microsoft.com/office/drawing/2014/main" id="{ECE41535-39F8-99B1-8730-09E4C1248118}"/>
+                <a16:creationId xmlns:a16="http://schemas.microsoft.com/office/drawing/2014/main" id="{0D521AC6-12FA-83A2-1ED4-96D32D275074}"/>
               </a:ext>
             </a:extLst>
           </p:cNvPr>
-          <p:cNvSpPr>
-            <a:spLocks noGrp="1" noRot="1" noMove="1" noResize="1" noEditPoints="1" noAdjustHandles="1" noChangeArrowheads="1" noChangeShapeType="1"/>
-          </p:cNvSpPr>
+          <p:cNvSpPr/>
           <p:nvPr/>
         </p:nvSpPr>
         <p:spPr bwMode="auto">
           <a:xfrm>
-            <a:off x="1151467" y="939800"/>
-            <a:ext cx="9781727" cy="5545667"/>
+            <a:off x="0" y="967302"/>
+            <a:ext cx="12215004" cy="5357004"/>
           </a:xfrm>
           <a:prstGeom prst="rect">
             <a:avLst/>
@@ -21773,2106 +22267,6 @@
           </a:p>
         </p:txBody>
       </p:sp>
-      <p:grpSp>
-        <p:nvGrpSpPr>
-          <p:cNvPr id="224" name="Group 223">
-            <a:extLst>
-              <a:ext uri="{FF2B5EF4-FFF2-40B4-BE49-F238E27FC236}">
-                <a16:creationId xmlns:a16="http://schemas.microsoft.com/office/drawing/2014/main" id="{42D2B3C6-3B92-0BD7-8C53-9D3944B4AFF0}"/>
-              </a:ext>
-            </a:extLst>
-          </p:cNvPr>
-          <p:cNvGrpSpPr/>
-          <p:nvPr/>
-        </p:nvGrpSpPr>
-        <p:grpSpPr>
-          <a:xfrm>
-            <a:off x="2272358" y="1161942"/>
-            <a:ext cx="7467760" cy="4534115"/>
-            <a:chOff x="2759407" y="1241136"/>
-            <a:chExt cx="7386335" cy="4999845"/>
-          </a:xfrm>
-          <a:noFill/>
-        </p:grpSpPr>
-        <p:sp>
-          <p:nvSpPr>
-            <p:cNvPr id="225" name="Rectangle: Rounded Corners 224">
-              <a:extLst>
-                <a:ext uri="{FF2B5EF4-FFF2-40B4-BE49-F238E27FC236}">
-                  <a16:creationId xmlns:a16="http://schemas.microsoft.com/office/drawing/2014/main" id="{A1033CD5-33A5-0D25-563E-F66BDDE7C19A}"/>
-                </a:ext>
-              </a:extLst>
-            </p:cNvPr>
-            <p:cNvSpPr/>
-            <p:nvPr/>
-          </p:nvSpPr>
-          <p:spPr>
-            <a:xfrm>
-              <a:off x="2759407" y="1241136"/>
-              <a:ext cx="7386335" cy="4999845"/>
-            </a:xfrm>
-            <a:prstGeom prst="roundRect">
-              <a:avLst>
-                <a:gd name="adj" fmla="val 1749"/>
-              </a:avLst>
-            </a:prstGeom>
-            <a:grpFill/>
-            <a:ln w="19050" cap="flat" cmpd="sng" algn="ctr">
-              <a:solidFill>
-                <a:srgbClr val="38C0F0"/>
-              </a:solidFill>
-              <a:prstDash val="dash"/>
-              <a:miter lim="800000"/>
-            </a:ln>
-            <a:effectLst/>
-          </p:spPr>
-          <p:txBody>
-            <a:bodyPr rtlCol="0" anchor="ctr"/>
-            <a:lstStyle/>
-            <a:p>
-              <a:pPr marL="0" marR="0" lvl="0" indent="0" algn="ctr" defTabSz="914400" eaLnBrk="1" fontAlgn="auto" latinLnBrk="0" hangingPunct="1">
-                <a:lnSpc>
-                  <a:spcPct val="80000"/>
-                </a:lnSpc>
-                <a:spcBef>
-                  <a:spcPts val="0"/>
-                </a:spcBef>
-                <a:spcAft>
-                  <a:spcPts val="0"/>
-                </a:spcAft>
-                <a:buClrTx/>
-                <a:buSzTx/>
-                <a:buFontTx/>
-                <a:buNone/>
-                <a:tabLst/>
-                <a:defRPr/>
-              </a:pPr>
-              <a:endParaRPr kumimoji="0" lang="en-US" sz="1400" b="0" i="0" u="none" strike="noStrike" kern="0" cap="none" spc="0" normalizeH="0" baseline="0" noProof="0">
-                <a:ln>
-                  <a:noFill/>
-                </a:ln>
-                <a:solidFill>
-                  <a:prstClr val="black">
-                    <a:lumMod val="75000"/>
-                  </a:prstClr>
-                </a:solidFill>
-                <a:effectLst/>
-                <a:highlight>
-                  <a:srgbClr val="E7F3F5"/>
-                </a:highlight>
-                <a:uLnTx/>
-                <a:uFillTx/>
-                <a:latin typeface="Segoe UI Light" panose="020B0502040204020203" pitchFamily="34" charset="0"/>
-                <a:ea typeface="+mn-ea"/>
-                <a:cs typeface="Segoe UI Light" panose="020B0502040204020203" pitchFamily="34" charset="0"/>
-              </a:endParaRPr>
-            </a:p>
-          </p:txBody>
-        </p:sp>
-        <p:pic>
-          <p:nvPicPr>
-            <p:cNvPr id="226" name="Picture 2" descr="See the source image">
-              <a:extLst>
-                <a:ext uri="{FF2B5EF4-FFF2-40B4-BE49-F238E27FC236}">
-                  <a16:creationId xmlns:a16="http://schemas.microsoft.com/office/drawing/2014/main" id="{68B3E51B-614F-E731-F25D-CB093BFC57FA}"/>
-                </a:ext>
-              </a:extLst>
-            </p:cNvPr>
-            <p:cNvPicPr>
-              <a:picLocks noChangeAspect="1" noChangeArrowheads="1"/>
-            </p:cNvPicPr>
-            <p:nvPr/>
-          </p:nvPicPr>
-          <p:blipFill>
-            <a:blip r:embed="rId3">
-              <a:extLst>
-                <a:ext uri="{28A0092B-C50C-407E-A947-70E740481C1C}">
-                  <a14:useLocalDpi xmlns:a14="http://schemas.microsoft.com/office/drawing/2010/main" val="0"/>
-                </a:ext>
-              </a:extLst>
-            </a:blip>
-            <a:srcRect/>
-            <a:stretch>
-              <a:fillRect/>
-            </a:stretch>
-          </p:blipFill>
-          <p:spPr bwMode="auto">
-            <a:xfrm>
-              <a:off x="2849716" y="1313834"/>
-              <a:ext cx="407676" cy="434719"/>
-            </a:xfrm>
-            <a:prstGeom prst="rect">
-              <a:avLst/>
-            </a:prstGeom>
-            <a:grpFill/>
-          </p:spPr>
-        </p:pic>
-      </p:grpSp>
-      <p:sp>
-        <p:nvSpPr>
-          <p:cNvPr id="37" name="Rectangle 36">
-            <a:extLst>
-              <a:ext uri="{FF2B5EF4-FFF2-40B4-BE49-F238E27FC236}">
-                <a16:creationId xmlns:a16="http://schemas.microsoft.com/office/drawing/2014/main" id="{7C496A1D-B5FA-74AB-658C-A6CC240EC97D}"/>
-              </a:ext>
-            </a:extLst>
-          </p:cNvPr>
-          <p:cNvSpPr/>
-          <p:nvPr/>
-        </p:nvSpPr>
-        <p:spPr bwMode="auto">
-          <a:xfrm>
-            <a:off x="2446269" y="3103315"/>
-            <a:ext cx="2148080" cy="1478845"/>
-          </a:xfrm>
-          <a:prstGeom prst="rect">
-            <a:avLst/>
-          </a:prstGeom>
-          <a:solidFill>
-            <a:schemeClr val="tx1"/>
-          </a:solidFill>
-          <a:ln>
-            <a:noFill/>
-            <a:headEnd type="none" w="med" len="med"/>
-            <a:tailEnd type="none" w="med" len="med"/>
-          </a:ln>
-          <a:effectLst/>
-        </p:spPr>
-        <p:style>
-          <a:lnRef idx="1">
-            <a:schemeClr val="accent2"/>
-          </a:lnRef>
-          <a:fillRef idx="3">
-            <a:schemeClr val="accent2"/>
-          </a:fillRef>
-          <a:effectRef idx="2">
-            <a:schemeClr val="accent2"/>
-          </a:effectRef>
-          <a:fontRef idx="minor">
-            <a:schemeClr val="lt1"/>
-          </a:fontRef>
-        </p:style>
-        <p:txBody>
-          <a:bodyPr rot="0" spcFirstLastPara="0" vertOverflow="overflow" horzOverflow="overflow" vert="horz" wrap="square" lIns="182880" tIns="146304" rIns="182880" bIns="146304" numCol="1" spcCol="0" rtlCol="0" fromWordArt="0" anchor="t" anchorCtr="0" forceAA="0" compatLnSpc="1">
-            <a:prstTxWarp prst="textNoShape">
-              <a:avLst/>
-            </a:prstTxWarp>
-            <a:noAutofit/>
-          </a:bodyPr>
-          <a:lstStyle/>
-          <a:p>
-            <a:pPr algn="l" defTabSz="932472" fontAlgn="base">
-              <a:spcBef>
-                <a:spcPct val="0"/>
-              </a:spcBef>
-              <a:spcAft>
-                <a:spcPct val="0"/>
-              </a:spcAft>
-            </a:pPr>
-            <a:endParaRPr lang="en-US" sz="2000" dirty="0" err="1">
-              <a:solidFill>
-                <a:srgbClr val="000000"/>
-              </a:solidFill>
-              <a:ea typeface="Segoe UI" pitchFamily="34" charset="0"/>
-              <a:cs typeface="Segoe UI" pitchFamily="34" charset="0"/>
-            </a:endParaRPr>
-          </a:p>
-        </p:txBody>
-      </p:sp>
-      <p:sp>
-        <p:nvSpPr>
-          <p:cNvPr id="237" name="Rectangle: Rounded Corners 236">
-            <a:extLst>
-              <a:ext uri="{FF2B5EF4-FFF2-40B4-BE49-F238E27FC236}">
-                <a16:creationId xmlns:a16="http://schemas.microsoft.com/office/drawing/2014/main" id="{C975B166-37DF-20C2-48C8-E8A9D74D767A}"/>
-              </a:ext>
-            </a:extLst>
-          </p:cNvPr>
-          <p:cNvSpPr/>
-          <p:nvPr/>
-        </p:nvSpPr>
-        <p:spPr>
-          <a:xfrm>
-            <a:off x="1353828" y="1151939"/>
-            <a:ext cx="820239" cy="4534115"/>
-          </a:xfrm>
-          <a:prstGeom prst="roundRect">
-            <a:avLst>
-              <a:gd name="adj" fmla="val 5446"/>
-            </a:avLst>
-          </a:prstGeom>
-          <a:solidFill>
-            <a:srgbClr val="5B9BD5">
-              <a:lumMod val="20000"/>
-              <a:lumOff val="80000"/>
-            </a:srgbClr>
-          </a:solidFill>
-          <a:ln w="12700" cap="flat" cmpd="sng" algn="ctr">
-            <a:noFill/>
-            <a:prstDash val="solid"/>
-            <a:miter lim="800000"/>
-          </a:ln>
-          <a:effectLst/>
-        </p:spPr>
-        <p:txBody>
-          <a:bodyPr lIns="90311" tIns="45156" rIns="90311" bIns="45156" rtlCol="0" anchor="ctr"/>
-          <a:lstStyle/>
-          <a:p>
-            <a:pPr marL="0" marR="0" lvl="0" indent="0" algn="ctr" defTabSz="914400" eaLnBrk="1" fontAlgn="auto" latinLnBrk="0" hangingPunct="1">
-              <a:lnSpc>
-                <a:spcPct val="80000"/>
-              </a:lnSpc>
-              <a:spcBef>
-                <a:spcPts val="0"/>
-              </a:spcBef>
-              <a:spcAft>
-                <a:spcPts val="0"/>
-              </a:spcAft>
-              <a:buClrTx/>
-              <a:buSzTx/>
-              <a:buFontTx/>
-              <a:buNone/>
-              <a:tabLst/>
-              <a:defRPr/>
-            </a:pPr>
-            <a:endParaRPr kumimoji="0" lang="en-US" sz="1600" b="0" i="0" u="none" strike="noStrike" kern="0" cap="none" spc="0" normalizeH="0" baseline="0" noProof="0" dirty="0">
-              <a:ln>
-                <a:noFill/>
-              </a:ln>
-              <a:solidFill>
-                <a:prstClr val="white"/>
-              </a:solidFill>
-              <a:effectLst/>
-              <a:uLnTx/>
-              <a:uFillTx/>
-              <a:latin typeface="Segoe UI Light" panose="020B0502040204020203" pitchFamily="34" charset="0"/>
-              <a:ea typeface="+mn-ea"/>
-              <a:cs typeface="Segoe UI Light" panose="020B0502040204020203" pitchFamily="34" charset="0"/>
-            </a:endParaRPr>
-          </a:p>
-        </p:txBody>
-      </p:sp>
-      <p:sp>
-        <p:nvSpPr>
-          <p:cNvPr id="238" name="TextBox 237">
-            <a:extLst>
-              <a:ext uri="{FF2B5EF4-FFF2-40B4-BE49-F238E27FC236}">
-                <a16:creationId xmlns:a16="http://schemas.microsoft.com/office/drawing/2014/main" id="{51A10BF3-C02E-01D9-F3E5-DD76E39C6346}"/>
-              </a:ext>
-            </a:extLst>
-          </p:cNvPr>
-          <p:cNvSpPr txBox="1"/>
-          <p:nvPr/>
-        </p:nvSpPr>
-        <p:spPr>
-          <a:xfrm>
-            <a:off x="1362057" y="1252985"/>
-            <a:ext cx="768409" cy="291238"/>
-          </a:xfrm>
-          <a:prstGeom prst="rect">
-            <a:avLst/>
-          </a:prstGeom>
-          <a:noFill/>
-        </p:spPr>
-        <p:txBody>
-          <a:bodyPr wrap="square" lIns="0" tIns="0" rIns="0" bIns="44581" rtlCol="0" anchor="t">
-            <a:spAutoFit/>
-          </a:bodyPr>
-          <a:lstStyle/>
-          <a:p>
-            <a:pPr algn="ctr">
-              <a:lnSpc>
-                <a:spcPct val="80000"/>
-              </a:lnSpc>
-              <a:defRPr/>
-            </a:pPr>
-            <a:r>
-              <a:rPr lang="en-US" sz="1000" b="1" dirty="0">
-                <a:solidFill>
-                  <a:prstClr val="black"/>
-                </a:solidFill>
-                <a:latin typeface="Segoe UI Light" panose="020B0502040204020203" pitchFamily="34" charset="0"/>
-                <a:cs typeface="Segoe UI Light" panose="020B0502040204020203" pitchFamily="34" charset="0"/>
-              </a:rPr>
-              <a:t>DATA SOURCES</a:t>
-            </a:r>
-          </a:p>
-        </p:txBody>
-      </p:sp>
-      <p:sp>
-        <p:nvSpPr>
-          <p:cNvPr id="250" name="Rectangle: Rounded Corners 249">
-            <a:extLst>
-              <a:ext uri="{FF2B5EF4-FFF2-40B4-BE49-F238E27FC236}">
-                <a16:creationId xmlns:a16="http://schemas.microsoft.com/office/drawing/2014/main" id="{9557A632-CBCD-CB1F-C623-DEF21630B315}"/>
-              </a:ext>
-            </a:extLst>
-          </p:cNvPr>
-          <p:cNvSpPr/>
-          <p:nvPr/>
-        </p:nvSpPr>
-        <p:spPr>
-          <a:xfrm>
-            <a:off x="9834114" y="1161642"/>
-            <a:ext cx="857144" cy="4534115"/>
-          </a:xfrm>
-          <a:prstGeom prst="roundRect">
-            <a:avLst>
-              <a:gd name="adj" fmla="val 5446"/>
-            </a:avLst>
-          </a:prstGeom>
-          <a:solidFill>
-            <a:srgbClr val="5B9BD5">
-              <a:lumMod val="20000"/>
-              <a:lumOff val="80000"/>
-            </a:srgbClr>
-          </a:solidFill>
-          <a:ln w="12700" cap="flat" cmpd="sng" algn="ctr">
-            <a:noFill/>
-            <a:prstDash val="solid"/>
-            <a:miter lim="800000"/>
-          </a:ln>
-          <a:effectLst/>
-        </p:spPr>
-        <p:txBody>
-          <a:bodyPr lIns="90311" tIns="45156" rIns="90311" bIns="45156" rtlCol="0" anchor="ctr"/>
-          <a:lstStyle/>
-          <a:p>
-            <a:pPr marL="0" marR="0" lvl="0" indent="0" algn="ctr" defTabSz="914400" eaLnBrk="1" fontAlgn="auto" latinLnBrk="0" hangingPunct="1">
-              <a:lnSpc>
-                <a:spcPct val="80000"/>
-              </a:lnSpc>
-              <a:spcBef>
-                <a:spcPts val="0"/>
-              </a:spcBef>
-              <a:spcAft>
-                <a:spcPts val="0"/>
-              </a:spcAft>
-              <a:buClrTx/>
-              <a:buSzTx/>
-              <a:buFontTx/>
-              <a:buNone/>
-              <a:tabLst/>
-              <a:defRPr/>
-            </a:pPr>
-            <a:endParaRPr kumimoji="0" lang="en-US" sz="1600" b="0" i="0" u="none" strike="noStrike" kern="0" cap="none" spc="0" normalizeH="0" baseline="0" noProof="0" dirty="0">
-              <a:ln>
-                <a:noFill/>
-              </a:ln>
-              <a:solidFill>
-                <a:prstClr val="white"/>
-              </a:solidFill>
-              <a:effectLst/>
-              <a:uLnTx/>
-              <a:uFillTx/>
-              <a:latin typeface="Segoe UI Light" panose="020B0502040204020203" pitchFamily="34" charset="0"/>
-              <a:ea typeface="+mn-ea"/>
-              <a:cs typeface="Segoe UI Light" panose="020B0502040204020203" pitchFamily="34" charset="0"/>
-            </a:endParaRPr>
-          </a:p>
-        </p:txBody>
-      </p:sp>
-      <p:sp>
-        <p:nvSpPr>
-          <p:cNvPr id="251" name="TextBox 250">
-            <a:extLst>
-              <a:ext uri="{FF2B5EF4-FFF2-40B4-BE49-F238E27FC236}">
-                <a16:creationId xmlns:a16="http://schemas.microsoft.com/office/drawing/2014/main" id="{B5B2B29D-04C6-B6AA-39F4-D5C2F6C91F58}"/>
-              </a:ext>
-            </a:extLst>
-          </p:cNvPr>
-          <p:cNvSpPr txBox="1"/>
-          <p:nvPr/>
-        </p:nvSpPr>
-        <p:spPr>
-          <a:xfrm>
-            <a:off x="9890333" y="1270621"/>
-            <a:ext cx="768409" cy="172680"/>
-          </a:xfrm>
-          <a:prstGeom prst="rect">
-            <a:avLst/>
-          </a:prstGeom>
-          <a:noFill/>
-        </p:spPr>
-        <p:txBody>
-          <a:bodyPr wrap="square" lIns="0" tIns="0" rIns="0" bIns="44581" rtlCol="0" anchor="t">
-            <a:spAutoFit/>
-          </a:bodyPr>
-          <a:lstStyle/>
-          <a:p>
-            <a:pPr algn="ctr">
-              <a:lnSpc>
-                <a:spcPct val="80000"/>
-              </a:lnSpc>
-              <a:defRPr/>
-            </a:pPr>
-            <a:r>
-              <a:rPr lang="en-US" sz="1000" b="1" dirty="0">
-                <a:solidFill>
-                  <a:prstClr val="black"/>
-                </a:solidFill>
-                <a:latin typeface="Segoe UI Light" panose="020B0502040204020203" pitchFamily="34" charset="0"/>
-                <a:cs typeface="Segoe UI Light" panose="020B0502040204020203" pitchFamily="34" charset="0"/>
-              </a:rPr>
-              <a:t>CONSUMERS</a:t>
-            </a:r>
-          </a:p>
-        </p:txBody>
-      </p:sp>
-      <p:grpSp>
-        <p:nvGrpSpPr>
-          <p:cNvPr id="252" name="Group 251">
-            <a:extLst>
-              <a:ext uri="{FF2B5EF4-FFF2-40B4-BE49-F238E27FC236}">
-                <a16:creationId xmlns:a16="http://schemas.microsoft.com/office/drawing/2014/main" id="{F5BF54BC-A735-511D-2A5A-1727C2ABE9F8}"/>
-              </a:ext>
-            </a:extLst>
-          </p:cNvPr>
-          <p:cNvGrpSpPr/>
-          <p:nvPr/>
-        </p:nvGrpSpPr>
-        <p:grpSpPr>
-          <a:xfrm>
-            <a:off x="10102823" y="3296359"/>
-            <a:ext cx="350292" cy="656937"/>
-            <a:chOff x="10323770" y="2273625"/>
-            <a:chExt cx="354670" cy="665149"/>
-          </a:xfrm>
-        </p:grpSpPr>
-        <p:sp>
-          <p:nvSpPr>
-            <p:cNvPr id="253" name="TextBox 252">
-              <a:extLst>
-                <a:ext uri="{FF2B5EF4-FFF2-40B4-BE49-F238E27FC236}">
-                  <a16:creationId xmlns:a16="http://schemas.microsoft.com/office/drawing/2014/main" id="{BDFB508F-52C9-B356-5E78-03A208728FB1}"/>
-                </a:ext>
-              </a:extLst>
-            </p:cNvPr>
-            <p:cNvSpPr txBox="1"/>
-            <p:nvPr/>
-          </p:nvSpPr>
-          <p:spPr>
-            <a:xfrm>
-              <a:off x="10339225" y="2668256"/>
-              <a:ext cx="339215" cy="270518"/>
-            </a:xfrm>
-            <a:prstGeom prst="rect">
-              <a:avLst/>
-            </a:prstGeom>
-            <a:noFill/>
-          </p:spPr>
-          <p:txBody>
-            <a:bodyPr wrap="none" lIns="0" tIns="0" rIns="0" bIns="45138" rtlCol="0">
-              <a:spAutoFit/>
-            </a:bodyPr>
-            <a:lstStyle/>
-            <a:p>
-              <a:pPr marL="0" marR="0" lvl="0" indent="0" defTabSz="914400" eaLnBrk="1" fontAlgn="auto" latinLnBrk="0" hangingPunct="1">
-                <a:lnSpc>
-                  <a:spcPct val="80000"/>
-                </a:lnSpc>
-                <a:spcBef>
-                  <a:spcPts val="0"/>
-                </a:spcBef>
-                <a:spcAft>
-                  <a:spcPts val="0"/>
-                </a:spcAft>
-                <a:buClrTx/>
-                <a:buSzTx/>
-                <a:buFontTx/>
-                <a:buNone/>
-                <a:tabLst/>
-                <a:defRPr/>
-              </a:pPr>
-              <a:r>
-                <a:rPr kumimoji="0" lang="en-US" sz="900" b="0" i="0" u="none" strike="noStrike" kern="0" cap="none" spc="0" normalizeH="0" baseline="0" noProof="0" dirty="0">
-                  <a:ln>
-                    <a:noFill/>
-                  </a:ln>
-                  <a:solidFill>
-                    <a:prstClr val="black"/>
-                  </a:solidFill>
-                  <a:effectLst/>
-                  <a:uLnTx/>
-                  <a:uFillTx/>
-                  <a:latin typeface="Segoe UI Light" panose="020B0502040204020203" pitchFamily="34" charset="0"/>
-                  <a:cs typeface="Segoe UI Light" panose="020B0502040204020203" pitchFamily="34" charset="0"/>
-                </a:rPr>
-                <a:t>Agents</a:t>
-              </a:r>
-            </a:p>
-            <a:p>
-              <a:pPr marL="0" marR="0" lvl="0" indent="0" defTabSz="914400" eaLnBrk="1" fontAlgn="auto" latinLnBrk="0" hangingPunct="1">
-                <a:lnSpc>
-                  <a:spcPct val="80000"/>
-                </a:lnSpc>
-                <a:spcBef>
-                  <a:spcPts val="0"/>
-                </a:spcBef>
-                <a:spcAft>
-                  <a:spcPts val="0"/>
-                </a:spcAft>
-                <a:buClrTx/>
-                <a:buSzTx/>
-                <a:buFontTx/>
-                <a:buNone/>
-                <a:tabLst/>
-                <a:defRPr/>
-              </a:pPr>
-              <a:endParaRPr kumimoji="0" lang="en-US" sz="900" b="0" i="0" u="none" strike="noStrike" kern="0" cap="none" spc="0" normalizeH="0" baseline="0" noProof="0" dirty="0">
-                <a:ln>
-                  <a:noFill/>
-                </a:ln>
-                <a:solidFill>
-                  <a:prstClr val="black"/>
-                </a:solidFill>
-                <a:effectLst/>
-                <a:uLnTx/>
-                <a:uFillTx/>
-                <a:latin typeface="Segoe UI Light" panose="020B0502040204020203" pitchFamily="34" charset="0"/>
-                <a:cs typeface="Segoe UI Light" panose="020B0502040204020203" pitchFamily="34" charset="0"/>
-              </a:endParaRPr>
-            </a:p>
-          </p:txBody>
-        </p:sp>
-        <p:grpSp>
-          <p:nvGrpSpPr>
-            <p:cNvPr id="254" name="Group 253">
-              <a:extLst>
-                <a:ext uri="{FF2B5EF4-FFF2-40B4-BE49-F238E27FC236}">
-                  <a16:creationId xmlns:a16="http://schemas.microsoft.com/office/drawing/2014/main" id="{156B64D9-F6F5-943F-00E8-5D0A81644FBC}"/>
-                </a:ext>
-              </a:extLst>
-            </p:cNvPr>
-            <p:cNvGrpSpPr/>
-            <p:nvPr/>
-          </p:nvGrpSpPr>
-          <p:grpSpPr>
-            <a:xfrm>
-              <a:off x="10323770" y="2273625"/>
-              <a:ext cx="341631" cy="298972"/>
-              <a:chOff x="10385106" y="1921164"/>
-              <a:chExt cx="341631" cy="298972"/>
-            </a:xfrm>
-          </p:grpSpPr>
-          <p:sp>
-            <p:nvSpPr>
-              <p:cNvPr id="255" name="Freeform: Shape 254">
-                <a:extLst>
-                  <a:ext uri="{FF2B5EF4-FFF2-40B4-BE49-F238E27FC236}">
-                    <a16:creationId xmlns:a16="http://schemas.microsoft.com/office/drawing/2014/main" id="{EB514881-FFC1-8862-B023-5B5A7008DDBE}"/>
-                  </a:ext>
-                </a:extLst>
-              </p:cNvPr>
-              <p:cNvSpPr/>
-              <p:nvPr/>
-            </p:nvSpPr>
-            <p:spPr>
-              <a:xfrm>
-                <a:off x="10385106" y="2001742"/>
-                <a:ext cx="132555" cy="92387"/>
-              </a:xfrm>
-              <a:custGeom>
-                <a:avLst/>
-                <a:gdLst>
-                  <a:gd name="connsiteX0" fmla="*/ 100750 w 142754"/>
-                  <a:gd name="connsiteY0" fmla="*/ 99972 h 99495"/>
-                  <a:gd name="connsiteX1" fmla="*/ 0 w 142754"/>
-                  <a:gd name="connsiteY1" fmla="*/ 99972 h 99495"/>
-                  <a:gd name="connsiteX2" fmla="*/ 0 w 142754"/>
-                  <a:gd name="connsiteY2" fmla="*/ 87556 h 99495"/>
-                  <a:gd name="connsiteX3" fmla="*/ 68825 w 142754"/>
-                  <a:gd name="connsiteY3" fmla="*/ 0 h 99495"/>
-                  <a:gd name="connsiteX4" fmla="*/ 117578 w 142754"/>
-                  <a:gd name="connsiteY4" fmla="*/ 0 h 99495"/>
-                  <a:gd name="connsiteX5" fmla="*/ 146388 w 142754"/>
-                  <a:gd name="connsiteY5" fmla="*/ 12675 h 99495"/>
-                </a:gdLst>
-                <a:ahLst/>
-                <a:cxnLst>
-                  <a:cxn ang="0">
-                    <a:pos x="connsiteX0" y="connsiteY0"/>
-                  </a:cxn>
-                  <a:cxn ang="0">
-                    <a:pos x="connsiteX1" y="connsiteY1"/>
-                  </a:cxn>
-                  <a:cxn ang="0">
-                    <a:pos x="connsiteX2" y="connsiteY2"/>
-                  </a:cxn>
-                  <a:cxn ang="0">
-                    <a:pos x="connsiteX3" y="connsiteY3"/>
-                  </a:cxn>
-                  <a:cxn ang="0">
-                    <a:pos x="connsiteX4" y="connsiteY4"/>
-                  </a:cxn>
-                  <a:cxn ang="0">
-                    <a:pos x="connsiteX5" y="connsiteY5"/>
-                  </a:cxn>
-                </a:cxnLst>
-                <a:rect l="l" t="t" r="r" b="b"/>
-                <a:pathLst>
-                  <a:path w="142754" h="99495">
-                    <a:moveTo>
-                      <a:pt x="100750" y="99972"/>
-                    </a:moveTo>
-                    <a:lnTo>
-                      <a:pt x="0" y="99972"/>
-                    </a:lnTo>
-                    <a:lnTo>
-                      <a:pt x="0" y="87556"/>
-                    </a:lnTo>
-                    <a:cubicBezTo>
-                      <a:pt x="95" y="46022"/>
-                      <a:pt x="28489" y="9901"/>
-                      <a:pt x="68825" y="0"/>
-                    </a:cubicBezTo>
-                    <a:cubicBezTo>
-                      <a:pt x="84030" y="8246"/>
-                      <a:pt x="102373" y="8246"/>
-                      <a:pt x="117578" y="0"/>
-                    </a:cubicBezTo>
-                    <a:cubicBezTo>
-                      <a:pt x="127852" y="2498"/>
-                      <a:pt x="137605" y="6788"/>
-                      <a:pt x="146388" y="12675"/>
-                    </a:cubicBezTo>
-                  </a:path>
-                </a:pathLst>
-              </a:custGeom>
-              <a:noFill/>
-              <a:ln w="25400" cap="flat">
-                <a:solidFill>
-                  <a:sysClr val="windowText" lastClr="000000"/>
-                </a:solidFill>
-                <a:prstDash val="solid"/>
-                <a:round/>
-              </a:ln>
-            </p:spPr>
-            <p:txBody>
-              <a:bodyPr rtlCol="0" anchor="ctr"/>
-              <a:lstStyle/>
-              <a:p>
-                <a:pPr marL="0" marR="0" lvl="0" indent="0" defTabSz="914400" eaLnBrk="1" fontAlgn="auto" latinLnBrk="0" hangingPunct="1">
-                  <a:lnSpc>
-                    <a:spcPct val="80000"/>
-                  </a:lnSpc>
-                  <a:spcBef>
-                    <a:spcPts val="0"/>
-                  </a:spcBef>
-                  <a:spcAft>
-                    <a:spcPts val="0"/>
-                  </a:spcAft>
-                  <a:buClrTx/>
-                  <a:buSzTx/>
-                  <a:buFontTx/>
-                  <a:buNone/>
-                  <a:tabLst/>
-                  <a:defRPr/>
-                </a:pPr>
-                <a:endParaRPr kumimoji="0" lang="en-AU" sz="1400" b="0" i="0" u="none" strike="noStrike" kern="0" cap="none" spc="0" normalizeH="0" baseline="0" noProof="0">
-                  <a:ln>
-                    <a:noFill/>
-                  </a:ln>
-                  <a:solidFill>
-                    <a:prstClr val="black"/>
-                  </a:solidFill>
-                  <a:effectLst/>
-                  <a:uLnTx/>
-                  <a:uFillTx/>
-                  <a:latin typeface="Segoe UI Light" panose="020B0502040204020203" pitchFamily="34" charset="0"/>
-                  <a:cs typeface="Segoe UI Light" panose="020B0502040204020203" pitchFamily="34" charset="0"/>
-                </a:endParaRPr>
-              </a:p>
-            </p:txBody>
-          </p:sp>
-          <p:sp>
-            <p:nvSpPr>
-              <p:cNvPr id="256" name="Freeform: Shape 255">
-                <a:extLst>
-                  <a:ext uri="{FF2B5EF4-FFF2-40B4-BE49-F238E27FC236}">
-                    <a16:creationId xmlns:a16="http://schemas.microsoft.com/office/drawing/2014/main" id="{2D1E6F64-D2B9-4740-B1FE-7C2360CE2681}"/>
-                  </a:ext>
-                </a:extLst>
-              </p:cNvPr>
-              <p:cNvSpPr/>
-              <p:nvPr/>
-            </p:nvSpPr>
-            <p:spPr>
-              <a:xfrm>
-                <a:off x="10428459" y="1921164"/>
-                <a:ext cx="84353" cy="84353"/>
-              </a:xfrm>
-              <a:custGeom>
-                <a:avLst/>
-                <a:gdLst>
-                  <a:gd name="connsiteX0" fmla="*/ 68769 w 90843"/>
-                  <a:gd name="connsiteY0" fmla="*/ 86995 h 90843"/>
-                  <a:gd name="connsiteX1" fmla="*/ 86995 w 90843"/>
-                  <a:gd name="connsiteY1" fmla="*/ 23996 h 90843"/>
-                  <a:gd name="connsiteX2" fmla="*/ 23996 w 90843"/>
-                  <a:gd name="connsiteY2" fmla="*/ 5770 h 90843"/>
-                  <a:gd name="connsiteX3" fmla="*/ 5770 w 90843"/>
-                  <a:gd name="connsiteY3" fmla="*/ 68769 h 90843"/>
-                  <a:gd name="connsiteX4" fmla="*/ 23996 w 90843"/>
-                  <a:gd name="connsiteY4" fmla="*/ 86995 h 90843"/>
-                  <a:gd name="connsiteX5" fmla="*/ 68769 w 90843"/>
-                  <a:gd name="connsiteY5" fmla="*/ 86995 h 90843"/>
-                </a:gdLst>
-                <a:ahLst/>
-                <a:cxnLst>
-                  <a:cxn ang="0">
-                    <a:pos x="connsiteX0" y="connsiteY0"/>
-                  </a:cxn>
-                  <a:cxn ang="0">
-                    <a:pos x="connsiteX1" y="connsiteY1"/>
-                  </a:cxn>
-                  <a:cxn ang="0">
-                    <a:pos x="connsiteX2" y="connsiteY2"/>
-                  </a:cxn>
-                  <a:cxn ang="0">
-                    <a:pos x="connsiteX3" y="connsiteY3"/>
-                  </a:cxn>
-                  <a:cxn ang="0">
-                    <a:pos x="connsiteX4" y="connsiteY4"/>
-                  </a:cxn>
-                  <a:cxn ang="0">
-                    <a:pos x="connsiteX5" y="connsiteY5"/>
-                  </a:cxn>
-                </a:cxnLst>
-                <a:rect l="l" t="t" r="r" b="b"/>
-                <a:pathLst>
-                  <a:path w="90843" h="90843">
-                    <a:moveTo>
-                      <a:pt x="68769" y="86995"/>
-                    </a:moveTo>
-                    <a:cubicBezTo>
-                      <a:pt x="91198" y="74631"/>
-                      <a:pt x="99358" y="46425"/>
-                      <a:pt x="86995" y="23996"/>
-                    </a:cubicBezTo>
-                    <a:cubicBezTo>
-                      <a:pt x="74631" y="1566"/>
-                      <a:pt x="46425" y="-6594"/>
-                      <a:pt x="23996" y="5770"/>
-                    </a:cubicBezTo>
-                    <a:cubicBezTo>
-                      <a:pt x="1566" y="18134"/>
-                      <a:pt x="-6594" y="46339"/>
-                      <a:pt x="5770" y="68769"/>
-                    </a:cubicBezTo>
-                    <a:cubicBezTo>
-                      <a:pt x="10001" y="76444"/>
-                      <a:pt x="16320" y="82764"/>
-                      <a:pt x="23996" y="86995"/>
-                    </a:cubicBezTo>
-                    <a:cubicBezTo>
-                      <a:pt x="37948" y="94611"/>
-                      <a:pt x="54816" y="94611"/>
-                      <a:pt x="68769" y="86995"/>
-                    </a:cubicBezTo>
-                  </a:path>
-                </a:pathLst>
-              </a:custGeom>
-              <a:noFill/>
-              <a:ln w="25400" cap="flat">
-                <a:solidFill>
-                  <a:sysClr val="windowText" lastClr="000000"/>
-                </a:solidFill>
-                <a:prstDash val="solid"/>
-                <a:round/>
-              </a:ln>
-            </p:spPr>
-            <p:txBody>
-              <a:bodyPr rtlCol="0" anchor="ctr"/>
-              <a:lstStyle/>
-              <a:p>
-                <a:pPr marL="0" marR="0" lvl="0" indent="0" defTabSz="914400" eaLnBrk="1" fontAlgn="auto" latinLnBrk="0" hangingPunct="1">
-                  <a:lnSpc>
-                    <a:spcPct val="80000"/>
-                  </a:lnSpc>
-                  <a:spcBef>
-                    <a:spcPts val="0"/>
-                  </a:spcBef>
-                  <a:spcAft>
-                    <a:spcPts val="0"/>
-                  </a:spcAft>
-                  <a:buClrTx/>
-                  <a:buSzTx/>
-                  <a:buFontTx/>
-                  <a:buNone/>
-                  <a:tabLst/>
-                  <a:defRPr/>
-                </a:pPr>
-                <a:endParaRPr kumimoji="0" lang="en-AU" sz="1400" b="0" i="0" u="none" strike="noStrike" kern="0" cap="none" spc="0" normalizeH="0" baseline="0" noProof="0">
-                  <a:ln>
-                    <a:noFill/>
-                  </a:ln>
-                  <a:solidFill>
-                    <a:prstClr val="black"/>
-                  </a:solidFill>
-                  <a:effectLst/>
-                  <a:uLnTx/>
-                  <a:uFillTx/>
-                  <a:latin typeface="Segoe UI Light" panose="020B0502040204020203" pitchFamily="34" charset="0"/>
-                  <a:cs typeface="Segoe UI Light" panose="020B0502040204020203" pitchFamily="34" charset="0"/>
-                </a:endParaRPr>
-              </a:p>
-            </p:txBody>
-          </p:sp>
-          <p:sp>
-            <p:nvSpPr>
-              <p:cNvPr id="257" name="Freeform: Shape 256">
-                <a:extLst>
-                  <a:ext uri="{FF2B5EF4-FFF2-40B4-BE49-F238E27FC236}">
-                    <a16:creationId xmlns:a16="http://schemas.microsoft.com/office/drawing/2014/main" id="{F46602DE-6250-E379-781D-7CE6C6B3AC7B}"/>
-                  </a:ext>
-                </a:extLst>
-              </p:cNvPr>
-              <p:cNvSpPr/>
-              <p:nvPr/>
-            </p:nvSpPr>
-            <p:spPr>
-              <a:xfrm>
-                <a:off x="10594182" y="2001782"/>
-                <a:ext cx="132555" cy="92387"/>
-              </a:xfrm>
-              <a:custGeom>
-                <a:avLst/>
-                <a:gdLst>
-                  <a:gd name="connsiteX0" fmla="*/ 0 w 142754"/>
-                  <a:gd name="connsiteY0" fmla="*/ 12978 h 99495"/>
-                  <a:gd name="connsiteX1" fmla="*/ 29113 w 142754"/>
-                  <a:gd name="connsiteY1" fmla="*/ 0 h 99495"/>
-                  <a:gd name="connsiteX2" fmla="*/ 77953 w 142754"/>
-                  <a:gd name="connsiteY2" fmla="*/ 0 h 99495"/>
-                  <a:gd name="connsiteX3" fmla="*/ 146864 w 142754"/>
-                  <a:gd name="connsiteY3" fmla="*/ 87556 h 99495"/>
-                  <a:gd name="connsiteX4" fmla="*/ 146864 w 142754"/>
-                  <a:gd name="connsiteY4" fmla="*/ 99972 h 99495"/>
-                  <a:gd name="connsiteX5" fmla="*/ 46287 w 142754"/>
-                  <a:gd name="connsiteY5" fmla="*/ 99972 h 99495"/>
-                </a:gdLst>
-                <a:ahLst/>
-                <a:cxnLst>
-                  <a:cxn ang="0">
-                    <a:pos x="connsiteX0" y="connsiteY0"/>
-                  </a:cxn>
-                  <a:cxn ang="0">
-                    <a:pos x="connsiteX1" y="connsiteY1"/>
-                  </a:cxn>
-                  <a:cxn ang="0">
-                    <a:pos x="connsiteX2" y="connsiteY2"/>
-                  </a:cxn>
-                  <a:cxn ang="0">
-                    <a:pos x="connsiteX3" y="connsiteY3"/>
-                  </a:cxn>
-                  <a:cxn ang="0">
-                    <a:pos x="connsiteX4" y="connsiteY4"/>
-                  </a:cxn>
-                  <a:cxn ang="0">
-                    <a:pos x="connsiteX5" y="connsiteY5"/>
-                  </a:cxn>
-                </a:cxnLst>
-                <a:rect l="l" t="t" r="r" b="b"/>
-                <a:pathLst>
-                  <a:path w="142754" h="99495">
-                    <a:moveTo>
-                      <a:pt x="0" y="12978"/>
-                    </a:moveTo>
-                    <a:cubicBezTo>
-                      <a:pt x="8824" y="6899"/>
-                      <a:pt x="18694" y="2500"/>
-                      <a:pt x="29113" y="0"/>
-                    </a:cubicBezTo>
-                    <a:cubicBezTo>
-                      <a:pt x="44349" y="8246"/>
-                      <a:pt x="62717" y="8246"/>
-                      <a:pt x="77953" y="0"/>
-                    </a:cubicBezTo>
-                    <a:cubicBezTo>
-                      <a:pt x="118333" y="9854"/>
-                      <a:pt x="146775" y="45992"/>
-                      <a:pt x="146864" y="87556"/>
-                    </a:cubicBezTo>
-                    <a:lnTo>
-                      <a:pt x="146864" y="99972"/>
-                    </a:lnTo>
-                    <a:lnTo>
-                      <a:pt x="46287" y="99972"/>
-                    </a:lnTo>
-                  </a:path>
-                </a:pathLst>
-              </a:custGeom>
-              <a:noFill/>
-              <a:ln w="25400" cap="flat">
-                <a:solidFill>
-                  <a:sysClr val="windowText" lastClr="000000"/>
-                </a:solidFill>
-                <a:prstDash val="solid"/>
-                <a:round/>
-              </a:ln>
-            </p:spPr>
-            <p:txBody>
-              <a:bodyPr rtlCol="0" anchor="ctr"/>
-              <a:lstStyle/>
-              <a:p>
-                <a:pPr marL="0" marR="0" lvl="0" indent="0" defTabSz="914400" eaLnBrk="1" fontAlgn="auto" latinLnBrk="0" hangingPunct="1">
-                  <a:lnSpc>
-                    <a:spcPct val="80000"/>
-                  </a:lnSpc>
-                  <a:spcBef>
-                    <a:spcPts val="0"/>
-                  </a:spcBef>
-                  <a:spcAft>
-                    <a:spcPts val="0"/>
-                  </a:spcAft>
-                  <a:buClrTx/>
-                  <a:buSzTx/>
-                  <a:buFontTx/>
-                  <a:buNone/>
-                  <a:tabLst/>
-                  <a:defRPr/>
-                </a:pPr>
-                <a:endParaRPr kumimoji="0" lang="en-AU" sz="1400" b="0" i="0" u="none" strike="noStrike" kern="0" cap="none" spc="0" normalizeH="0" baseline="0" noProof="0">
-                  <a:ln>
-                    <a:noFill/>
-                  </a:ln>
-                  <a:solidFill>
-                    <a:prstClr val="black"/>
-                  </a:solidFill>
-                  <a:effectLst/>
-                  <a:uLnTx/>
-                  <a:uFillTx/>
-                  <a:latin typeface="Segoe UI Light" panose="020B0502040204020203" pitchFamily="34" charset="0"/>
-                  <a:cs typeface="Segoe UI Light" panose="020B0502040204020203" pitchFamily="34" charset="0"/>
-                </a:endParaRPr>
-              </a:p>
-            </p:txBody>
-          </p:sp>
-          <p:sp>
-            <p:nvSpPr>
-              <p:cNvPr id="258" name="Freeform: Shape 257">
-                <a:extLst>
-                  <a:ext uri="{FF2B5EF4-FFF2-40B4-BE49-F238E27FC236}">
-                    <a16:creationId xmlns:a16="http://schemas.microsoft.com/office/drawing/2014/main" id="{D0888ABB-DF1D-36C4-1070-7C4D6B76C7FD}"/>
-                  </a:ext>
-                </a:extLst>
-              </p:cNvPr>
-              <p:cNvSpPr/>
-              <p:nvPr/>
-            </p:nvSpPr>
-            <p:spPr>
-              <a:xfrm>
-                <a:off x="10600721" y="1921175"/>
-                <a:ext cx="84353" cy="84353"/>
-              </a:xfrm>
-              <a:custGeom>
-                <a:avLst/>
-                <a:gdLst>
-                  <a:gd name="connsiteX0" fmla="*/ 68790 w 90843"/>
-                  <a:gd name="connsiteY0" fmla="*/ 86983 h 90843"/>
-                  <a:gd name="connsiteX1" fmla="*/ 86983 w 90843"/>
-                  <a:gd name="connsiteY1" fmla="*/ 23974 h 90843"/>
-                  <a:gd name="connsiteX2" fmla="*/ 23974 w 90843"/>
-                  <a:gd name="connsiteY2" fmla="*/ 5782 h 90843"/>
-                  <a:gd name="connsiteX3" fmla="*/ 5782 w 90843"/>
-                  <a:gd name="connsiteY3" fmla="*/ 68790 h 90843"/>
-                  <a:gd name="connsiteX4" fmla="*/ 23974 w 90843"/>
-                  <a:gd name="connsiteY4" fmla="*/ 86983 h 90843"/>
-                  <a:gd name="connsiteX5" fmla="*/ 68790 w 90843"/>
-                  <a:gd name="connsiteY5" fmla="*/ 86983 h 90843"/>
-                </a:gdLst>
-                <a:ahLst/>
-                <a:cxnLst>
-                  <a:cxn ang="0">
-                    <a:pos x="connsiteX0" y="connsiteY0"/>
-                  </a:cxn>
-                  <a:cxn ang="0">
-                    <a:pos x="connsiteX1" y="connsiteY1"/>
-                  </a:cxn>
-                  <a:cxn ang="0">
-                    <a:pos x="connsiteX2" y="connsiteY2"/>
-                  </a:cxn>
-                  <a:cxn ang="0">
-                    <a:pos x="connsiteX3" y="connsiteY3"/>
-                  </a:cxn>
-                  <a:cxn ang="0">
-                    <a:pos x="connsiteX4" y="connsiteY4"/>
-                  </a:cxn>
-                  <a:cxn ang="0">
-                    <a:pos x="connsiteX5" y="connsiteY5"/>
-                  </a:cxn>
-                </a:cxnLst>
-                <a:rect l="l" t="t" r="r" b="b"/>
-                <a:pathLst>
-                  <a:path w="90843" h="90843">
-                    <a:moveTo>
-                      <a:pt x="68790" y="86983"/>
-                    </a:moveTo>
-                    <a:cubicBezTo>
-                      <a:pt x="91213" y="74607"/>
-                      <a:pt x="99358" y="46397"/>
-                      <a:pt x="86983" y="23974"/>
-                    </a:cubicBezTo>
-                    <a:cubicBezTo>
-                      <a:pt x="74607" y="1551"/>
-                      <a:pt x="46397" y="-6594"/>
-                      <a:pt x="23974" y="5782"/>
-                    </a:cubicBezTo>
-                    <a:cubicBezTo>
-                      <a:pt x="1551" y="18158"/>
-                      <a:pt x="-6594" y="46367"/>
-                      <a:pt x="5782" y="68790"/>
-                    </a:cubicBezTo>
-                    <a:cubicBezTo>
-                      <a:pt x="10009" y="76449"/>
-                      <a:pt x="16316" y="82756"/>
-                      <a:pt x="23974" y="86983"/>
-                    </a:cubicBezTo>
-                    <a:cubicBezTo>
-                      <a:pt x="37942" y="94599"/>
-                      <a:pt x="54822" y="94599"/>
-                      <a:pt x="68790" y="86983"/>
-                    </a:cubicBezTo>
-                  </a:path>
-                </a:pathLst>
-              </a:custGeom>
-              <a:noFill/>
-              <a:ln w="25400" cap="flat">
-                <a:solidFill>
-                  <a:sysClr val="windowText" lastClr="000000"/>
-                </a:solidFill>
-                <a:prstDash val="solid"/>
-                <a:round/>
-              </a:ln>
-            </p:spPr>
-            <p:txBody>
-              <a:bodyPr rtlCol="0" anchor="ctr"/>
-              <a:lstStyle/>
-              <a:p>
-                <a:pPr marL="0" marR="0" lvl="0" indent="0" defTabSz="914400" eaLnBrk="1" fontAlgn="auto" latinLnBrk="0" hangingPunct="1">
-                  <a:lnSpc>
-                    <a:spcPct val="80000"/>
-                  </a:lnSpc>
-                  <a:spcBef>
-                    <a:spcPts val="0"/>
-                  </a:spcBef>
-                  <a:spcAft>
-                    <a:spcPts val="0"/>
-                  </a:spcAft>
-                  <a:buClrTx/>
-                  <a:buSzTx/>
-                  <a:buFontTx/>
-                  <a:buNone/>
-                  <a:tabLst/>
-                  <a:defRPr/>
-                </a:pPr>
-                <a:endParaRPr kumimoji="0" lang="en-AU" sz="1400" b="0" i="0" u="none" strike="noStrike" kern="0" cap="none" spc="0" normalizeH="0" baseline="0" noProof="0">
-                  <a:ln>
-                    <a:noFill/>
-                  </a:ln>
-                  <a:solidFill>
-                    <a:prstClr val="black"/>
-                  </a:solidFill>
-                  <a:effectLst/>
-                  <a:uLnTx/>
-                  <a:uFillTx/>
-                  <a:latin typeface="Segoe UI Light" panose="020B0502040204020203" pitchFamily="34" charset="0"/>
-                  <a:cs typeface="Segoe UI Light" panose="020B0502040204020203" pitchFamily="34" charset="0"/>
-                </a:endParaRPr>
-              </a:p>
-            </p:txBody>
-          </p:sp>
-          <p:grpSp>
-            <p:nvGrpSpPr>
-              <p:cNvPr id="259" name="Group 258">
-                <a:extLst>
-                  <a:ext uri="{FF2B5EF4-FFF2-40B4-BE49-F238E27FC236}">
-                    <a16:creationId xmlns:a16="http://schemas.microsoft.com/office/drawing/2014/main" id="{7F818FB9-EB8D-27F9-E5A1-1128533E3C06}"/>
-                  </a:ext>
-                </a:extLst>
-              </p:cNvPr>
-              <p:cNvGrpSpPr/>
-              <p:nvPr/>
-            </p:nvGrpSpPr>
-            <p:grpSpPr>
-              <a:xfrm>
-                <a:off x="10455009" y="2016860"/>
-                <a:ext cx="205314" cy="203276"/>
-                <a:chOff x="10122609" y="2079094"/>
-                <a:chExt cx="263880" cy="261260"/>
-              </a:xfrm>
-            </p:grpSpPr>
-            <p:sp>
-              <p:nvSpPr>
-                <p:cNvPr id="260" name="Freeform: Shape 259">
-                  <a:extLst>
-                    <a:ext uri="{FF2B5EF4-FFF2-40B4-BE49-F238E27FC236}">
-                      <a16:creationId xmlns:a16="http://schemas.microsoft.com/office/drawing/2014/main" id="{BA6725F2-E9F8-15E3-A992-EF6569648488}"/>
-                    </a:ext>
-                  </a:extLst>
-                </p:cNvPr>
-                <p:cNvSpPr/>
-                <p:nvPr/>
-              </p:nvSpPr>
-              <p:spPr>
-                <a:xfrm>
-                  <a:off x="10122609" y="2201925"/>
-                  <a:ext cx="263880" cy="138429"/>
-                </a:xfrm>
-                <a:custGeom>
-                  <a:avLst/>
-                  <a:gdLst>
-                    <a:gd name="connsiteX0" fmla="*/ 263880 w 263879"/>
-                    <a:gd name="connsiteY0" fmla="*/ 123937 h 138428"/>
-                    <a:gd name="connsiteX1" fmla="*/ 263880 w 263879"/>
-                    <a:gd name="connsiteY1" fmla="*/ 141241 h 138428"/>
-                    <a:gd name="connsiteX2" fmla="*/ 0 w 263879"/>
-                    <a:gd name="connsiteY2" fmla="*/ 141241 h 138428"/>
-                    <a:gd name="connsiteX3" fmla="*/ 0 w 263879"/>
-                    <a:gd name="connsiteY3" fmla="*/ 123937 h 138428"/>
-                    <a:gd name="connsiteX4" fmla="*/ 97246 w 263879"/>
-                    <a:gd name="connsiteY4" fmla="*/ 0 h 138428"/>
-                    <a:gd name="connsiteX5" fmla="*/ 166461 w 263879"/>
-                    <a:gd name="connsiteY5" fmla="*/ 0 h 138428"/>
-                    <a:gd name="connsiteX6" fmla="*/ 263880 w 263879"/>
-                    <a:gd name="connsiteY6" fmla="*/ 123937 h 138428"/>
-                  </a:gdLst>
-                  <a:ahLst/>
-                  <a:cxnLst>
-                    <a:cxn ang="0">
-                      <a:pos x="connsiteX0" y="connsiteY0"/>
-                    </a:cxn>
-                    <a:cxn ang="0">
-                      <a:pos x="connsiteX1" y="connsiteY1"/>
-                    </a:cxn>
-                    <a:cxn ang="0">
-                      <a:pos x="connsiteX2" y="connsiteY2"/>
-                    </a:cxn>
-                    <a:cxn ang="0">
-                      <a:pos x="connsiteX3" y="connsiteY3"/>
-                    </a:cxn>
-                    <a:cxn ang="0">
-                      <a:pos x="connsiteX4" y="connsiteY4"/>
-                    </a:cxn>
-                    <a:cxn ang="0">
-                      <a:pos x="connsiteX5" y="connsiteY5"/>
-                    </a:cxn>
-                    <a:cxn ang="0">
-                      <a:pos x="connsiteX6" y="connsiteY6"/>
-                    </a:cxn>
-                  </a:cxnLst>
-                  <a:rect l="l" t="t" r="r" b="b"/>
-                  <a:pathLst>
-                    <a:path w="263879" h="138428">
-                      <a:moveTo>
-                        <a:pt x="263880" y="123937"/>
-                      </a:moveTo>
-                      <a:lnTo>
-                        <a:pt x="263880" y="141241"/>
-                      </a:lnTo>
-                      <a:lnTo>
-                        <a:pt x="0" y="141241"/>
-                      </a:lnTo>
-                      <a:lnTo>
-                        <a:pt x="0" y="123937"/>
-                      </a:lnTo>
-                      <a:cubicBezTo>
-                        <a:pt x="99" y="65192"/>
-                        <a:pt x="40211" y="14070"/>
-                        <a:pt x="97246" y="0"/>
-                      </a:cubicBezTo>
-                      <a:cubicBezTo>
-                        <a:pt x="118834" y="11700"/>
-                        <a:pt x="144872" y="11700"/>
-                        <a:pt x="166461" y="0"/>
-                      </a:cubicBezTo>
-                      <a:cubicBezTo>
-                        <a:pt x="223565" y="14003"/>
-                        <a:pt x="263762" y="65141"/>
-                        <a:pt x="263880" y="123937"/>
-                      </a:cubicBezTo>
-                      <a:close/>
-                    </a:path>
-                  </a:pathLst>
-                </a:custGeom>
-                <a:noFill/>
-                <a:ln w="25400" cap="flat">
-                  <a:solidFill>
-                    <a:sysClr val="windowText" lastClr="000000"/>
-                  </a:solidFill>
-                  <a:prstDash val="solid"/>
-                  <a:round/>
-                </a:ln>
-              </p:spPr>
-              <p:txBody>
-                <a:bodyPr rtlCol="0" anchor="ctr"/>
-                <a:lstStyle/>
-                <a:p>
-                  <a:pPr marL="0" marR="0" lvl="0" indent="0" defTabSz="914400" eaLnBrk="1" fontAlgn="auto" latinLnBrk="0" hangingPunct="1">
-                    <a:lnSpc>
-                      <a:spcPct val="80000"/>
-                    </a:lnSpc>
-                    <a:spcBef>
-                      <a:spcPts val="0"/>
-                    </a:spcBef>
-                    <a:spcAft>
-                      <a:spcPts val="0"/>
-                    </a:spcAft>
-                    <a:buClrTx/>
-                    <a:buSzTx/>
-                    <a:buFontTx/>
-                    <a:buNone/>
-                    <a:tabLst/>
-                    <a:defRPr/>
-                  </a:pPr>
-                  <a:endParaRPr kumimoji="0" lang="en-AU" sz="1400" b="0" i="0" u="none" strike="noStrike" kern="0" cap="none" spc="0" normalizeH="0" baseline="0" noProof="0">
-                    <a:ln>
-                      <a:noFill/>
-                    </a:ln>
-                    <a:solidFill>
-                      <a:prstClr val="black"/>
-                    </a:solidFill>
-                    <a:effectLst/>
-                    <a:uLnTx/>
-                    <a:uFillTx/>
-                    <a:latin typeface="Segoe UI Light" panose="020B0502040204020203" pitchFamily="34" charset="0"/>
-                    <a:cs typeface="Segoe UI Light" panose="020B0502040204020203" pitchFamily="34" charset="0"/>
-                  </a:endParaRPr>
-                </a:p>
-              </p:txBody>
-            </p:sp>
-            <p:sp>
-              <p:nvSpPr>
-                <p:cNvPr id="261" name="Freeform: Shape 260">
-                  <a:extLst>
-                    <a:ext uri="{FF2B5EF4-FFF2-40B4-BE49-F238E27FC236}">
-                      <a16:creationId xmlns:a16="http://schemas.microsoft.com/office/drawing/2014/main" id="{8C0BD4FC-5C01-948D-EFCD-BA8AE2EA5789}"/>
-                    </a:ext>
-                  </a:extLst>
-                </p:cNvPr>
-                <p:cNvSpPr/>
-                <p:nvPr/>
-              </p:nvSpPr>
-              <p:spPr>
-                <a:xfrm>
-                  <a:off x="10188567" y="2079094"/>
-                  <a:ext cx="129777" cy="129777"/>
-                </a:xfrm>
-                <a:custGeom>
-                  <a:avLst/>
-                  <a:gdLst>
-                    <a:gd name="connsiteX0" fmla="*/ 97345 w 129776"/>
-                    <a:gd name="connsiteY0" fmla="*/ 123091 h 129776"/>
-                    <a:gd name="connsiteX1" fmla="*/ 123091 w 129776"/>
-                    <a:gd name="connsiteY1" fmla="*/ 33927 h 129776"/>
-                    <a:gd name="connsiteX2" fmla="*/ 33927 w 129776"/>
-                    <a:gd name="connsiteY2" fmla="*/ 8181 h 129776"/>
-                    <a:gd name="connsiteX3" fmla="*/ 8181 w 129776"/>
-                    <a:gd name="connsiteY3" fmla="*/ 97345 h 129776"/>
-                    <a:gd name="connsiteX4" fmla="*/ 33927 w 129776"/>
-                    <a:gd name="connsiteY4" fmla="*/ 123091 h 129776"/>
-                    <a:gd name="connsiteX5" fmla="*/ 97345 w 129776"/>
-                    <a:gd name="connsiteY5" fmla="*/ 123091 h 129776"/>
-                  </a:gdLst>
-                  <a:ahLst/>
-                  <a:cxnLst>
-                    <a:cxn ang="0">
-                      <a:pos x="connsiteX0" y="connsiteY0"/>
-                    </a:cxn>
-                    <a:cxn ang="0">
-                      <a:pos x="connsiteX1" y="connsiteY1"/>
-                    </a:cxn>
-                    <a:cxn ang="0">
-                      <a:pos x="connsiteX2" y="connsiteY2"/>
-                    </a:cxn>
-                    <a:cxn ang="0">
-                      <a:pos x="connsiteX3" y="connsiteY3"/>
-                    </a:cxn>
-                    <a:cxn ang="0">
-                      <a:pos x="connsiteX4" y="connsiteY4"/>
-                    </a:cxn>
-                    <a:cxn ang="0">
-                      <a:pos x="connsiteX5" y="connsiteY5"/>
-                    </a:cxn>
-                  </a:cxnLst>
-                  <a:rect l="l" t="t" r="r" b="b"/>
-                  <a:pathLst>
-                    <a:path w="129776" h="129776">
-                      <a:moveTo>
-                        <a:pt x="97345" y="123091"/>
-                      </a:moveTo>
-                      <a:cubicBezTo>
-                        <a:pt x="129076" y="105578"/>
-                        <a:pt x="140603" y="65659"/>
-                        <a:pt x="123091" y="33927"/>
-                      </a:cubicBezTo>
-                      <a:cubicBezTo>
-                        <a:pt x="105578" y="2196"/>
-                        <a:pt x="65659" y="-9331"/>
-                        <a:pt x="33927" y="8181"/>
-                      </a:cubicBezTo>
-                      <a:cubicBezTo>
-                        <a:pt x="2196" y="25694"/>
-                        <a:pt x="-9331" y="65614"/>
-                        <a:pt x="8181" y="97345"/>
-                      </a:cubicBezTo>
-                      <a:cubicBezTo>
-                        <a:pt x="14163" y="108183"/>
-                        <a:pt x="23089" y="117109"/>
-                        <a:pt x="33927" y="123091"/>
-                      </a:cubicBezTo>
-                      <a:cubicBezTo>
-                        <a:pt x="53690" y="133878"/>
-                        <a:pt x="77582" y="133878"/>
-                        <a:pt x="97345" y="123091"/>
-                      </a:cubicBezTo>
-                    </a:path>
-                  </a:pathLst>
-                </a:custGeom>
-                <a:noFill/>
-                <a:ln w="25400" cap="flat">
-                  <a:solidFill>
-                    <a:sysClr val="windowText" lastClr="000000"/>
-                  </a:solidFill>
-                  <a:prstDash val="solid"/>
-                  <a:round/>
-                </a:ln>
-              </p:spPr>
-              <p:txBody>
-                <a:bodyPr rtlCol="0" anchor="ctr"/>
-                <a:lstStyle/>
-                <a:p>
-                  <a:pPr marL="0" marR="0" lvl="0" indent="0" defTabSz="914400" eaLnBrk="1" fontAlgn="auto" latinLnBrk="0" hangingPunct="1">
-                    <a:lnSpc>
-                      <a:spcPct val="80000"/>
-                    </a:lnSpc>
-                    <a:spcBef>
-                      <a:spcPts val="0"/>
-                    </a:spcBef>
-                    <a:spcAft>
-                      <a:spcPts val="0"/>
-                    </a:spcAft>
-                    <a:buClrTx/>
-                    <a:buSzTx/>
-                    <a:buFontTx/>
-                    <a:buNone/>
-                    <a:tabLst/>
-                    <a:defRPr/>
-                  </a:pPr>
-                  <a:endParaRPr kumimoji="0" lang="en-AU" sz="1400" b="0" i="0" u="none" strike="noStrike" kern="0" cap="none" spc="0" normalizeH="0" baseline="0" noProof="0">
-                    <a:ln>
-                      <a:noFill/>
-                    </a:ln>
-                    <a:solidFill>
-                      <a:prstClr val="black"/>
-                    </a:solidFill>
-                    <a:effectLst/>
-                    <a:uLnTx/>
-                    <a:uFillTx/>
-                    <a:latin typeface="Segoe UI Light" panose="020B0502040204020203" pitchFamily="34" charset="0"/>
-                    <a:cs typeface="Segoe UI Light" panose="020B0502040204020203" pitchFamily="34" charset="0"/>
-                  </a:endParaRPr>
-                </a:p>
-              </p:txBody>
-            </p:sp>
-          </p:grpSp>
-        </p:grpSp>
-      </p:grpSp>
-      <p:grpSp>
-        <p:nvGrpSpPr>
-          <p:cNvPr id="267" name="Group 266">
-            <a:extLst>
-              <a:ext uri="{FF2B5EF4-FFF2-40B4-BE49-F238E27FC236}">
-                <a16:creationId xmlns:a16="http://schemas.microsoft.com/office/drawing/2014/main" id="{D4BEA67A-DBF9-96CD-C164-2CB5EACCDE82}"/>
-              </a:ext>
-            </a:extLst>
-          </p:cNvPr>
-          <p:cNvGrpSpPr/>
-          <p:nvPr/>
-        </p:nvGrpSpPr>
-        <p:grpSpPr>
-          <a:xfrm>
-            <a:off x="1372786" y="3768528"/>
-            <a:ext cx="793002" cy="510110"/>
-            <a:chOff x="993155" y="3098194"/>
-            <a:chExt cx="802915" cy="516486"/>
-          </a:xfrm>
-        </p:grpSpPr>
-        <p:sp>
-          <p:nvSpPr>
-            <p:cNvPr id="268" name="TextBox 267">
-              <a:extLst>
-                <a:ext uri="{FF2B5EF4-FFF2-40B4-BE49-F238E27FC236}">
-                  <a16:creationId xmlns:a16="http://schemas.microsoft.com/office/drawing/2014/main" id="{4F4B248B-5753-BC7B-7188-681457291877}"/>
-                </a:ext>
-              </a:extLst>
-            </p:cNvPr>
-            <p:cNvSpPr txBox="1"/>
-            <p:nvPr/>
-          </p:nvSpPr>
-          <p:spPr>
-            <a:xfrm>
-              <a:off x="993155" y="3296824"/>
-              <a:ext cx="802915" cy="317856"/>
-            </a:xfrm>
-            <a:prstGeom prst="rect">
-              <a:avLst/>
-            </a:prstGeom>
-            <a:noFill/>
-          </p:spPr>
-          <p:txBody>
-            <a:bodyPr wrap="square" rtlCol="0">
-              <a:spAutoFit/>
-            </a:bodyPr>
-            <a:lstStyle>
-              <a:defPPr>
-                <a:defRPr lang="en-US"/>
-              </a:defPPr>
-              <a:lvl1pPr marL="0" defTabSz="914400" eaLnBrk="1" latinLnBrk="0" hangingPunct="1">
-                <a:lnSpc>
-                  <a:spcPct val="80000"/>
-                </a:lnSpc>
-                <a:defRPr sz="800">
-                  <a:latin typeface="Graphik" panose="020B0503030202060203" pitchFamily="34" charset="77"/>
-                </a:defRPr>
-              </a:lvl1pPr>
-              <a:lvl2pPr marL="457200" defTabSz="914400" eaLnBrk="1" latinLnBrk="0" hangingPunct="1">
-                <a:defRPr sz="1800">
-                  <a:latin typeface="+mn-lt"/>
-                </a:defRPr>
-              </a:lvl2pPr>
-              <a:lvl3pPr marL="914400" defTabSz="914400" eaLnBrk="1" latinLnBrk="0" hangingPunct="1">
-                <a:defRPr sz="1800">
-                  <a:latin typeface="+mn-lt"/>
-                </a:defRPr>
-              </a:lvl3pPr>
-              <a:lvl4pPr marL="1371600" defTabSz="914400" eaLnBrk="1" latinLnBrk="0" hangingPunct="1">
-                <a:defRPr sz="1800">
-                  <a:latin typeface="+mn-lt"/>
-                </a:defRPr>
-              </a:lvl4pPr>
-              <a:lvl5pPr marL="1828800" defTabSz="914400" eaLnBrk="1" latinLnBrk="0" hangingPunct="1">
-                <a:defRPr sz="1800">
-                  <a:latin typeface="+mn-lt"/>
-                </a:defRPr>
-              </a:lvl5pPr>
-              <a:lvl6pPr marL="2286000" defTabSz="914400">
-                <a:defRPr sz="1800">
-                  <a:latin typeface="+mn-lt"/>
-                </a:defRPr>
-              </a:lvl6pPr>
-              <a:lvl7pPr marL="2743200" defTabSz="914400">
-                <a:defRPr sz="1800">
-                  <a:latin typeface="+mn-lt"/>
-                </a:defRPr>
-              </a:lvl7pPr>
-              <a:lvl8pPr marL="3200400" defTabSz="914400">
-                <a:defRPr sz="1800">
-                  <a:latin typeface="+mn-lt"/>
-                </a:defRPr>
-              </a:lvl8pPr>
-              <a:lvl9pPr marL="3657600" defTabSz="914400">
-                <a:defRPr sz="1800">
-                  <a:latin typeface="+mn-lt"/>
-                </a:defRPr>
-              </a:lvl9pPr>
-            </a:lstStyle>
-            <a:p>
-              <a:pPr algn="ctr">
-                <a:defRPr/>
-              </a:pPr>
-              <a:endParaRPr lang="en-US" sz="900" dirty="0">
-                <a:solidFill>
-                  <a:prstClr val="black"/>
-                </a:solidFill>
-                <a:latin typeface="Segoe UI Light" panose="020B0502040204020203" pitchFamily="34" charset="0"/>
-                <a:cs typeface="Segoe UI Light" panose="020B0502040204020203" pitchFamily="34" charset="0"/>
-              </a:endParaRPr>
-            </a:p>
-            <a:p>
-              <a:pPr algn="ctr">
-                <a:defRPr/>
-              </a:pPr>
-              <a:r>
-                <a:rPr lang="en-US" sz="900" dirty="0">
-                  <a:solidFill>
-                    <a:prstClr val="black"/>
-                  </a:solidFill>
-                  <a:latin typeface="Segoe UI Light" panose="020B0502040204020203" pitchFamily="34" charset="0"/>
-                  <a:cs typeface="Segoe UI Light" panose="020B0502040204020203" pitchFamily="34" charset="0"/>
-                </a:rPr>
-                <a:t>Files</a:t>
-              </a:r>
-            </a:p>
-          </p:txBody>
-        </p:sp>
-        <p:pic>
-          <p:nvPicPr>
-            <p:cNvPr id="269" name="Picture 268">
-              <a:extLst>
-                <a:ext uri="{FF2B5EF4-FFF2-40B4-BE49-F238E27FC236}">
-                  <a16:creationId xmlns:a16="http://schemas.microsoft.com/office/drawing/2014/main" id="{2B599838-9DBF-A87D-FE89-5B4633361254}"/>
-                </a:ext>
-              </a:extLst>
-            </p:cNvPr>
-            <p:cNvPicPr>
-              <a:picLocks noChangeAspect="1"/>
-            </p:cNvPicPr>
-            <p:nvPr/>
-          </p:nvPicPr>
-          <p:blipFill>
-            <a:blip r:embed="rId4"/>
-            <a:stretch>
-              <a:fillRect/>
-            </a:stretch>
-          </p:blipFill>
-          <p:spPr>
-            <a:xfrm>
-              <a:off x="1234544" y="3098194"/>
-              <a:ext cx="304410" cy="304410"/>
-            </a:xfrm>
-            <a:prstGeom prst="rect">
-              <a:avLst/>
-            </a:prstGeom>
-            <a:ln>
-              <a:noFill/>
-            </a:ln>
-          </p:spPr>
-        </p:pic>
-      </p:grpSp>
-      <p:grpSp>
-        <p:nvGrpSpPr>
-          <p:cNvPr id="270" name="Group 269">
-            <a:extLst>
-              <a:ext uri="{FF2B5EF4-FFF2-40B4-BE49-F238E27FC236}">
-                <a16:creationId xmlns:a16="http://schemas.microsoft.com/office/drawing/2014/main" id="{60F88A11-4A32-72EB-12EE-BBED8E5065CC}"/>
-              </a:ext>
-            </a:extLst>
-          </p:cNvPr>
-          <p:cNvGrpSpPr/>
-          <p:nvPr/>
-        </p:nvGrpSpPr>
-        <p:grpSpPr>
-          <a:xfrm>
-            <a:off x="1309043" y="1899641"/>
-            <a:ext cx="858145" cy="525419"/>
-            <a:chOff x="324437" y="4146064"/>
-            <a:chExt cx="1322109" cy="621094"/>
-          </a:xfrm>
-        </p:grpSpPr>
-        <p:sp>
-          <p:nvSpPr>
-            <p:cNvPr id="271" name="TextBox 454">
-              <a:extLst>
-                <a:ext uri="{FF2B5EF4-FFF2-40B4-BE49-F238E27FC236}">
-                  <a16:creationId xmlns:a16="http://schemas.microsoft.com/office/drawing/2014/main" id="{C599DD26-A221-48A5-BA78-978EE563782C}"/>
-                </a:ext>
-              </a:extLst>
-            </p:cNvPr>
-            <p:cNvSpPr txBox="1"/>
-            <p:nvPr/>
-          </p:nvSpPr>
-          <p:spPr>
-            <a:xfrm>
-              <a:off x="324437" y="4527036"/>
-              <a:ext cx="1322109" cy="240122"/>
-            </a:xfrm>
-            <a:prstGeom prst="rect">
-              <a:avLst/>
-            </a:prstGeom>
-            <a:noFill/>
-          </p:spPr>
-          <p:txBody>
-            <a:bodyPr wrap="square" rtlCol="0">
-              <a:spAutoFit/>
-            </a:bodyPr>
-            <a:lstStyle>
-              <a:defPPr>
-                <a:defRPr lang="en-US"/>
-              </a:defPPr>
-              <a:lvl1pPr marL="0" algn="l" defTabSz="914400" rtl="0" eaLnBrk="1" latinLnBrk="0" hangingPunct="1">
-                <a:defRPr sz="1800" kern="1200">
-                  <a:solidFill>
-                    <a:schemeClr val="tx1"/>
-                  </a:solidFill>
-                  <a:latin typeface="+mn-lt"/>
-                  <a:ea typeface="+mn-ea"/>
-                  <a:cs typeface="+mn-cs"/>
-                </a:defRPr>
-              </a:lvl1pPr>
-              <a:lvl2pPr marL="457200" algn="l" defTabSz="914400" rtl="0" eaLnBrk="1" latinLnBrk="0" hangingPunct="1">
-                <a:defRPr sz="1800" kern="1200">
-                  <a:solidFill>
-                    <a:schemeClr val="tx1"/>
-                  </a:solidFill>
-                  <a:latin typeface="+mn-lt"/>
-                  <a:ea typeface="+mn-ea"/>
-                  <a:cs typeface="+mn-cs"/>
-                </a:defRPr>
-              </a:lvl2pPr>
-              <a:lvl3pPr marL="914400" algn="l" defTabSz="914400" rtl="0" eaLnBrk="1" latinLnBrk="0" hangingPunct="1">
-                <a:defRPr sz="1800" kern="1200">
-                  <a:solidFill>
-                    <a:schemeClr val="tx1"/>
-                  </a:solidFill>
-                  <a:latin typeface="+mn-lt"/>
-                  <a:ea typeface="+mn-ea"/>
-                  <a:cs typeface="+mn-cs"/>
-                </a:defRPr>
-              </a:lvl3pPr>
-              <a:lvl4pPr marL="1371600" algn="l" defTabSz="914400" rtl="0" eaLnBrk="1" latinLnBrk="0" hangingPunct="1">
-                <a:defRPr sz="1800" kern="1200">
-                  <a:solidFill>
-                    <a:schemeClr val="tx1"/>
-                  </a:solidFill>
-                  <a:latin typeface="+mn-lt"/>
-                  <a:ea typeface="+mn-ea"/>
-                  <a:cs typeface="+mn-cs"/>
-                </a:defRPr>
-              </a:lvl4pPr>
-              <a:lvl5pPr marL="1828800" algn="l" defTabSz="914400" rtl="0" eaLnBrk="1" latinLnBrk="0" hangingPunct="1">
-                <a:defRPr sz="1800" kern="1200">
-                  <a:solidFill>
-                    <a:schemeClr val="tx1"/>
-                  </a:solidFill>
-                  <a:latin typeface="+mn-lt"/>
-                  <a:ea typeface="+mn-ea"/>
-                  <a:cs typeface="+mn-cs"/>
-                </a:defRPr>
-              </a:lvl5pPr>
-              <a:lvl6pPr marL="2286000" algn="l" defTabSz="914400" rtl="0" eaLnBrk="1" latinLnBrk="0" hangingPunct="1">
-                <a:defRPr sz="1800" kern="1200">
-                  <a:solidFill>
-                    <a:schemeClr val="tx1"/>
-                  </a:solidFill>
-                  <a:latin typeface="+mn-lt"/>
-                  <a:ea typeface="+mn-ea"/>
-                  <a:cs typeface="+mn-cs"/>
-                </a:defRPr>
-              </a:lvl6pPr>
-              <a:lvl7pPr marL="2743200" algn="l" defTabSz="914400" rtl="0" eaLnBrk="1" latinLnBrk="0" hangingPunct="1">
-                <a:defRPr sz="1800" kern="1200">
-                  <a:solidFill>
-                    <a:schemeClr val="tx1"/>
-                  </a:solidFill>
-                  <a:latin typeface="+mn-lt"/>
-                  <a:ea typeface="+mn-ea"/>
-                  <a:cs typeface="+mn-cs"/>
-                </a:defRPr>
-              </a:lvl7pPr>
-              <a:lvl8pPr marL="3200400" algn="l" defTabSz="914400" rtl="0" eaLnBrk="1" latinLnBrk="0" hangingPunct="1">
-                <a:defRPr sz="1800" kern="1200">
-                  <a:solidFill>
-                    <a:schemeClr val="tx1"/>
-                  </a:solidFill>
-                  <a:latin typeface="+mn-lt"/>
-                  <a:ea typeface="+mn-ea"/>
-                  <a:cs typeface="+mn-cs"/>
-                </a:defRPr>
-              </a:lvl8pPr>
-              <a:lvl9pPr marL="3657600" algn="l" defTabSz="914400" rtl="0" eaLnBrk="1" latinLnBrk="0" hangingPunct="1">
-                <a:defRPr sz="1800" kern="1200">
-                  <a:solidFill>
-                    <a:schemeClr val="tx1"/>
-                  </a:solidFill>
-                  <a:latin typeface="+mn-lt"/>
-                  <a:ea typeface="+mn-ea"/>
-                  <a:cs typeface="+mn-cs"/>
-                </a:defRPr>
-              </a:lvl9pPr>
-            </a:lstStyle>
-            <a:p>
-              <a:pPr algn="ctr">
-                <a:lnSpc>
-                  <a:spcPct val="80000"/>
-                </a:lnSpc>
-                <a:defRPr/>
-              </a:pPr>
-              <a:r>
-                <a:rPr lang="en-US" sz="900" dirty="0">
-                  <a:solidFill>
-                    <a:prstClr val="black"/>
-                  </a:solidFill>
-                  <a:latin typeface="Segoe UI Light" panose="020B0502040204020203" pitchFamily="34" charset="0"/>
-                  <a:cs typeface="Segoe UI Light" panose="020B0502040204020203" pitchFamily="34" charset="0"/>
-                </a:rPr>
-                <a:t>Databases</a:t>
-              </a:r>
-            </a:p>
-          </p:txBody>
-        </p:sp>
-        <p:pic>
-          <p:nvPicPr>
-            <p:cNvPr id="272" name="Picture 271" descr="Image result for database image transparent">
-              <a:extLst>
-                <a:ext uri="{FF2B5EF4-FFF2-40B4-BE49-F238E27FC236}">
-                  <a16:creationId xmlns:a16="http://schemas.microsoft.com/office/drawing/2014/main" id="{A8366BF8-BE06-ACD0-306E-8A978F6CEB37}"/>
-                </a:ext>
-              </a:extLst>
-            </p:cNvPr>
-            <p:cNvPicPr>
-              <a:picLocks noChangeAspect="1" noChangeArrowheads="1"/>
-            </p:cNvPicPr>
-            <p:nvPr/>
-          </p:nvPicPr>
-          <p:blipFill>
-            <a:blip r:embed="rId5" cstate="print">
-              <a:biLevel thresh="75000"/>
-              <a:extLst>
-                <a:ext uri="{28A0092B-C50C-407E-A947-70E740481C1C}">
-                  <a14:useLocalDpi xmlns:a14="http://schemas.microsoft.com/office/drawing/2010/main" val="0"/>
-                </a:ext>
-              </a:extLst>
-            </a:blip>
-            <a:srcRect/>
-            <a:stretch>
-              <a:fillRect/>
-            </a:stretch>
-          </p:blipFill>
-          <p:spPr bwMode="auto">
-            <a:xfrm>
-              <a:off x="773235" y="4146064"/>
-              <a:ext cx="480272" cy="358319"/>
-            </a:xfrm>
-            <a:prstGeom prst="rect">
-              <a:avLst/>
-            </a:prstGeom>
-            <a:noFill/>
-            <a:extLst>
-              <a:ext uri="{909E8E84-426E-40DD-AFC4-6F175D3DCCD1}">
-                <a14:hiddenFill xmlns:a14="http://schemas.microsoft.com/office/drawing/2010/main">
-                  <a:solidFill>
-                    <a:srgbClr val="FFFFFF"/>
-                  </a:solidFill>
-                </a14:hiddenFill>
-              </a:ext>
-            </a:extLst>
-          </p:spPr>
-        </p:pic>
-      </p:grpSp>
-      <p:grpSp>
-        <p:nvGrpSpPr>
-          <p:cNvPr id="273" name="Group 272">
-            <a:extLst>
-              <a:ext uri="{FF2B5EF4-FFF2-40B4-BE49-F238E27FC236}">
-                <a16:creationId xmlns:a16="http://schemas.microsoft.com/office/drawing/2014/main" id="{6577D64D-48B0-4ABD-96AE-2B52AB0C71F0}"/>
-              </a:ext>
-            </a:extLst>
-          </p:cNvPr>
-          <p:cNvGrpSpPr/>
-          <p:nvPr/>
-        </p:nvGrpSpPr>
-        <p:grpSpPr>
-          <a:xfrm>
-            <a:off x="1528424" y="2844449"/>
-            <a:ext cx="456503" cy="636753"/>
-            <a:chOff x="1168938" y="3822652"/>
-            <a:chExt cx="462209" cy="644714"/>
-          </a:xfrm>
-        </p:grpSpPr>
-        <p:sp>
-          <p:nvSpPr>
-            <p:cNvPr id="274" name="TextBox 273">
-              <a:extLst>
-                <a:ext uri="{FF2B5EF4-FFF2-40B4-BE49-F238E27FC236}">
-                  <a16:creationId xmlns:a16="http://schemas.microsoft.com/office/drawing/2014/main" id="{1FC892CC-A43C-B498-F926-7D83F675D3D1}"/>
-                </a:ext>
-              </a:extLst>
-            </p:cNvPr>
-            <p:cNvSpPr txBox="1"/>
-            <p:nvPr/>
-          </p:nvSpPr>
-          <p:spPr>
-            <a:xfrm>
-              <a:off x="1168938" y="3925139"/>
-              <a:ext cx="462209" cy="542227"/>
-            </a:xfrm>
-            <a:prstGeom prst="rect">
-              <a:avLst/>
-            </a:prstGeom>
-            <a:noFill/>
-          </p:spPr>
-          <p:txBody>
-            <a:bodyPr wrap="square" rtlCol="0">
-              <a:spAutoFit/>
-            </a:bodyPr>
-            <a:lstStyle>
-              <a:defPPr>
-                <a:defRPr lang="en-US"/>
-              </a:defPPr>
-              <a:lvl1pPr marL="0" defTabSz="914400" eaLnBrk="1" latinLnBrk="0" hangingPunct="1">
-                <a:lnSpc>
-                  <a:spcPct val="80000"/>
-                </a:lnSpc>
-                <a:defRPr sz="800">
-                  <a:latin typeface="Graphik" panose="020B0503030202060203" pitchFamily="34" charset="77"/>
-                </a:defRPr>
-              </a:lvl1pPr>
-              <a:lvl2pPr marL="457200" defTabSz="914400" eaLnBrk="1" latinLnBrk="0" hangingPunct="1">
-                <a:defRPr sz="1800">
-                  <a:latin typeface="+mn-lt"/>
-                </a:defRPr>
-              </a:lvl2pPr>
-              <a:lvl3pPr marL="914400" defTabSz="914400" eaLnBrk="1" latinLnBrk="0" hangingPunct="1">
-                <a:defRPr sz="1800">
-                  <a:latin typeface="+mn-lt"/>
-                </a:defRPr>
-              </a:lvl3pPr>
-              <a:lvl4pPr marL="1371600" defTabSz="914400" eaLnBrk="1" latinLnBrk="0" hangingPunct="1">
-                <a:defRPr sz="1800">
-                  <a:latin typeface="+mn-lt"/>
-                </a:defRPr>
-              </a:lvl4pPr>
-              <a:lvl5pPr marL="1828800" defTabSz="914400" eaLnBrk="1" latinLnBrk="0" hangingPunct="1">
-                <a:defRPr sz="1800">
-                  <a:latin typeface="+mn-lt"/>
-                </a:defRPr>
-              </a:lvl5pPr>
-              <a:lvl6pPr marL="2286000" defTabSz="914400">
-                <a:defRPr sz="1800">
-                  <a:latin typeface="+mn-lt"/>
-                </a:defRPr>
-              </a:lvl6pPr>
-              <a:lvl7pPr marL="2743200" defTabSz="914400">
-                <a:defRPr sz="1800">
-                  <a:latin typeface="+mn-lt"/>
-                </a:defRPr>
-              </a:lvl7pPr>
-              <a:lvl8pPr marL="3200400" defTabSz="914400">
-                <a:defRPr sz="1800">
-                  <a:latin typeface="+mn-lt"/>
-                </a:defRPr>
-              </a:lvl8pPr>
-              <a:lvl9pPr marL="3657600" defTabSz="914400">
-                <a:defRPr sz="1800">
-                  <a:latin typeface="+mn-lt"/>
-                </a:defRPr>
-              </a:lvl9pPr>
-            </a:lstStyle>
-            <a:p>
-              <a:pPr>
-                <a:defRPr/>
-              </a:pPr>
-              <a:endParaRPr lang="en-US" sz="900" dirty="0">
-                <a:solidFill>
-                  <a:prstClr val="black"/>
-                </a:solidFill>
-                <a:latin typeface="Segoe UI Light" panose="020B0502040204020203" pitchFamily="34" charset="0"/>
-                <a:cs typeface="Segoe UI Light" panose="020B0502040204020203" pitchFamily="34" charset="0"/>
-              </a:endParaRPr>
-            </a:p>
-            <a:p>
-              <a:pPr>
-                <a:defRPr/>
-              </a:pPr>
-              <a:r>
-                <a:rPr lang="en-US" sz="900" dirty="0">
-                  <a:solidFill>
-                    <a:prstClr val="black"/>
-                  </a:solidFill>
-                  <a:latin typeface="Segoe UI Light" panose="020B0502040204020203" pitchFamily="34" charset="0"/>
-                  <a:cs typeface="Segoe UI Light" panose="020B0502040204020203" pitchFamily="34" charset="0"/>
-                </a:rPr>
-                <a:t> Apps</a:t>
-              </a:r>
-            </a:p>
-            <a:p>
-              <a:pPr>
-                <a:defRPr/>
-              </a:pPr>
-              <a:endParaRPr lang="en-US" sz="900" dirty="0">
-                <a:solidFill>
-                  <a:prstClr val="black"/>
-                </a:solidFill>
-                <a:latin typeface="Segoe UI Light" panose="020B0502040204020203" pitchFamily="34" charset="0"/>
-                <a:cs typeface="Segoe UI Light" panose="020B0502040204020203" pitchFamily="34" charset="0"/>
-              </a:endParaRPr>
-            </a:p>
-          </p:txBody>
-        </p:sp>
-        <p:pic>
-          <p:nvPicPr>
-            <p:cNvPr id="275" name="Picture 274" descr="A picture containing text, monitor, display, dark&#10;&#10;Description automatically generated">
-              <a:extLst>
-                <a:ext uri="{FF2B5EF4-FFF2-40B4-BE49-F238E27FC236}">
-                  <a16:creationId xmlns:a16="http://schemas.microsoft.com/office/drawing/2014/main" id="{6D6E2760-E13C-0C71-1B8C-7F06CD5E458D}"/>
-                </a:ext>
-              </a:extLst>
-            </p:cNvPr>
-            <p:cNvPicPr>
-              <a:picLocks noChangeAspect="1"/>
-            </p:cNvPicPr>
-            <p:nvPr/>
-          </p:nvPicPr>
-          <p:blipFill>
-            <a:blip r:embed="rId6"/>
-            <a:stretch>
-              <a:fillRect/>
-            </a:stretch>
-          </p:blipFill>
-          <p:spPr>
-            <a:xfrm>
-              <a:off x="1234544" y="3822652"/>
-              <a:ext cx="313993" cy="313993"/>
-            </a:xfrm>
-            <a:prstGeom prst="rect">
-              <a:avLst/>
-            </a:prstGeom>
-          </p:spPr>
-        </p:pic>
-      </p:grpSp>
-      <p:grpSp>
-        <p:nvGrpSpPr>
-          <p:cNvPr id="314" name="Group 313">
-            <a:extLst>
-              <a:ext uri="{FF2B5EF4-FFF2-40B4-BE49-F238E27FC236}">
-                <a16:creationId xmlns:a16="http://schemas.microsoft.com/office/drawing/2014/main" id="{2450D46D-27EF-F3B3-4380-A3F215EC9119}"/>
-              </a:ext>
-            </a:extLst>
-          </p:cNvPr>
-          <p:cNvGrpSpPr/>
-          <p:nvPr/>
-        </p:nvGrpSpPr>
-        <p:grpSpPr>
-          <a:xfrm>
-            <a:off x="3837001" y="2200497"/>
-            <a:ext cx="914400" cy="578280"/>
-            <a:chOff x="7235828" y="3147550"/>
-            <a:chExt cx="914400" cy="578280"/>
-          </a:xfrm>
-        </p:grpSpPr>
-        <p:sp>
-          <p:nvSpPr>
-            <p:cNvPr id="315" name="Rectangle 314">
-              <a:extLst>
-                <a:ext uri="{FF2B5EF4-FFF2-40B4-BE49-F238E27FC236}">
-                  <a16:creationId xmlns:a16="http://schemas.microsoft.com/office/drawing/2014/main" id="{A2BB0E73-35D2-DBE6-FB4C-F96A6FC76E43}"/>
-                </a:ext>
-              </a:extLst>
-            </p:cNvPr>
-            <p:cNvSpPr/>
-            <p:nvPr/>
-          </p:nvSpPr>
-          <p:spPr>
-            <a:xfrm>
-              <a:off x="7235828" y="3484823"/>
-              <a:ext cx="914400" cy="241007"/>
-            </a:xfrm>
-            <a:prstGeom prst="rect">
-              <a:avLst/>
-            </a:prstGeom>
-            <a:noFill/>
-            <a:ln w="6350" cap="flat" cmpd="sng" algn="ctr">
-              <a:noFill/>
-              <a:prstDash val="solid"/>
-              <a:miter lim="800000"/>
-            </a:ln>
-            <a:effectLst/>
-          </p:spPr>
-          <p:txBody>
-            <a:bodyPr rtlCol="0" anchor="t"/>
-            <a:lstStyle/>
-            <a:p>
-              <a:pPr marL="0" marR="0" lvl="0" indent="0" algn="ctr" defTabSz="685800" eaLnBrk="1" fontAlgn="auto" latinLnBrk="0" hangingPunct="1">
-                <a:lnSpc>
-                  <a:spcPct val="80000"/>
-                </a:lnSpc>
-                <a:spcBef>
-                  <a:spcPts val="0"/>
-                </a:spcBef>
-                <a:spcAft>
-                  <a:spcPts val="0"/>
-                </a:spcAft>
-                <a:buClrTx/>
-                <a:buSzTx/>
-                <a:buFontTx/>
-                <a:buNone/>
-                <a:tabLst/>
-                <a:defRPr/>
-              </a:pPr>
-              <a:r>
-                <a:rPr kumimoji="0" lang="en-US" sz="700" b="1" i="0" u="none" strike="noStrike" kern="0" cap="none" spc="0" normalizeH="0" baseline="0" noProof="0" dirty="0">
-                  <a:ln>
-                    <a:noFill/>
-                  </a:ln>
-                  <a:solidFill>
-                    <a:srgbClr val="002D5D"/>
-                  </a:solidFill>
-                  <a:effectLst/>
-                  <a:uLnTx/>
-                  <a:uFillTx/>
-                  <a:latin typeface="Segoe UI Light" panose="020B0502040204020203" pitchFamily="34" charset="0"/>
-                  <a:ea typeface="+mn-ea"/>
-                  <a:cs typeface="Segoe UI Light" panose="020B0502040204020203" pitchFamily="34" charset="0"/>
-                </a:rPr>
-                <a:t>Completions API Azure OpenAI </a:t>
-              </a:r>
-              <a:endParaRPr kumimoji="0" lang="en-US" sz="800" b="1" i="0" u="none" strike="noStrike" kern="0" cap="none" spc="0" normalizeH="0" baseline="0" noProof="0" dirty="0">
-                <a:ln>
-                  <a:noFill/>
-                </a:ln>
-                <a:solidFill>
-                  <a:srgbClr val="002D5D"/>
-                </a:solidFill>
-                <a:effectLst/>
-                <a:uLnTx/>
-                <a:uFillTx/>
-                <a:latin typeface="Segoe UI Light" panose="020B0502040204020203" pitchFamily="34" charset="0"/>
-                <a:ea typeface="+mn-ea"/>
-                <a:cs typeface="Segoe UI Light" panose="020B0502040204020203" pitchFamily="34" charset="0"/>
-              </a:endParaRPr>
-            </a:p>
-          </p:txBody>
-        </p:sp>
-        <p:pic>
-          <p:nvPicPr>
-            <p:cNvPr id="316" name="Picture 4" descr="OpenAI Logo">
-              <a:extLst>
-                <a:ext uri="{FF2B5EF4-FFF2-40B4-BE49-F238E27FC236}">
-                  <a16:creationId xmlns:a16="http://schemas.microsoft.com/office/drawing/2014/main" id="{CBECA9BA-E59C-595F-288D-31CD4E848DC2}"/>
-                </a:ext>
-              </a:extLst>
-            </p:cNvPr>
-            <p:cNvPicPr>
-              <a:picLocks noChangeAspect="1" noChangeArrowheads="1"/>
-            </p:cNvPicPr>
-            <p:nvPr/>
-          </p:nvPicPr>
-          <p:blipFill>
-            <a:blip r:embed="rId7">
-              <a:extLst>
-                <a:ext uri="{28A0092B-C50C-407E-A947-70E740481C1C}">
-                  <a14:useLocalDpi xmlns:a14="http://schemas.microsoft.com/office/drawing/2010/main" val="0"/>
-                </a:ext>
-              </a:extLst>
-            </a:blip>
-            <a:srcRect/>
-            <a:stretch>
-              <a:fillRect/>
-            </a:stretch>
-          </p:blipFill>
-          <p:spPr bwMode="auto">
-            <a:xfrm>
-              <a:off x="7541248" y="3147550"/>
-              <a:ext cx="318918" cy="323317"/>
-            </a:xfrm>
-            <a:prstGeom prst="rect">
-              <a:avLst/>
-            </a:prstGeom>
-            <a:noFill/>
-            <a:extLst>
-              <a:ext uri="{909E8E84-426E-40DD-AFC4-6F175D3DCCD1}">
-                <a14:hiddenFill xmlns:a14="http://schemas.microsoft.com/office/drawing/2010/main">
-                  <a:solidFill>
-                    <a:srgbClr val="FFFFFF"/>
-                  </a:solidFill>
-                </a14:hiddenFill>
-              </a:ext>
-            </a:extLst>
-          </p:spPr>
-        </p:pic>
-      </p:grpSp>
       <p:sp>
         <p:nvSpPr>
           <p:cNvPr id="333" name="TextBox 332">
@@ -23914,12 +22308,80 @@
           </a:p>
         </p:txBody>
       </p:sp>
+      <p:sp>
+        <p:nvSpPr>
+          <p:cNvPr id="62" name="Rectangle 61">
+            <a:extLst>
+              <a:ext uri="{FF2B5EF4-FFF2-40B4-BE49-F238E27FC236}">
+                <a16:creationId xmlns:a16="http://schemas.microsoft.com/office/drawing/2014/main" id="{CA726974-080C-C7BB-0F7A-D77E834F29FC}"/>
+              </a:ext>
+            </a:extLst>
+          </p:cNvPr>
+          <p:cNvSpPr/>
+          <p:nvPr/>
+        </p:nvSpPr>
+        <p:spPr>
+          <a:xfrm>
+            <a:off x="1043796" y="967302"/>
+            <a:ext cx="10127412" cy="5357004"/>
+          </a:xfrm>
+          <a:prstGeom prst="rect">
+            <a:avLst/>
+          </a:prstGeom>
+          <a:noFill/>
+          <a:ln w="28575" cap="flat" cmpd="sng" algn="ctr">
+            <a:solidFill>
+              <a:srgbClr val="00B0F0"/>
+            </a:solidFill>
+            <a:prstDash val="dash"/>
+            <a:miter lim="800000"/>
+          </a:ln>
+          <a:effectLst/>
+        </p:spPr>
+        <p:txBody>
+          <a:bodyPr rtlCol="0" anchor="ctr"/>
+          <a:lstStyle/>
+          <a:p>
+            <a:pPr marL="0" marR="0" lvl="0" indent="0" algn="ctr" defTabSz="914400" eaLnBrk="1" fontAlgn="auto" latinLnBrk="0" hangingPunct="1">
+              <a:lnSpc>
+                <a:spcPct val="100000"/>
+              </a:lnSpc>
+              <a:spcBef>
+                <a:spcPts val="0"/>
+              </a:spcBef>
+              <a:spcAft>
+                <a:spcPts val="0"/>
+              </a:spcAft>
+              <a:buClrTx/>
+              <a:buSzTx/>
+              <a:buFontTx/>
+              <a:buNone/>
+              <a:tabLst/>
+              <a:defRPr/>
+            </a:pPr>
+            <a:endParaRPr kumimoji="0" lang="en-US" sz="1800" b="0" i="0" u="none" strike="noStrike" kern="0" cap="none" spc="0" normalizeH="0" baseline="0" noProof="0">
+              <a:ln>
+                <a:noFill/>
+              </a:ln>
+              <a:solidFill>
+                <a:prstClr val="white"/>
+              </a:solidFill>
+              <a:effectLst/>
+              <a:uLnTx/>
+              <a:uFillTx/>
+              <a:latin typeface="Calibri" panose="020F0502020204030204"/>
+              <a:ea typeface="+mn-ea"/>
+              <a:cs typeface="+mn-cs"/>
+            </a:endParaRPr>
+          </a:p>
+        </p:txBody>
+      </p:sp>
       <p:grpSp>
         <p:nvGrpSpPr>
-          <p:cNvPr id="6" name="Group 5">
+          <p:cNvPr id="63" name="Group 62">
             <a:extLst>
               <a:ext uri="{FF2B5EF4-FFF2-40B4-BE49-F238E27FC236}">
-                <a16:creationId xmlns:a16="http://schemas.microsoft.com/office/drawing/2014/main" id="{423D9F2E-F569-46B9-E5AB-57EE8F574B6E}"/>
+                <a16:creationId xmlns:a16="http://schemas.microsoft.com/office/drawing/2014/main" id="{A822832A-3549-3C3E-7DCC-972F49A5D38D}"/>
               </a:ext>
             </a:extLst>
           </p:cNvPr>
@@ -23928,133 +22390,111 @@
         </p:nvGrpSpPr>
         <p:grpSpPr>
           <a:xfrm>
-            <a:off x="7366198" y="3223570"/>
-            <a:ext cx="822960" cy="515264"/>
-            <a:chOff x="8337734" y="5077514"/>
-            <a:chExt cx="822960" cy="515264"/>
+            <a:off x="3149463" y="3859179"/>
+            <a:ext cx="1205779" cy="812979"/>
+            <a:chOff x="558114" y="1319497"/>
+            <a:chExt cx="1534970" cy="1034931"/>
           </a:xfrm>
         </p:grpSpPr>
-        <p:sp>
-          <p:nvSpPr>
-            <p:cNvPr id="7" name="Rectangle 6">
+        <p:pic>
+          <p:nvPicPr>
+            <p:cNvPr id="64" name="Graphic 63">
               <a:extLst>
                 <a:ext uri="{FF2B5EF4-FFF2-40B4-BE49-F238E27FC236}">
-                  <a16:creationId xmlns:a16="http://schemas.microsoft.com/office/drawing/2014/main" id="{6341B130-ACA5-10F2-15FB-3E248521E754}"/>
+                  <a16:creationId xmlns:a16="http://schemas.microsoft.com/office/drawing/2014/main" id="{1C743FEC-C094-EF3F-7595-5AE086927B47}"/>
                 </a:ext>
               </a:extLst>
             </p:cNvPr>
-            <p:cNvSpPr/>
+            <p:cNvPicPr>
+              <a:picLocks noChangeAspect="1"/>
+            </p:cNvPicPr>
+            <p:nvPr/>
+          </p:nvPicPr>
+          <p:blipFill>
+            <a:blip r:embed="rId3">
+              <a:extLst>
+                <a:ext uri="{28A0092B-C50C-407E-A947-70E740481C1C}">
+                  <a14:useLocalDpi xmlns:a14="http://schemas.microsoft.com/office/drawing/2010/main" val="0"/>
+                </a:ext>
+                <a:ext uri="{96DAC541-7B7A-43D3-8B79-37D633B846F1}">
+                  <asvg:svgBlip xmlns:asvg="http://schemas.microsoft.com/office/drawing/2016/SVG/main" r:embed="rId4"/>
+                </a:ext>
+              </a:extLst>
+            </a:blip>
+            <a:stretch>
+              <a:fillRect/>
+            </a:stretch>
+          </p:blipFill>
+          <p:spPr>
+            <a:xfrm>
+              <a:off x="1042587" y="1319497"/>
+              <a:ext cx="566016" cy="566016"/>
+            </a:xfrm>
+            <a:prstGeom prst="rect">
+              <a:avLst/>
+            </a:prstGeom>
+          </p:spPr>
+        </p:pic>
+        <p:sp>
+          <p:nvSpPr>
+            <p:cNvPr id="65" name="TextBox 64">
+              <a:extLst>
+                <a:ext uri="{FF2B5EF4-FFF2-40B4-BE49-F238E27FC236}">
+                  <a16:creationId xmlns:a16="http://schemas.microsoft.com/office/drawing/2014/main" id="{CF226C86-A633-0B09-F958-6121DADBFAA6}"/>
+                </a:ext>
+              </a:extLst>
+            </p:cNvPr>
+            <p:cNvSpPr txBox="1"/>
             <p:nvPr/>
           </p:nvSpPr>
           <p:spPr>
             <a:xfrm>
-              <a:off x="8337734" y="5351771"/>
-              <a:ext cx="822960" cy="241007"/>
+              <a:off x="558114" y="1805904"/>
+              <a:ext cx="1534970" cy="548524"/>
             </a:xfrm>
             <a:prstGeom prst="rect">
               <a:avLst/>
             </a:prstGeom>
             <a:noFill/>
-            <a:ln w="6350" cap="flat" cmpd="sng" algn="ctr">
-              <a:noFill/>
-              <a:prstDash val="solid"/>
-              <a:miter lim="800000"/>
-            </a:ln>
-            <a:effectLst/>
           </p:spPr>
           <p:txBody>
-            <a:bodyPr rtlCol="0" anchor="t"/>
+            <a:bodyPr wrap="none" rtlCol="0">
+              <a:spAutoFit/>
+            </a:bodyPr>
             <a:lstStyle/>
             <a:p>
-              <a:pPr marL="0" marR="0" lvl="0" indent="0" algn="ctr" defTabSz="685800" eaLnBrk="1" fontAlgn="auto" latinLnBrk="0" hangingPunct="1">
-                <a:lnSpc>
-                  <a:spcPct val="80000"/>
-                </a:lnSpc>
-                <a:spcBef>
-                  <a:spcPts val="0"/>
-                </a:spcBef>
-                <a:spcAft>
-                  <a:spcPts val="0"/>
-                </a:spcAft>
-                <a:buClrTx/>
-                <a:buSzTx/>
-                <a:buFontTx/>
-                <a:buNone/>
-                <a:tabLst/>
-                <a:defRPr/>
-              </a:pPr>
+              <a:pPr algn="ctr"/>
               <a:r>
-                <a:rPr kumimoji="0" lang="en-US" sz="700" b="1" i="0" u="none" strike="noStrike" kern="0" cap="none" spc="0" normalizeH="0" baseline="0" noProof="0" dirty="0">
-                  <a:ln>
-                    <a:noFill/>
-                  </a:ln>
+                <a:rPr lang="en-US" sz="1100" dirty="0">
                   <a:solidFill>
-                    <a:srgbClr val="002D5D"/>
+                    <a:prstClr val="black"/>
                   </a:solidFill>
-                  <a:effectLst/>
-                  <a:uLnTx/>
-                  <a:uFillTx/>
-                  <a:latin typeface="Segoe UI Light" panose="020B0502040204020203" pitchFamily="34" charset="0"/>
-                  <a:ea typeface="+mn-ea"/>
-                  <a:cs typeface="Segoe UI Light" panose="020B0502040204020203" pitchFamily="34" charset="0"/>
+                  <a:latin typeface="Calibri" panose="020F0502020204030204"/>
                 </a:rPr>
-                <a:t>Claims Management Static Web App</a:t>
+                <a:t>Claims Data</a:t>
+              </a:r>
+            </a:p>
+            <a:p>
+              <a:pPr algn="ctr"/>
+              <a:r>
+                <a:rPr lang="en-US" sz="1100" b="1" dirty="0">
+                  <a:solidFill>
+                    <a:prstClr val="black"/>
+                  </a:solidFill>
+                  <a:latin typeface="Calibri" panose="020F0502020204030204"/>
+                </a:rPr>
+                <a:t>Azure Cosmos DB</a:t>
               </a:r>
             </a:p>
           </p:txBody>
         </p:sp>
-        <p:pic>
-          <p:nvPicPr>
-            <p:cNvPr id="8" name="Picture 2">
-              <a:extLst>
-                <a:ext uri="{FF2B5EF4-FFF2-40B4-BE49-F238E27FC236}">
-                  <a16:creationId xmlns:a16="http://schemas.microsoft.com/office/drawing/2014/main" id="{4BFEA827-49CC-7699-5D74-7E6B767E1C75}"/>
-                </a:ext>
-              </a:extLst>
-            </p:cNvPr>
-            <p:cNvPicPr>
-              <a:picLocks noChangeAspect="1" noChangeArrowheads="1"/>
-            </p:cNvPicPr>
-            <p:nvPr/>
-          </p:nvPicPr>
-          <p:blipFill>
-            <a:blip r:embed="rId8">
-              <a:extLst>
-                <a:ext uri="{28A0092B-C50C-407E-A947-70E740481C1C}">
-                  <a14:useLocalDpi xmlns:a14="http://schemas.microsoft.com/office/drawing/2010/main" val="0"/>
-                </a:ext>
-              </a:extLst>
-            </a:blip>
-            <a:srcRect/>
-            <a:stretch/>
-          </p:blipFill>
-          <p:spPr bwMode="auto">
-            <a:xfrm>
-              <a:off x="8588127" y="5077514"/>
-              <a:ext cx="329184" cy="283251"/>
-            </a:xfrm>
-            <a:prstGeom prst="rect">
-              <a:avLst/>
-            </a:prstGeom>
-            <a:noFill/>
-            <a:extLst>
-              <a:ext uri="{909E8E84-426E-40DD-AFC4-6F175D3DCCD1}">
-                <a14:hiddenFill xmlns:a14="http://schemas.microsoft.com/office/drawing/2010/main">
-                  <a:solidFill>
-                    <a:srgbClr val="FFFFFF"/>
-                  </a:solidFill>
-                </a14:hiddenFill>
-              </a:ext>
-            </a:extLst>
-          </p:spPr>
-        </p:pic>
       </p:grpSp>
       <p:grpSp>
         <p:nvGrpSpPr>
-          <p:cNvPr id="11" name="Group 10">
+          <p:cNvPr id="66" name="Group 65">
             <a:extLst>
               <a:ext uri="{FF2B5EF4-FFF2-40B4-BE49-F238E27FC236}">
-                <a16:creationId xmlns:a16="http://schemas.microsoft.com/office/drawing/2014/main" id="{B22C6D6C-89AD-0E4B-5F12-BE44BD4F64E0}"/>
+                <a16:creationId xmlns:a16="http://schemas.microsoft.com/office/drawing/2014/main" id="{86B24281-83C3-BDBD-23ED-6B44AF7F9F54}"/>
               </a:ext>
             </a:extLst>
           </p:cNvPr>
@@ -24063,92 +22503,307 @@
         </p:nvGrpSpPr>
         <p:grpSpPr>
           <a:xfrm>
-            <a:off x="5520117" y="3268252"/>
-            <a:ext cx="822960" cy="515264"/>
-            <a:chOff x="8337734" y="5077514"/>
-            <a:chExt cx="822960" cy="515264"/>
+            <a:off x="5849381" y="3073972"/>
+            <a:ext cx="2023311" cy="1402422"/>
+            <a:chOff x="5989861" y="1576334"/>
+            <a:chExt cx="2556574" cy="1772043"/>
           </a:xfrm>
         </p:grpSpPr>
-        <p:sp>
-          <p:nvSpPr>
-            <p:cNvPr id="12" name="Rectangle 11">
+        <p:pic>
+          <p:nvPicPr>
+            <p:cNvPr id="67" name="Graphic 66">
               <a:extLst>
                 <a:ext uri="{FF2B5EF4-FFF2-40B4-BE49-F238E27FC236}">
-                  <a16:creationId xmlns:a16="http://schemas.microsoft.com/office/drawing/2014/main" id="{46605C32-7191-F4B5-FF41-AA765707843B}"/>
+                  <a16:creationId xmlns:a16="http://schemas.microsoft.com/office/drawing/2014/main" id="{5B9A3B70-053A-8726-9C72-F5F1CF38B66F}"/>
                 </a:ext>
               </a:extLst>
             </p:cNvPr>
-            <p:cNvSpPr/>
+            <p:cNvPicPr>
+              <a:picLocks noChangeAspect="1"/>
+            </p:cNvPicPr>
+            <p:nvPr/>
+          </p:nvPicPr>
+          <p:blipFill>
+            <a:blip r:embed="rId5">
+              <a:extLst>
+                <a:ext uri="{28A0092B-C50C-407E-A947-70E740481C1C}">
+                  <a14:useLocalDpi xmlns:a14="http://schemas.microsoft.com/office/drawing/2010/main" val="0"/>
+                </a:ext>
+                <a:ext uri="{96DAC541-7B7A-43D3-8B79-37D633B846F1}">
+                  <asvg:svgBlip xmlns:asvg="http://schemas.microsoft.com/office/drawing/2016/SVG/main" r:embed="rId6"/>
+                </a:ext>
+              </a:extLst>
+            </a:blip>
+            <a:stretch>
+              <a:fillRect/>
+            </a:stretch>
+          </p:blipFill>
+          <p:spPr>
+            <a:xfrm>
+              <a:off x="6985137" y="1576334"/>
+              <a:ext cx="566015" cy="566015"/>
+            </a:xfrm>
+            <a:prstGeom prst="rect">
+              <a:avLst/>
+            </a:prstGeom>
+          </p:spPr>
+        </p:pic>
+        <p:sp>
+          <p:nvSpPr>
+            <p:cNvPr id="68" name="TextBox 67">
+              <a:extLst>
+                <a:ext uri="{FF2B5EF4-FFF2-40B4-BE49-F238E27FC236}">
+                  <a16:creationId xmlns:a16="http://schemas.microsoft.com/office/drawing/2014/main" id="{F386E122-F1F3-02DA-31DA-8481D381865F}"/>
+                </a:ext>
+              </a:extLst>
+            </p:cNvPr>
+            <p:cNvSpPr txBox="1"/>
             <p:nvPr/>
           </p:nvSpPr>
           <p:spPr>
             <a:xfrm>
-              <a:off x="8337734" y="5351771"/>
-              <a:ext cx="822960" cy="241007"/>
+              <a:off x="5989861" y="2162250"/>
+              <a:ext cx="2556574" cy="1186127"/>
             </a:xfrm>
             <a:prstGeom prst="rect">
               <a:avLst/>
             </a:prstGeom>
             <a:noFill/>
-            <a:ln w="6350" cap="flat" cmpd="sng" algn="ctr">
-              <a:noFill/>
-              <a:prstDash val="solid"/>
-              <a:miter lim="800000"/>
-            </a:ln>
-            <a:effectLst/>
           </p:spPr>
           <p:txBody>
-            <a:bodyPr rtlCol="0" anchor="t"/>
+            <a:bodyPr wrap="none" rtlCol="0">
+              <a:spAutoFit/>
+            </a:bodyPr>
             <a:lstStyle/>
             <a:p>
-              <a:pPr marL="0" marR="0" lvl="0" indent="0" algn="ctr" defTabSz="685800" eaLnBrk="1" fontAlgn="auto" latinLnBrk="0" hangingPunct="1">
-                <a:lnSpc>
-                  <a:spcPct val="80000"/>
-                </a:lnSpc>
-                <a:spcBef>
-                  <a:spcPts val="0"/>
-                </a:spcBef>
-                <a:spcAft>
-                  <a:spcPts val="0"/>
-                </a:spcAft>
-                <a:buClrTx/>
-                <a:buSzTx/>
-                <a:buFontTx/>
-                <a:buNone/>
-                <a:tabLst/>
-                <a:defRPr/>
-              </a:pPr>
+              <a:pPr algn="ctr"/>
               <a:r>
-                <a:rPr kumimoji="0" lang="en-US" sz="700" b="1" i="0" u="none" strike="noStrike" kern="0" cap="none" spc="0" normalizeH="0" baseline="0" noProof="0" dirty="0">
-                  <a:ln>
-                    <a:noFill/>
-                  </a:ln>
+                <a:rPr lang="en-US" sz="1100" dirty="0">
                   <a:solidFill>
-                    <a:srgbClr val="002D5D"/>
+                    <a:prstClr val="black"/>
                   </a:solidFill>
-                  <a:effectLst/>
-                  <a:uLnTx/>
-                  <a:uFillTx/>
-                  <a:latin typeface="Segoe UI Light" panose="020B0502040204020203" pitchFamily="34" charset="0"/>
-                  <a:ea typeface="+mn-ea"/>
-                  <a:cs typeface="Segoe UI Light" panose="020B0502040204020203" pitchFamily="34" charset="0"/>
+                  <a:latin typeface="Calibri" panose="020F0502020204030204"/>
                 </a:rPr>
-                <a:t>Claims API Azure Functions</a:t>
+                <a:t>Claims API /</a:t>
+              </a:r>
+            </a:p>
+            <a:p>
+              <a:pPr algn="ctr"/>
+              <a:r>
+                <a:rPr lang="en-US" sz="1100" dirty="0">
+                  <a:solidFill>
+                    <a:prstClr val="black"/>
+                  </a:solidFill>
+                  <a:latin typeface="Calibri" panose="020F0502020204030204"/>
+                </a:rPr>
+                <a:t>Worker Service</a:t>
+              </a:r>
+            </a:p>
+            <a:p>
+              <a:pPr algn="ctr"/>
+              <a:r>
+                <a:rPr lang="en-US" sz="1100" b="1" dirty="0">
+                  <a:solidFill>
+                    <a:prstClr val="black"/>
+                  </a:solidFill>
+                  <a:latin typeface="Calibri" panose="020F0502020204030204"/>
+                </a:rPr>
+                <a:t>Azure Kubernetes Service (AKS)</a:t>
+              </a:r>
+              <a:br>
+                <a:rPr lang="en-US" sz="1100" b="1" dirty="0">
+                  <a:solidFill>
+                    <a:prstClr val="black"/>
+                  </a:solidFill>
+                  <a:latin typeface="Calibri" panose="020F0502020204030204"/>
+                </a:rPr>
+              </a:br>
+              <a:r>
+                <a:rPr lang="en-US" sz="1100" b="1" dirty="0">
+                  <a:solidFill>
+                    <a:prstClr val="black"/>
+                  </a:solidFill>
+                  <a:latin typeface="Calibri" panose="020F0502020204030204"/>
+                </a:rPr>
+                <a:t>or</a:t>
+              </a:r>
+              <a:br>
+                <a:rPr lang="en-US" sz="1100" b="1" dirty="0">
+                  <a:solidFill>
+                    <a:prstClr val="black"/>
+                  </a:solidFill>
+                  <a:latin typeface="Calibri" panose="020F0502020204030204"/>
+                </a:rPr>
+              </a:br>
+              <a:r>
+                <a:rPr lang="en-US" sz="1100" b="1" dirty="0">
+                  <a:solidFill>
+                    <a:prstClr val="black"/>
+                  </a:solidFill>
+                  <a:latin typeface="Calibri" panose="020F0502020204030204"/>
+                </a:rPr>
+                <a:t>Azure Container Apps (ACA)</a:t>
               </a:r>
             </a:p>
           </p:txBody>
         </p:sp>
+      </p:grpSp>
+      <p:grpSp>
+        <p:nvGrpSpPr>
+          <p:cNvPr id="69" name="Group 68">
+            <a:extLst>
+              <a:ext uri="{FF2B5EF4-FFF2-40B4-BE49-F238E27FC236}">
+                <a16:creationId xmlns:a16="http://schemas.microsoft.com/office/drawing/2014/main" id="{8A4C001F-52FE-0CA2-00A3-A69DA1A5E4A3}"/>
+              </a:ext>
+            </a:extLst>
+          </p:cNvPr>
+          <p:cNvGrpSpPr/>
+          <p:nvPr/>
+        </p:nvGrpSpPr>
+        <p:grpSpPr>
+          <a:xfrm>
+            <a:off x="8850822" y="3069042"/>
+            <a:ext cx="1088761" cy="1037884"/>
+            <a:chOff x="9694002" y="2541220"/>
+            <a:chExt cx="1346454" cy="1283535"/>
+          </a:xfrm>
+        </p:grpSpPr>
         <p:pic>
           <p:nvPicPr>
-            <p:cNvPr id="13" name="Picture 2">
+            <p:cNvPr id="70" name="Graphic 69">
               <a:extLst>
                 <a:ext uri="{FF2B5EF4-FFF2-40B4-BE49-F238E27FC236}">
-                  <a16:creationId xmlns:a16="http://schemas.microsoft.com/office/drawing/2014/main" id="{69770D46-10F4-FE81-4A15-C86A4DEA127C}"/>
+                  <a16:creationId xmlns:a16="http://schemas.microsoft.com/office/drawing/2014/main" id="{6B069884-6D9C-D48C-C4CA-945C3AB27B3B}"/>
                 </a:ext>
               </a:extLst>
             </p:cNvPr>
             <p:cNvPicPr>
-              <a:picLocks noChangeAspect="1" noChangeArrowheads="1"/>
+              <a:picLocks noChangeAspect="1"/>
+            </p:cNvPicPr>
+            <p:nvPr/>
+          </p:nvPicPr>
+          <p:blipFill>
+            <a:blip r:embed="rId7">
+              <a:extLst>
+                <a:ext uri="{28A0092B-C50C-407E-A947-70E740481C1C}">
+                  <a14:useLocalDpi xmlns:a14="http://schemas.microsoft.com/office/drawing/2010/main" val="0"/>
+                </a:ext>
+                <a:ext uri="{96DAC541-7B7A-43D3-8B79-37D633B846F1}">
+                  <asvg:svgBlip xmlns:asvg="http://schemas.microsoft.com/office/drawing/2016/SVG/main" r:embed="rId8"/>
+                </a:ext>
+              </a:extLst>
+            </a:blip>
+            <a:stretch>
+              <a:fillRect/>
+            </a:stretch>
+          </p:blipFill>
+          <p:spPr>
+            <a:xfrm>
+              <a:off x="10084218" y="2541220"/>
+              <a:ext cx="566015" cy="566015"/>
+            </a:xfrm>
+            <a:prstGeom prst="rect">
+              <a:avLst/>
+            </a:prstGeom>
+          </p:spPr>
+        </p:pic>
+        <p:sp>
+          <p:nvSpPr>
+            <p:cNvPr id="71" name="TextBox 70">
+              <a:extLst>
+                <a:ext uri="{FF2B5EF4-FFF2-40B4-BE49-F238E27FC236}">
+                  <a16:creationId xmlns:a16="http://schemas.microsoft.com/office/drawing/2014/main" id="{7A57C5FF-2E11-AC8B-7444-888669189131}"/>
+                </a:ext>
+              </a:extLst>
+            </p:cNvPr>
+            <p:cNvSpPr txBox="1"/>
+            <p:nvPr/>
+          </p:nvSpPr>
+          <p:spPr>
+            <a:xfrm>
+              <a:off x="9694002" y="3082541"/>
+              <a:ext cx="1346454" cy="742214"/>
+            </a:xfrm>
+            <a:prstGeom prst="rect">
+              <a:avLst/>
+            </a:prstGeom>
+            <a:noFill/>
+          </p:spPr>
+          <p:txBody>
+            <a:bodyPr wrap="none" rtlCol="0">
+              <a:spAutoFit/>
+            </a:bodyPr>
+            <a:lstStyle/>
+            <a:p>
+              <a:pPr algn="ctr"/>
+              <a:r>
+                <a:rPr lang="en-US" sz="1100" dirty="0">
+                  <a:solidFill>
+                    <a:prstClr val="black"/>
+                  </a:solidFill>
+                  <a:latin typeface="Calibri" panose="020F0502020204030204"/>
+                </a:rPr>
+                <a:t>Claims</a:t>
+              </a:r>
+            </a:p>
+            <a:p>
+              <a:pPr algn="ctr"/>
+              <a:r>
+                <a:rPr lang="en-US" sz="1100" dirty="0">
+                  <a:solidFill>
+                    <a:prstClr val="black"/>
+                  </a:solidFill>
+                  <a:latin typeface="Calibri" panose="020F0502020204030204"/>
+                </a:rPr>
+                <a:t>Management</a:t>
+              </a:r>
+            </a:p>
+            <a:p>
+              <a:pPr algn="ctr"/>
+              <a:r>
+                <a:rPr lang="en-US" sz="1100" b="1" dirty="0">
+                  <a:solidFill>
+                    <a:prstClr val="black"/>
+                  </a:solidFill>
+                  <a:latin typeface="Calibri" panose="020F0502020204030204"/>
+                </a:rPr>
+                <a:t>Static Web App</a:t>
+              </a:r>
+            </a:p>
+          </p:txBody>
+        </p:sp>
+      </p:grpSp>
+      <p:grpSp>
+        <p:nvGrpSpPr>
+          <p:cNvPr id="72" name="Group 71">
+            <a:extLst>
+              <a:ext uri="{FF2B5EF4-FFF2-40B4-BE49-F238E27FC236}">
+                <a16:creationId xmlns:a16="http://schemas.microsoft.com/office/drawing/2014/main" id="{FD1AEF7E-6573-903B-869D-3F3CD9F318C7}"/>
+              </a:ext>
+            </a:extLst>
+          </p:cNvPr>
+          <p:cNvGrpSpPr/>
+          <p:nvPr/>
+        </p:nvGrpSpPr>
+        <p:grpSpPr>
+          <a:xfrm>
+            <a:off x="3246923" y="1573665"/>
+            <a:ext cx="1124026" cy="874318"/>
+            <a:chOff x="4014670" y="1313729"/>
+            <a:chExt cx="1124026" cy="874318"/>
+          </a:xfrm>
+        </p:grpSpPr>
+        <p:pic>
+          <p:nvPicPr>
+            <p:cNvPr id="73" name="Graphic 72">
+              <a:extLst>
+                <a:ext uri="{FF2B5EF4-FFF2-40B4-BE49-F238E27FC236}">
+                  <a16:creationId xmlns:a16="http://schemas.microsoft.com/office/drawing/2014/main" id="{B6E3944D-896B-95FD-D39D-E21202EAFEA2}"/>
+                </a:ext>
+              </a:extLst>
+            </p:cNvPr>
+            <p:cNvPicPr>
+              <a:picLocks noChangeAspect="1"/>
             </p:cNvPicPr>
             <p:nvPr/>
           </p:nvPicPr>
@@ -24163,250 +22818,118 @@
                 </a:ext>
               </a:extLst>
             </a:blip>
-            <a:srcRect/>
-            <a:stretch/>
+            <a:stretch>
+              <a:fillRect/>
+            </a:stretch>
           </p:blipFill>
-          <p:spPr bwMode="auto">
+          <p:spPr>
             <a:xfrm>
-              <a:off x="8611093" y="5077514"/>
-              <a:ext cx="283251" cy="283251"/>
+              <a:off x="4297782" y="1313729"/>
+              <a:ext cx="557796" cy="557796"/>
+            </a:xfrm>
+            <a:prstGeom prst="rect">
+              <a:avLst/>
+            </a:prstGeom>
+          </p:spPr>
+        </p:pic>
+        <p:sp>
+          <p:nvSpPr>
+            <p:cNvPr id="74" name="TextBox 73">
+              <a:extLst>
+                <a:ext uri="{FF2B5EF4-FFF2-40B4-BE49-F238E27FC236}">
+                  <a16:creationId xmlns:a16="http://schemas.microsoft.com/office/drawing/2014/main" id="{B3454F33-C615-9447-479C-797D285C4568}"/>
+                </a:ext>
+              </a:extLst>
+            </p:cNvPr>
+            <p:cNvSpPr txBox="1"/>
+            <p:nvPr/>
+          </p:nvSpPr>
+          <p:spPr>
+            <a:xfrm>
+              <a:off x="4014670" y="1757160"/>
+              <a:ext cx="1124026" cy="430887"/>
             </a:xfrm>
             <a:prstGeom prst="rect">
               <a:avLst/>
             </a:prstGeom>
             <a:noFill/>
-            <a:extLst>
-              <a:ext uri="{909E8E84-426E-40DD-AFC4-6F175D3DCCD1}">
-                <a14:hiddenFill xmlns:a14="http://schemas.microsoft.com/office/drawing/2010/main">
-                  <a:solidFill>
-                    <a:srgbClr val="FFFFFF"/>
-                  </a:solidFill>
-                </a14:hiddenFill>
-              </a:ext>
-            </a:extLst>
-          </p:spPr>
-        </p:pic>
-      </p:grpSp>
-      <p:grpSp>
-        <p:nvGrpSpPr>
-          <p:cNvPr id="24" name="Group 23">
-            <a:extLst>
-              <a:ext uri="{FF2B5EF4-FFF2-40B4-BE49-F238E27FC236}">
-                <a16:creationId xmlns:a16="http://schemas.microsoft.com/office/drawing/2014/main" id="{188F284B-346D-CCDF-0F47-31948E876FD0}"/>
-              </a:ext>
-            </a:extLst>
-          </p:cNvPr>
-          <p:cNvGrpSpPr/>
-          <p:nvPr/>
-        </p:nvGrpSpPr>
-        <p:grpSpPr>
-          <a:xfrm>
-            <a:off x="3771389" y="3688713"/>
-            <a:ext cx="822960" cy="493504"/>
-            <a:chOff x="8337734" y="5099274"/>
-            <a:chExt cx="822960" cy="493504"/>
-          </a:xfrm>
-        </p:grpSpPr>
-        <p:sp>
-          <p:nvSpPr>
-            <p:cNvPr id="25" name="Rectangle 24">
-              <a:extLst>
-                <a:ext uri="{FF2B5EF4-FFF2-40B4-BE49-F238E27FC236}">
-                  <a16:creationId xmlns:a16="http://schemas.microsoft.com/office/drawing/2014/main" id="{74004EC5-5DB8-6FC3-D9E9-FA4FC4F38CA3}"/>
-                </a:ext>
-              </a:extLst>
-            </p:cNvPr>
-            <p:cNvSpPr/>
-            <p:nvPr/>
-          </p:nvSpPr>
-          <p:spPr>
-            <a:xfrm>
-              <a:off x="8337734" y="5351771"/>
-              <a:ext cx="822960" cy="241007"/>
-            </a:xfrm>
-            <a:prstGeom prst="rect">
-              <a:avLst/>
-            </a:prstGeom>
-            <a:noFill/>
-            <a:ln w="6350" cap="flat" cmpd="sng" algn="ctr">
-              <a:noFill/>
-              <a:prstDash val="solid"/>
-              <a:miter lim="800000"/>
-            </a:ln>
-            <a:effectLst/>
           </p:spPr>
           <p:txBody>
-            <a:bodyPr rtlCol="0" anchor="t"/>
+            <a:bodyPr wrap="none" rtlCol="0">
+              <a:spAutoFit/>
+            </a:bodyPr>
             <a:lstStyle/>
             <a:p>
-              <a:pPr marL="0" marR="0" lvl="0" indent="0" algn="ctr" defTabSz="685800" eaLnBrk="1" fontAlgn="auto" latinLnBrk="0" hangingPunct="1">
-                <a:lnSpc>
-                  <a:spcPct val="80000"/>
-                </a:lnSpc>
-                <a:spcBef>
-                  <a:spcPts val="0"/>
-                </a:spcBef>
-                <a:spcAft>
-                  <a:spcPts val="0"/>
-                </a:spcAft>
-                <a:buClrTx/>
-                <a:buSzTx/>
-                <a:buFontTx/>
-                <a:buNone/>
-                <a:tabLst/>
-                <a:defRPr/>
-              </a:pPr>
+              <a:pPr algn="ctr"/>
               <a:r>
-                <a:rPr kumimoji="0" lang="en-US" sz="700" b="1" i="0" u="none" strike="noStrike" kern="0" cap="none" spc="0" normalizeH="0" baseline="0" noProof="0" dirty="0">
-                  <a:ln>
-                    <a:noFill/>
-                  </a:ln>
+                <a:rPr lang="en-US" sz="1100" dirty="0">
                   <a:solidFill>
-                    <a:srgbClr val="002D5D"/>
+                    <a:prstClr val="black"/>
                   </a:solidFill>
-                  <a:effectLst/>
-                  <a:uLnTx/>
-                  <a:uFillTx/>
-                  <a:latin typeface="Segoe UI Light" panose="020B0502040204020203" pitchFamily="34" charset="0"/>
-                  <a:ea typeface="+mn-ea"/>
-                  <a:cs typeface="Segoe UI Light" panose="020B0502040204020203" pitchFamily="34" charset="0"/>
+                  <a:latin typeface="Calibri" panose="020F0502020204030204"/>
                 </a:rPr>
-                <a:t>Claims Data</a:t>
+                <a:t>Completions API</a:t>
               </a:r>
-              <a:br>
-                <a:rPr kumimoji="0" lang="en-US" sz="700" b="1" i="0" u="none" strike="noStrike" kern="0" cap="none" spc="0" normalizeH="0" baseline="0" noProof="0" dirty="0">
-                  <a:ln>
-                    <a:noFill/>
-                  </a:ln>
+            </a:p>
+            <a:p>
+              <a:pPr algn="ctr"/>
+              <a:r>
+                <a:rPr lang="en-US" sz="1100" b="1" dirty="0">
                   <a:solidFill>
-                    <a:srgbClr val="002D5D"/>
+                    <a:prstClr val="black"/>
                   </a:solidFill>
-                  <a:effectLst/>
-                  <a:uLnTx/>
-                  <a:uFillTx/>
-                  <a:latin typeface="Segoe UI Light" panose="020B0502040204020203" pitchFamily="34" charset="0"/>
-                  <a:ea typeface="+mn-ea"/>
-                  <a:cs typeface="Segoe UI Light" panose="020B0502040204020203" pitchFamily="34" charset="0"/>
+                  <a:latin typeface="Calibri" panose="020F0502020204030204"/>
                 </a:rPr>
-              </a:br>
-              <a:r>
-                <a:rPr kumimoji="0" lang="en-US" sz="700" b="1" i="0" u="none" strike="noStrike" kern="0" cap="none" spc="0" normalizeH="0" baseline="0" noProof="0" dirty="0">
-                  <a:ln>
-                    <a:noFill/>
-                  </a:ln>
-                  <a:solidFill>
-                    <a:srgbClr val="002D5D"/>
-                  </a:solidFill>
-                  <a:effectLst/>
-                  <a:uLnTx/>
-                  <a:uFillTx/>
-                  <a:latin typeface="Segoe UI Light" panose="020B0502040204020203" pitchFamily="34" charset="0"/>
-                  <a:ea typeface="+mn-ea"/>
-                  <a:cs typeface="Segoe UI Light" panose="020B0502040204020203" pitchFamily="34" charset="0"/>
-                </a:rPr>
-                <a:t>Cosmos DB</a:t>
+                <a:t>Azure OpenAI</a:t>
               </a:r>
             </a:p>
           </p:txBody>
         </p:sp>
-        <p:pic>
-          <p:nvPicPr>
-            <p:cNvPr id="26" name="Picture 2">
-              <a:extLst>
-                <a:ext uri="{FF2B5EF4-FFF2-40B4-BE49-F238E27FC236}">
-                  <a16:creationId xmlns:a16="http://schemas.microsoft.com/office/drawing/2014/main" id="{DF6448E0-78B3-8B89-3C11-23DA33ACD3DC}"/>
-                </a:ext>
-              </a:extLst>
-            </p:cNvPr>
-            <p:cNvPicPr>
-              <a:picLocks noChangeAspect="1" noChangeArrowheads="1"/>
-            </p:cNvPicPr>
-            <p:nvPr/>
-          </p:nvPicPr>
-          <p:blipFill>
-            <a:blip r:embed="rId11">
-              <a:extLst>
-                <a:ext uri="{28A0092B-C50C-407E-A947-70E740481C1C}">
-                  <a14:useLocalDpi xmlns:a14="http://schemas.microsoft.com/office/drawing/2010/main" val="0"/>
-                </a:ext>
-              </a:extLst>
-            </a:blip>
-            <a:srcRect/>
-            <a:stretch/>
-          </p:blipFill>
-          <p:spPr bwMode="auto">
-            <a:xfrm>
-              <a:off x="8588127" y="5099274"/>
-              <a:ext cx="329184" cy="239731"/>
-            </a:xfrm>
-            <a:prstGeom prst="rect">
-              <a:avLst/>
-            </a:prstGeom>
-            <a:noFill/>
-            <a:extLst>
-              <a:ext uri="{909E8E84-426E-40DD-AFC4-6F175D3DCCD1}">
-                <a14:hiddenFill xmlns:a14="http://schemas.microsoft.com/office/drawing/2010/main">
-                  <a:solidFill>
-                    <a:srgbClr val="FFFFFF"/>
-                  </a:solidFill>
-                </a14:hiddenFill>
-              </a:ext>
-            </a:extLst>
-          </p:spPr>
-        </p:pic>
       </p:grpSp>
       <p:cxnSp>
         <p:nvCxnSpPr>
-          <p:cNvPr id="34" name="Connector: Elbow 33">
+          <p:cNvPr id="75" name="Connector: Elbow 74">
             <a:extLst>
               <a:ext uri="{FF2B5EF4-FFF2-40B4-BE49-F238E27FC236}">
-                <a16:creationId xmlns:a16="http://schemas.microsoft.com/office/drawing/2014/main" id="{26E1AA73-07EB-637A-7C55-4C6D76C40EE8}"/>
+                <a16:creationId xmlns:a16="http://schemas.microsoft.com/office/drawing/2014/main" id="{CA264D69-12F1-E4F3-854E-8840CD2F39B0}"/>
               </a:ext>
             </a:extLst>
           </p:cNvPr>
           <p:cNvCxnSpPr>
             <a:cxnSpLocks/>
-            <a:endCxn id="316" idx="3"/>
+            <a:stCxn id="67" idx="1"/>
+            <a:endCxn id="73" idx="3"/>
           </p:cNvCxnSpPr>
           <p:nvPr/>
         </p:nvCxnSpPr>
         <p:spPr>
           <a:xfrm rot="10800000">
-            <a:off x="4461340" y="2362157"/>
-            <a:ext cx="980741" cy="1140505"/>
+            <a:off x="4087831" y="1852563"/>
+            <a:ext cx="2549226" cy="1445386"/>
           </a:xfrm>
           <a:prstGeom prst="bentConnector3">
-            <a:avLst/>
+            <a:avLst>
+              <a:gd name="adj1" fmla="val 50000"/>
+            </a:avLst>
           </a:prstGeom>
-          <a:ln>
+          <a:noFill/>
+          <a:ln w="12700" cap="flat" cmpd="sng" algn="ctr">
             <a:solidFill>
-              <a:schemeClr val="accent2"/>
+              <a:srgbClr val="4472C4"/>
             </a:solidFill>
-            <a:headEnd type="none" w="lg" len="med"/>
+            <a:prstDash val="solid"/>
+            <a:miter lim="800000"/>
             <a:tailEnd type="triangle"/>
           </a:ln>
+          <a:effectLst/>
         </p:spPr>
-        <p:style>
-          <a:lnRef idx="1">
-            <a:schemeClr val="accent1"/>
-          </a:lnRef>
-          <a:fillRef idx="0">
-            <a:schemeClr val="accent1"/>
-          </a:fillRef>
-          <a:effectRef idx="0">
-            <a:schemeClr val="accent1"/>
-          </a:effectRef>
-          <a:fontRef idx="minor">
-            <a:schemeClr val="tx1"/>
-          </a:fontRef>
-        </p:style>
       </p:cxnSp>
       <p:cxnSp>
         <p:nvCxnSpPr>
-          <p:cNvPr id="36" name="Connector: Elbow 35">
+          <p:cNvPr id="76" name="Connector: Elbow 75">
             <a:extLst>
               <a:ext uri="{FF2B5EF4-FFF2-40B4-BE49-F238E27FC236}">
-                <a16:creationId xmlns:a16="http://schemas.microsoft.com/office/drawing/2014/main" id="{BC69AA85-0F0F-9C83-D8FD-9946C1754A4A}"/>
+                <a16:creationId xmlns:a16="http://schemas.microsoft.com/office/drawing/2014/main" id="{25CC996A-DB56-B0CB-3556-895941D38C97}"/>
               </a:ext>
             </a:extLst>
           </p:cNvPr>
@@ -24417,41 +22940,970 @@
         </p:nvCxnSpPr>
         <p:spPr>
           <a:xfrm rot="10800000" flipV="1">
-            <a:off x="4587022" y="3688712"/>
-            <a:ext cx="855058" cy="190559"/>
+            <a:off x="4175185" y="3429073"/>
+            <a:ext cx="2461872" cy="650850"/>
           </a:xfrm>
           <a:prstGeom prst="bentConnector3">
-            <a:avLst/>
+            <a:avLst>
+              <a:gd name="adj1" fmla="val 51752"/>
+            </a:avLst>
           </a:prstGeom>
-          <a:ln>
+          <a:noFill/>
+          <a:ln w="12700" cap="flat" cmpd="sng" algn="ctr">
             <a:solidFill>
-              <a:schemeClr val="accent2"/>
+              <a:srgbClr val="4472C4"/>
             </a:solidFill>
-            <a:headEnd type="none" w="lg" len="med"/>
+            <a:prstDash val="solid"/>
+            <a:miter lim="800000"/>
             <a:tailEnd type="triangle"/>
           </a:ln>
+          <a:effectLst/>
         </p:spPr>
-        <p:style>
-          <a:lnRef idx="1">
-            <a:schemeClr val="accent1"/>
-          </a:lnRef>
-          <a:fillRef idx="0">
-            <a:schemeClr val="accent1"/>
-          </a:fillRef>
-          <a:effectRef idx="0">
-            <a:schemeClr val="accent1"/>
-          </a:effectRef>
-          <a:fontRef idx="minor">
-            <a:schemeClr val="tx1"/>
-          </a:fontRef>
-        </p:style>
       </p:cxnSp>
       <p:cxnSp>
         <p:nvCxnSpPr>
-          <p:cNvPr id="49" name="Straight Arrow Connector 48">
+          <p:cNvPr id="77" name="Connector: Elbow 47">
             <a:extLst>
               <a:ext uri="{FF2B5EF4-FFF2-40B4-BE49-F238E27FC236}">
-                <a16:creationId xmlns:a16="http://schemas.microsoft.com/office/drawing/2014/main" id="{9802182A-3617-5A04-74AB-D26BCD9C7B8C}"/>
+                <a16:creationId xmlns:a16="http://schemas.microsoft.com/office/drawing/2014/main" id="{717AF34E-B98D-22AF-492B-10D08999D100}"/>
+              </a:ext>
+            </a:extLst>
+          </p:cNvPr>
+          <p:cNvCxnSpPr>
+            <a:cxnSpLocks/>
+            <a:stCxn id="70" idx="1"/>
+            <a:endCxn id="67" idx="3"/>
+          </p:cNvCxnSpPr>
+          <p:nvPr/>
+        </p:nvCxnSpPr>
+        <p:spPr>
+          <a:xfrm flipH="1">
+            <a:off x="7085010" y="3297886"/>
+            <a:ext cx="2081346" cy="63"/>
+          </a:xfrm>
+          <a:prstGeom prst="straightConnector1">
+            <a:avLst/>
+          </a:prstGeom>
+          <a:noFill/>
+          <a:ln w="12700" cap="flat" cmpd="sng" algn="ctr">
+            <a:solidFill>
+              <a:srgbClr val="4472C4"/>
+            </a:solidFill>
+            <a:prstDash val="solid"/>
+            <a:miter lim="800000"/>
+            <a:tailEnd type="triangle"/>
+          </a:ln>
+          <a:effectLst/>
+        </p:spPr>
+      </p:cxnSp>
+      <p:sp>
+        <p:nvSpPr>
+          <p:cNvPr id="78" name="Rectangle 77">
+            <a:extLst>
+              <a:ext uri="{FF2B5EF4-FFF2-40B4-BE49-F238E27FC236}">
+                <a16:creationId xmlns:a16="http://schemas.microsoft.com/office/drawing/2014/main" id="{B48CA2F0-A3AB-35E3-879B-A6856CD8DFAD}"/>
+              </a:ext>
+            </a:extLst>
+          </p:cNvPr>
+          <p:cNvSpPr/>
+          <p:nvPr/>
+        </p:nvSpPr>
+        <p:spPr>
+          <a:xfrm>
+            <a:off x="0" y="967302"/>
+            <a:ext cx="933605" cy="5357004"/>
+          </a:xfrm>
+          <a:prstGeom prst="rect">
+            <a:avLst/>
+          </a:prstGeom>
+          <a:solidFill>
+            <a:srgbClr val="4472C4">
+              <a:lumMod val="20000"/>
+              <a:lumOff val="80000"/>
+            </a:srgbClr>
+          </a:solidFill>
+          <a:ln w="12700" cap="flat" cmpd="sng" algn="ctr">
+            <a:noFill/>
+            <a:prstDash val="solid"/>
+            <a:miter lim="800000"/>
+          </a:ln>
+          <a:effectLst/>
+        </p:spPr>
+        <p:txBody>
+          <a:bodyPr rtlCol="0" anchor="ctr"/>
+          <a:lstStyle/>
+          <a:p>
+            <a:pPr marL="0" marR="0" lvl="0" indent="0" algn="ctr" defTabSz="914400" eaLnBrk="1" fontAlgn="auto" latinLnBrk="0" hangingPunct="1">
+              <a:lnSpc>
+                <a:spcPct val="100000"/>
+              </a:lnSpc>
+              <a:spcBef>
+                <a:spcPts val="0"/>
+              </a:spcBef>
+              <a:spcAft>
+                <a:spcPts val="0"/>
+              </a:spcAft>
+              <a:buClrTx/>
+              <a:buSzTx/>
+              <a:buFontTx/>
+              <a:buNone/>
+              <a:tabLst/>
+              <a:defRPr/>
+            </a:pPr>
+            <a:endParaRPr kumimoji="0" lang="en-US" sz="1800" b="0" i="0" u="none" strike="noStrike" kern="0" cap="none" spc="0" normalizeH="0" baseline="0" noProof="0" dirty="0">
+              <a:ln>
+                <a:noFill/>
+              </a:ln>
+              <a:solidFill>
+                <a:prstClr val="white"/>
+              </a:solidFill>
+              <a:effectLst/>
+              <a:uLnTx/>
+              <a:uFillTx/>
+              <a:latin typeface="Calibri" panose="020F0502020204030204"/>
+              <a:ea typeface="+mn-ea"/>
+              <a:cs typeface="+mn-cs"/>
+            </a:endParaRPr>
+          </a:p>
+        </p:txBody>
+      </p:sp>
+      <p:sp>
+        <p:nvSpPr>
+          <p:cNvPr id="79" name="TextBox 78">
+            <a:extLst>
+              <a:ext uri="{FF2B5EF4-FFF2-40B4-BE49-F238E27FC236}">
+                <a16:creationId xmlns:a16="http://schemas.microsoft.com/office/drawing/2014/main" id="{B7CC3AC9-AAA1-7B3E-72CC-596D25E4DF95}"/>
+              </a:ext>
+            </a:extLst>
+          </p:cNvPr>
+          <p:cNvSpPr txBox="1"/>
+          <p:nvPr/>
+        </p:nvSpPr>
+        <p:spPr>
+          <a:xfrm>
+            <a:off x="47832" y="1105857"/>
+            <a:ext cx="765338" cy="461665"/>
+          </a:xfrm>
+          <a:prstGeom prst="rect">
+            <a:avLst/>
+          </a:prstGeom>
+          <a:noFill/>
+        </p:spPr>
+        <p:txBody>
+          <a:bodyPr wrap="none" rtlCol="0">
+            <a:spAutoFit/>
+          </a:bodyPr>
+          <a:lstStyle/>
+          <a:p>
+            <a:pPr algn="ctr"/>
+            <a:r>
+              <a:rPr lang="en-US" sz="1200" dirty="0">
+                <a:solidFill>
+                  <a:prstClr val="black"/>
+                </a:solidFill>
+                <a:latin typeface="Calibri" panose="020F0502020204030204"/>
+              </a:rPr>
+              <a:t>DATA</a:t>
+            </a:r>
+          </a:p>
+          <a:p>
+            <a:pPr algn="ctr"/>
+            <a:r>
+              <a:rPr lang="en-US" sz="1200" dirty="0">
+                <a:solidFill>
+                  <a:prstClr val="black"/>
+                </a:solidFill>
+                <a:latin typeface="Calibri" panose="020F0502020204030204"/>
+              </a:rPr>
+              <a:t>SOURCES</a:t>
+            </a:r>
+          </a:p>
+        </p:txBody>
+      </p:sp>
+      <p:grpSp>
+        <p:nvGrpSpPr>
+          <p:cNvPr id="80" name="Group 79">
+            <a:extLst>
+              <a:ext uri="{FF2B5EF4-FFF2-40B4-BE49-F238E27FC236}">
+                <a16:creationId xmlns:a16="http://schemas.microsoft.com/office/drawing/2014/main" id="{7C7304AD-12E6-B9A4-25B2-118EC362ABAB}"/>
+              </a:ext>
+            </a:extLst>
+          </p:cNvPr>
+          <p:cNvGrpSpPr/>
+          <p:nvPr/>
+        </p:nvGrpSpPr>
+        <p:grpSpPr>
+          <a:xfrm>
+            <a:off x="40547" y="1852562"/>
+            <a:ext cx="772969" cy="726226"/>
+            <a:chOff x="40547" y="1592626"/>
+            <a:chExt cx="772969" cy="726226"/>
+          </a:xfrm>
+        </p:grpSpPr>
+        <p:pic>
+          <p:nvPicPr>
+            <p:cNvPr id="81" name="Graphic 80" descr="Database with solid fill">
+              <a:extLst>
+                <a:ext uri="{FF2B5EF4-FFF2-40B4-BE49-F238E27FC236}">
+                  <a16:creationId xmlns:a16="http://schemas.microsoft.com/office/drawing/2014/main" id="{D0063C37-A4EF-A8C5-EFE2-5F298D593AF7}"/>
+                </a:ext>
+              </a:extLst>
+            </p:cNvPr>
+            <p:cNvPicPr>
+              <a:picLocks noChangeAspect="1"/>
+            </p:cNvPicPr>
+            <p:nvPr/>
+          </p:nvPicPr>
+          <p:blipFill>
+            <a:blip r:embed="rId11">
+              <a:extLst>
+                <a:ext uri="{28A0092B-C50C-407E-A947-70E740481C1C}">
+                  <a14:useLocalDpi xmlns:a14="http://schemas.microsoft.com/office/drawing/2010/main" val="0"/>
+                </a:ext>
+                <a:ext uri="{96DAC541-7B7A-43D3-8B79-37D633B846F1}">
+                  <asvg:svgBlip xmlns:asvg="http://schemas.microsoft.com/office/drawing/2016/SVG/main" r:embed="rId12"/>
+                </a:ext>
+              </a:extLst>
+            </a:blip>
+            <a:stretch>
+              <a:fillRect/>
+            </a:stretch>
+          </p:blipFill>
+          <p:spPr>
+            <a:xfrm>
+              <a:off x="189208" y="1592626"/>
+              <a:ext cx="475648" cy="475648"/>
+            </a:xfrm>
+            <a:prstGeom prst="rect">
+              <a:avLst/>
+            </a:prstGeom>
+          </p:spPr>
+        </p:pic>
+        <p:sp>
+          <p:nvSpPr>
+            <p:cNvPr id="82" name="TextBox 81">
+              <a:extLst>
+                <a:ext uri="{FF2B5EF4-FFF2-40B4-BE49-F238E27FC236}">
+                  <a16:creationId xmlns:a16="http://schemas.microsoft.com/office/drawing/2014/main" id="{A9AA39BB-4240-C130-5683-291B840B4690}"/>
+                </a:ext>
+              </a:extLst>
+            </p:cNvPr>
+            <p:cNvSpPr txBox="1"/>
+            <p:nvPr/>
+          </p:nvSpPr>
+          <p:spPr>
+            <a:xfrm>
+              <a:off x="40547" y="2057242"/>
+              <a:ext cx="772969" cy="261610"/>
+            </a:xfrm>
+            <a:prstGeom prst="rect">
+              <a:avLst/>
+            </a:prstGeom>
+            <a:noFill/>
+          </p:spPr>
+          <p:txBody>
+            <a:bodyPr wrap="none" rtlCol="0">
+              <a:spAutoFit/>
+            </a:bodyPr>
+            <a:lstStyle/>
+            <a:p>
+              <a:pPr algn="ctr"/>
+              <a:r>
+                <a:rPr lang="en-US" sz="1100" dirty="0">
+                  <a:solidFill>
+                    <a:prstClr val="black"/>
+                  </a:solidFill>
+                  <a:latin typeface="Calibri" panose="020F0502020204030204"/>
+                </a:rPr>
+                <a:t>Databases</a:t>
+              </a:r>
+              <a:endParaRPr lang="en-US" sz="1100" b="1" dirty="0">
+                <a:solidFill>
+                  <a:prstClr val="black"/>
+                </a:solidFill>
+                <a:latin typeface="Calibri" panose="020F0502020204030204"/>
+              </a:endParaRPr>
+            </a:p>
+          </p:txBody>
+        </p:sp>
+      </p:grpSp>
+      <p:grpSp>
+        <p:nvGrpSpPr>
+          <p:cNvPr id="83" name="Group 82">
+            <a:extLst>
+              <a:ext uri="{FF2B5EF4-FFF2-40B4-BE49-F238E27FC236}">
+                <a16:creationId xmlns:a16="http://schemas.microsoft.com/office/drawing/2014/main" id="{D79B7027-E704-484B-D917-8DD13E574722}"/>
+              </a:ext>
+            </a:extLst>
+          </p:cNvPr>
+          <p:cNvGrpSpPr/>
+          <p:nvPr/>
+        </p:nvGrpSpPr>
+        <p:grpSpPr>
+          <a:xfrm>
+            <a:off x="189208" y="2810218"/>
+            <a:ext cx="475648" cy="726226"/>
+            <a:chOff x="189208" y="1592626"/>
+            <a:chExt cx="475648" cy="726226"/>
+          </a:xfrm>
+        </p:grpSpPr>
+        <p:pic>
+          <p:nvPicPr>
+            <p:cNvPr id="84" name="Graphic 83" descr="Monitor with solid fill">
+              <a:extLst>
+                <a:ext uri="{FF2B5EF4-FFF2-40B4-BE49-F238E27FC236}">
+                  <a16:creationId xmlns:a16="http://schemas.microsoft.com/office/drawing/2014/main" id="{38CC1151-D4C6-14F2-9C88-243ED37EDA44}"/>
+                </a:ext>
+              </a:extLst>
+            </p:cNvPr>
+            <p:cNvPicPr>
+              <a:picLocks noChangeAspect="1"/>
+            </p:cNvPicPr>
+            <p:nvPr/>
+          </p:nvPicPr>
+          <p:blipFill>
+            <a:blip r:embed="rId13">
+              <a:extLst>
+                <a:ext uri="{28A0092B-C50C-407E-A947-70E740481C1C}">
+                  <a14:useLocalDpi xmlns:a14="http://schemas.microsoft.com/office/drawing/2010/main" val="0"/>
+                </a:ext>
+                <a:ext uri="{96DAC541-7B7A-43D3-8B79-37D633B846F1}">
+                  <asvg:svgBlip xmlns:asvg="http://schemas.microsoft.com/office/drawing/2016/SVG/main" r:embed="rId14"/>
+                </a:ext>
+              </a:extLst>
+            </a:blip>
+            <a:srcRect/>
+            <a:stretch/>
+          </p:blipFill>
+          <p:spPr>
+            <a:xfrm>
+              <a:off x="189208" y="1592626"/>
+              <a:ext cx="475648" cy="475648"/>
+            </a:xfrm>
+            <a:prstGeom prst="rect">
+              <a:avLst/>
+            </a:prstGeom>
+          </p:spPr>
+        </p:pic>
+        <p:sp>
+          <p:nvSpPr>
+            <p:cNvPr id="85" name="TextBox 84">
+              <a:extLst>
+                <a:ext uri="{FF2B5EF4-FFF2-40B4-BE49-F238E27FC236}">
+                  <a16:creationId xmlns:a16="http://schemas.microsoft.com/office/drawing/2014/main" id="{7C5239AB-CF92-5295-766E-0014C89106DD}"/>
+                </a:ext>
+              </a:extLst>
+            </p:cNvPr>
+            <p:cNvSpPr txBox="1"/>
+            <p:nvPr/>
+          </p:nvSpPr>
+          <p:spPr>
+            <a:xfrm>
+              <a:off x="192832" y="2057242"/>
+              <a:ext cx="468398" cy="261610"/>
+            </a:xfrm>
+            <a:prstGeom prst="rect">
+              <a:avLst/>
+            </a:prstGeom>
+            <a:noFill/>
+          </p:spPr>
+          <p:txBody>
+            <a:bodyPr wrap="none" rtlCol="0">
+              <a:spAutoFit/>
+            </a:bodyPr>
+            <a:lstStyle/>
+            <a:p>
+              <a:pPr algn="ctr"/>
+              <a:r>
+                <a:rPr lang="en-US" sz="1100" dirty="0">
+                  <a:solidFill>
+                    <a:prstClr val="black"/>
+                  </a:solidFill>
+                  <a:latin typeface="Calibri" panose="020F0502020204030204"/>
+                </a:rPr>
+                <a:t>Apps</a:t>
+              </a:r>
+              <a:endParaRPr lang="en-US" sz="1100" b="1" dirty="0">
+                <a:solidFill>
+                  <a:prstClr val="black"/>
+                </a:solidFill>
+                <a:latin typeface="Calibri" panose="020F0502020204030204"/>
+              </a:endParaRPr>
+            </a:p>
+          </p:txBody>
+        </p:sp>
+      </p:grpSp>
+      <p:grpSp>
+        <p:nvGrpSpPr>
+          <p:cNvPr id="86" name="Group 85">
+            <a:extLst>
+              <a:ext uri="{FF2B5EF4-FFF2-40B4-BE49-F238E27FC236}">
+                <a16:creationId xmlns:a16="http://schemas.microsoft.com/office/drawing/2014/main" id="{36484491-9FB8-66C3-31D0-112FA54E5639}"/>
+              </a:ext>
+            </a:extLst>
+          </p:cNvPr>
+          <p:cNvGrpSpPr/>
+          <p:nvPr/>
+        </p:nvGrpSpPr>
+        <p:grpSpPr>
+          <a:xfrm>
+            <a:off x="186807" y="3845858"/>
+            <a:ext cx="475648" cy="726226"/>
+            <a:chOff x="189208" y="1592626"/>
+            <a:chExt cx="475648" cy="726226"/>
+          </a:xfrm>
+        </p:grpSpPr>
+        <p:pic>
+          <p:nvPicPr>
+            <p:cNvPr id="87" name="Graphic 86" descr="Paper with solid fill">
+              <a:extLst>
+                <a:ext uri="{FF2B5EF4-FFF2-40B4-BE49-F238E27FC236}">
+                  <a16:creationId xmlns:a16="http://schemas.microsoft.com/office/drawing/2014/main" id="{435C9E37-BBEF-53FC-EAEF-40AB84A36799}"/>
+                </a:ext>
+              </a:extLst>
+            </p:cNvPr>
+            <p:cNvPicPr>
+              <a:picLocks noChangeAspect="1"/>
+            </p:cNvPicPr>
+            <p:nvPr/>
+          </p:nvPicPr>
+          <p:blipFill>
+            <a:blip r:embed="rId15">
+              <a:extLst>
+                <a:ext uri="{28A0092B-C50C-407E-A947-70E740481C1C}">
+                  <a14:useLocalDpi xmlns:a14="http://schemas.microsoft.com/office/drawing/2010/main" val="0"/>
+                </a:ext>
+                <a:ext uri="{96DAC541-7B7A-43D3-8B79-37D633B846F1}">
+                  <asvg:svgBlip xmlns:asvg="http://schemas.microsoft.com/office/drawing/2016/SVG/main" r:embed="rId16"/>
+                </a:ext>
+              </a:extLst>
+            </a:blip>
+            <a:srcRect/>
+            <a:stretch/>
+          </p:blipFill>
+          <p:spPr>
+            <a:xfrm>
+              <a:off x="189208" y="1592626"/>
+              <a:ext cx="475648" cy="475648"/>
+            </a:xfrm>
+            <a:prstGeom prst="rect">
+              <a:avLst/>
+            </a:prstGeom>
+          </p:spPr>
+        </p:pic>
+        <p:sp>
+          <p:nvSpPr>
+            <p:cNvPr id="88" name="TextBox 87">
+              <a:extLst>
+                <a:ext uri="{FF2B5EF4-FFF2-40B4-BE49-F238E27FC236}">
+                  <a16:creationId xmlns:a16="http://schemas.microsoft.com/office/drawing/2014/main" id="{743937FD-5CCA-8518-D52D-E070BA22EE96}"/>
+                </a:ext>
+              </a:extLst>
+            </p:cNvPr>
+            <p:cNvSpPr txBox="1"/>
+            <p:nvPr/>
+          </p:nvSpPr>
+          <p:spPr>
+            <a:xfrm>
+              <a:off x="208062" y="2057242"/>
+              <a:ext cx="437940" cy="261610"/>
+            </a:xfrm>
+            <a:prstGeom prst="rect">
+              <a:avLst/>
+            </a:prstGeom>
+            <a:noFill/>
+          </p:spPr>
+          <p:txBody>
+            <a:bodyPr wrap="none" rtlCol="0">
+              <a:spAutoFit/>
+            </a:bodyPr>
+            <a:lstStyle/>
+            <a:p>
+              <a:pPr algn="ctr"/>
+              <a:r>
+                <a:rPr lang="en-US" sz="1100" dirty="0">
+                  <a:solidFill>
+                    <a:prstClr val="black"/>
+                  </a:solidFill>
+                  <a:latin typeface="Calibri" panose="020F0502020204030204"/>
+                </a:rPr>
+                <a:t>Files</a:t>
+              </a:r>
+              <a:endParaRPr lang="en-US" sz="1100" b="1" dirty="0">
+                <a:solidFill>
+                  <a:prstClr val="black"/>
+                </a:solidFill>
+                <a:latin typeface="Calibri" panose="020F0502020204030204"/>
+              </a:endParaRPr>
+            </a:p>
+          </p:txBody>
+        </p:sp>
+      </p:grpSp>
+      <p:sp>
+        <p:nvSpPr>
+          <p:cNvPr id="89" name="Rectangle 88">
+            <a:extLst>
+              <a:ext uri="{FF2B5EF4-FFF2-40B4-BE49-F238E27FC236}">
+                <a16:creationId xmlns:a16="http://schemas.microsoft.com/office/drawing/2014/main" id="{D7D42345-DBF3-A48B-3EEF-06D324F93CA3}"/>
+              </a:ext>
+            </a:extLst>
+          </p:cNvPr>
+          <p:cNvSpPr/>
+          <p:nvPr/>
+        </p:nvSpPr>
+        <p:spPr>
+          <a:xfrm>
+            <a:off x="11281399" y="967302"/>
+            <a:ext cx="933605" cy="5357004"/>
+          </a:xfrm>
+          <a:prstGeom prst="rect">
+            <a:avLst/>
+          </a:prstGeom>
+          <a:solidFill>
+            <a:srgbClr val="4472C4">
+              <a:lumMod val="20000"/>
+              <a:lumOff val="80000"/>
+            </a:srgbClr>
+          </a:solidFill>
+          <a:ln w="12700" cap="flat" cmpd="sng" algn="ctr">
+            <a:noFill/>
+            <a:prstDash val="solid"/>
+            <a:miter lim="800000"/>
+          </a:ln>
+          <a:effectLst/>
+        </p:spPr>
+        <p:txBody>
+          <a:bodyPr rtlCol="0" anchor="ctr"/>
+          <a:lstStyle/>
+          <a:p>
+            <a:pPr marL="0" marR="0" lvl="0" indent="0" algn="ctr" defTabSz="914400" eaLnBrk="1" fontAlgn="auto" latinLnBrk="0" hangingPunct="1">
+              <a:lnSpc>
+                <a:spcPct val="100000"/>
+              </a:lnSpc>
+              <a:spcBef>
+                <a:spcPts val="0"/>
+              </a:spcBef>
+              <a:spcAft>
+                <a:spcPts val="0"/>
+              </a:spcAft>
+              <a:buClrTx/>
+              <a:buSzTx/>
+              <a:buFontTx/>
+              <a:buNone/>
+              <a:tabLst/>
+              <a:defRPr/>
+            </a:pPr>
+            <a:endParaRPr kumimoji="0" lang="en-US" sz="1800" b="0" i="0" u="none" strike="noStrike" kern="0" cap="none" spc="0" normalizeH="0" baseline="0" noProof="0" dirty="0">
+              <a:ln>
+                <a:noFill/>
+              </a:ln>
+              <a:solidFill>
+                <a:prstClr val="white"/>
+              </a:solidFill>
+              <a:effectLst/>
+              <a:uLnTx/>
+              <a:uFillTx/>
+              <a:latin typeface="Calibri" panose="020F0502020204030204"/>
+              <a:ea typeface="+mn-ea"/>
+              <a:cs typeface="+mn-cs"/>
+            </a:endParaRPr>
+          </a:p>
+        </p:txBody>
+      </p:sp>
+      <p:sp>
+        <p:nvSpPr>
+          <p:cNvPr id="90" name="TextBox 89">
+            <a:extLst>
+              <a:ext uri="{FF2B5EF4-FFF2-40B4-BE49-F238E27FC236}">
+                <a16:creationId xmlns:a16="http://schemas.microsoft.com/office/drawing/2014/main" id="{C6C9B6CA-A65F-42DD-F5A7-662D80F52791}"/>
+              </a:ext>
+            </a:extLst>
+          </p:cNvPr>
+          <p:cNvSpPr txBox="1"/>
+          <p:nvPr/>
+        </p:nvSpPr>
+        <p:spPr>
+          <a:xfrm>
+            <a:off x="11250406" y="1109412"/>
+            <a:ext cx="995594" cy="276999"/>
+          </a:xfrm>
+          <a:prstGeom prst="rect">
+            <a:avLst/>
+          </a:prstGeom>
+          <a:noFill/>
+        </p:spPr>
+        <p:txBody>
+          <a:bodyPr wrap="none" rtlCol="0">
+            <a:spAutoFit/>
+          </a:bodyPr>
+          <a:lstStyle/>
+          <a:p>
+            <a:pPr algn="ctr"/>
+            <a:r>
+              <a:rPr lang="en-US" sz="1200" dirty="0">
+                <a:solidFill>
+                  <a:prstClr val="black"/>
+                </a:solidFill>
+                <a:latin typeface="Calibri" panose="020F0502020204030204"/>
+              </a:rPr>
+              <a:t>CONSUMERS</a:t>
+            </a:r>
+          </a:p>
+        </p:txBody>
+      </p:sp>
+      <p:grpSp>
+        <p:nvGrpSpPr>
+          <p:cNvPr id="91" name="Group 90">
+            <a:extLst>
+              <a:ext uri="{FF2B5EF4-FFF2-40B4-BE49-F238E27FC236}">
+                <a16:creationId xmlns:a16="http://schemas.microsoft.com/office/drawing/2014/main" id="{0033E959-D6BE-F48C-407C-26C6005ABBEA}"/>
+              </a:ext>
+            </a:extLst>
+          </p:cNvPr>
+          <p:cNvGrpSpPr/>
+          <p:nvPr/>
+        </p:nvGrpSpPr>
+        <p:grpSpPr>
+          <a:xfrm>
+            <a:off x="11471411" y="3058802"/>
+            <a:ext cx="577402" cy="726226"/>
+            <a:chOff x="138331" y="1592626"/>
+            <a:chExt cx="577402" cy="726226"/>
+          </a:xfrm>
+        </p:grpSpPr>
+        <p:pic>
+          <p:nvPicPr>
+            <p:cNvPr id="92" name="Graphic 91" descr="Users with solid fill">
+              <a:extLst>
+                <a:ext uri="{FF2B5EF4-FFF2-40B4-BE49-F238E27FC236}">
+                  <a16:creationId xmlns:a16="http://schemas.microsoft.com/office/drawing/2014/main" id="{1732FB43-5F83-D55F-8302-D56ED9A234E9}"/>
+                </a:ext>
+              </a:extLst>
+            </p:cNvPr>
+            <p:cNvPicPr>
+              <a:picLocks noChangeAspect="1"/>
+            </p:cNvPicPr>
+            <p:nvPr/>
+          </p:nvPicPr>
+          <p:blipFill>
+            <a:blip r:embed="rId17">
+              <a:extLst>
+                <a:ext uri="{28A0092B-C50C-407E-A947-70E740481C1C}">
+                  <a14:useLocalDpi xmlns:a14="http://schemas.microsoft.com/office/drawing/2010/main" val="0"/>
+                </a:ext>
+                <a:ext uri="{96DAC541-7B7A-43D3-8B79-37D633B846F1}">
+                  <asvg:svgBlip xmlns:asvg="http://schemas.microsoft.com/office/drawing/2016/SVG/main" r:embed="rId18"/>
+                </a:ext>
+              </a:extLst>
+            </a:blip>
+            <a:srcRect/>
+            <a:stretch/>
+          </p:blipFill>
+          <p:spPr>
+            <a:xfrm>
+              <a:off x="189208" y="1592626"/>
+              <a:ext cx="475648" cy="475648"/>
+            </a:xfrm>
+            <a:prstGeom prst="rect">
+              <a:avLst/>
+            </a:prstGeom>
+          </p:spPr>
+        </p:pic>
+        <p:sp>
+          <p:nvSpPr>
+            <p:cNvPr id="93" name="TextBox 92">
+              <a:extLst>
+                <a:ext uri="{FF2B5EF4-FFF2-40B4-BE49-F238E27FC236}">
+                  <a16:creationId xmlns:a16="http://schemas.microsoft.com/office/drawing/2014/main" id="{0B2B09BD-5909-58CA-3136-784EF4852BE5}"/>
+                </a:ext>
+              </a:extLst>
+            </p:cNvPr>
+            <p:cNvSpPr txBox="1"/>
+            <p:nvPr/>
+          </p:nvSpPr>
+          <p:spPr>
+            <a:xfrm>
+              <a:off x="138331" y="2057242"/>
+              <a:ext cx="577402" cy="261610"/>
+            </a:xfrm>
+            <a:prstGeom prst="rect">
+              <a:avLst/>
+            </a:prstGeom>
+            <a:noFill/>
+          </p:spPr>
+          <p:txBody>
+            <a:bodyPr wrap="none" rtlCol="0">
+              <a:spAutoFit/>
+            </a:bodyPr>
+            <a:lstStyle/>
+            <a:p>
+              <a:pPr algn="ctr"/>
+              <a:r>
+                <a:rPr lang="en-US" sz="1100" dirty="0">
+                  <a:solidFill>
+                    <a:prstClr val="black"/>
+                  </a:solidFill>
+                  <a:latin typeface="Calibri" panose="020F0502020204030204"/>
+                </a:rPr>
+                <a:t>Agents</a:t>
+              </a:r>
+              <a:endParaRPr lang="en-US" sz="1100" b="1" dirty="0">
+                <a:solidFill>
+                  <a:prstClr val="black"/>
+                </a:solidFill>
+                <a:latin typeface="Calibri" panose="020F0502020204030204"/>
+              </a:endParaRPr>
+            </a:p>
+          </p:txBody>
+        </p:sp>
+      </p:grpSp>
+      <p:cxnSp>
+        <p:nvCxnSpPr>
+          <p:cNvPr id="94" name="Connector: Elbow 47">
+            <a:extLst>
+              <a:ext uri="{FF2B5EF4-FFF2-40B4-BE49-F238E27FC236}">
+                <a16:creationId xmlns:a16="http://schemas.microsoft.com/office/drawing/2014/main" id="{919E2223-16AD-BF80-FFDD-0BC1BF8FAD86}"/>
+              </a:ext>
+            </a:extLst>
+          </p:cNvPr>
+          <p:cNvCxnSpPr>
+            <a:cxnSpLocks/>
+            <a:stCxn id="92" idx="1"/>
+            <a:endCxn id="70" idx="3"/>
+          </p:cNvCxnSpPr>
+          <p:nvPr/>
+        </p:nvCxnSpPr>
+        <p:spPr>
+          <a:xfrm flipH="1">
+            <a:off x="9624043" y="3296626"/>
+            <a:ext cx="1898245" cy="1260"/>
+          </a:xfrm>
+          <a:prstGeom prst="straightConnector1">
+            <a:avLst/>
+          </a:prstGeom>
+          <a:noFill/>
+          <a:ln w="12700" cap="flat" cmpd="sng" algn="ctr">
+            <a:solidFill>
+              <a:srgbClr val="4472C4"/>
+            </a:solidFill>
+            <a:prstDash val="solid"/>
+            <a:miter lim="800000"/>
+            <a:tailEnd type="triangle"/>
+          </a:ln>
+          <a:effectLst/>
+        </p:spPr>
+      </p:cxnSp>
+      <p:pic>
+        <p:nvPicPr>
+          <p:cNvPr id="95" name="Graphic 94">
+            <a:extLst>
+              <a:ext uri="{FF2B5EF4-FFF2-40B4-BE49-F238E27FC236}">
+                <a16:creationId xmlns:a16="http://schemas.microsoft.com/office/drawing/2014/main" id="{97F4B8FC-C05C-CE06-832B-389A18DA84DD}"/>
+              </a:ext>
+            </a:extLst>
+          </p:cNvPr>
+          <p:cNvPicPr>
+            <a:picLocks noChangeAspect="1"/>
+          </p:cNvPicPr>
+          <p:nvPr/>
+        </p:nvPicPr>
+        <p:blipFill>
+          <a:blip r:embed="rId19">
+            <a:extLst>
+              <a:ext uri="{28A0092B-C50C-407E-A947-70E740481C1C}">
+                <a14:useLocalDpi xmlns:a14="http://schemas.microsoft.com/office/drawing/2010/main" val="0"/>
+              </a:ext>
+              <a:ext uri="{96DAC541-7B7A-43D3-8B79-37D633B846F1}">
+                <asvg:svgBlip xmlns:asvg="http://schemas.microsoft.com/office/drawing/2016/SVG/main" r:embed="rId20"/>
+              </a:ext>
+            </a:extLst>
+          </a:blip>
+          <a:stretch>
+            <a:fillRect/>
+          </a:stretch>
+        </p:blipFill>
+        <p:spPr>
+          <a:xfrm>
+            <a:off x="1277073" y="1128107"/>
+            <a:ext cx="557796" cy="557796"/>
+          </a:xfrm>
+          <a:prstGeom prst="rect">
+            <a:avLst/>
+          </a:prstGeom>
+        </p:spPr>
+      </p:pic>
+      <p:grpSp>
+        <p:nvGrpSpPr>
+          <p:cNvPr id="96" name="Group 95">
+            <a:extLst>
+              <a:ext uri="{FF2B5EF4-FFF2-40B4-BE49-F238E27FC236}">
+                <a16:creationId xmlns:a16="http://schemas.microsoft.com/office/drawing/2014/main" id="{7F156249-979E-50A1-4671-A1821DAFC186}"/>
+              </a:ext>
+            </a:extLst>
+          </p:cNvPr>
+          <p:cNvGrpSpPr/>
+          <p:nvPr/>
+        </p:nvGrpSpPr>
+        <p:grpSpPr>
+          <a:xfrm>
+            <a:off x="6255902" y="1632258"/>
+            <a:ext cx="1202572" cy="996786"/>
+            <a:chOff x="6259747" y="1548680"/>
+            <a:chExt cx="1202572" cy="996786"/>
+          </a:xfrm>
+        </p:grpSpPr>
+        <p:pic>
+          <p:nvPicPr>
+            <p:cNvPr id="97" name="Graphic 96">
+              <a:extLst>
+                <a:ext uri="{FF2B5EF4-FFF2-40B4-BE49-F238E27FC236}">
+                  <a16:creationId xmlns:a16="http://schemas.microsoft.com/office/drawing/2014/main" id="{F62E4A28-B773-E0F3-CD2F-E36B53517F3F}"/>
+                </a:ext>
+              </a:extLst>
+            </p:cNvPr>
+            <p:cNvPicPr>
+              <a:picLocks noChangeAspect="1"/>
+            </p:cNvPicPr>
+            <p:nvPr/>
+          </p:nvPicPr>
+          <p:blipFill>
+            <a:blip r:embed="rId21">
+              <a:extLst>
+                <a:ext uri="{28A0092B-C50C-407E-A947-70E740481C1C}">
+                  <a14:useLocalDpi xmlns:a14="http://schemas.microsoft.com/office/drawing/2010/main" val="0"/>
+                </a:ext>
+                <a:ext uri="{96DAC541-7B7A-43D3-8B79-37D633B846F1}">
+                  <asvg:svgBlip xmlns:asvg="http://schemas.microsoft.com/office/drawing/2016/SVG/main" r:embed="rId22"/>
+                </a:ext>
+              </a:extLst>
+            </a:blip>
+            <a:stretch>
+              <a:fillRect/>
+            </a:stretch>
+          </p:blipFill>
+          <p:spPr>
+            <a:xfrm>
+              <a:off x="6648708" y="1548680"/>
+              <a:ext cx="416960" cy="416960"/>
+            </a:xfrm>
+            <a:prstGeom prst="rect">
+              <a:avLst/>
+            </a:prstGeom>
+          </p:spPr>
+        </p:pic>
+        <p:sp>
+          <p:nvSpPr>
+            <p:cNvPr id="98" name="TextBox 97">
+              <a:extLst>
+                <a:ext uri="{FF2B5EF4-FFF2-40B4-BE49-F238E27FC236}">
+                  <a16:creationId xmlns:a16="http://schemas.microsoft.com/office/drawing/2014/main" id="{B70199DF-C794-BC1A-812C-8B299EA3AE35}"/>
+                </a:ext>
+              </a:extLst>
+            </p:cNvPr>
+            <p:cNvSpPr txBox="1"/>
+            <p:nvPr/>
+          </p:nvSpPr>
+          <p:spPr>
+            <a:xfrm>
+              <a:off x="6259747" y="1945302"/>
+              <a:ext cx="1202572" cy="600164"/>
+            </a:xfrm>
+            <a:prstGeom prst="rect">
+              <a:avLst/>
+            </a:prstGeom>
+            <a:noFill/>
+          </p:spPr>
+          <p:txBody>
+            <a:bodyPr wrap="none" rtlCol="0">
+              <a:spAutoFit/>
+            </a:bodyPr>
+            <a:lstStyle/>
+            <a:p>
+              <a:pPr algn="ctr"/>
+              <a:r>
+                <a:rPr lang="en-US" sz="1100" dirty="0">
+                  <a:solidFill>
+                    <a:prstClr val="black"/>
+                  </a:solidFill>
+                  <a:latin typeface="Calibri" panose="020F0502020204030204"/>
+                </a:rPr>
+                <a:t>Claims Ingestion /</a:t>
+              </a:r>
+              <a:br>
+                <a:rPr lang="en-US" sz="1100" dirty="0">
+                  <a:solidFill>
+                    <a:prstClr val="black"/>
+                  </a:solidFill>
+                  <a:latin typeface="Calibri" panose="020F0502020204030204"/>
+                </a:rPr>
+              </a:br>
+              <a:r>
+                <a:rPr lang="en-US" sz="1100" dirty="0">
+                  <a:solidFill>
+                    <a:prstClr val="black"/>
+                  </a:solidFill>
+                  <a:latin typeface="Calibri" panose="020F0502020204030204"/>
+                </a:rPr>
+                <a:t>Claims Events</a:t>
+              </a:r>
+            </a:p>
+            <a:p>
+              <a:pPr algn="ctr"/>
+              <a:r>
+                <a:rPr lang="en-US" sz="1100" b="1" dirty="0">
+                  <a:solidFill>
+                    <a:prstClr val="black"/>
+                  </a:solidFill>
+                  <a:latin typeface="Calibri" panose="020F0502020204030204"/>
+                </a:rPr>
+                <a:t>Event Hubs</a:t>
+              </a:r>
+            </a:p>
+          </p:txBody>
+        </p:sp>
+      </p:grpSp>
+      <p:cxnSp>
+        <p:nvCxnSpPr>
+          <p:cNvPr id="99" name="Connector: Elbow 47">
+            <a:extLst>
+              <a:ext uri="{FF2B5EF4-FFF2-40B4-BE49-F238E27FC236}">
+                <a16:creationId xmlns:a16="http://schemas.microsoft.com/office/drawing/2014/main" id="{924BC798-5766-3049-180E-EDFB289C67E3}"/>
+              </a:ext>
+            </a:extLst>
+          </p:cNvPr>
+          <p:cNvCxnSpPr>
+            <a:cxnSpLocks/>
+            <a:stCxn id="98" idx="2"/>
+          </p:cNvCxnSpPr>
+          <p:nvPr/>
+        </p:nvCxnSpPr>
+        <p:spPr>
+          <a:xfrm>
+            <a:off x="6857188" y="2629044"/>
+            <a:ext cx="3845" cy="429178"/>
+          </a:xfrm>
+          <a:prstGeom prst="straightConnector1">
+            <a:avLst/>
+          </a:prstGeom>
+          <a:noFill/>
+          <a:ln w="12700" cap="flat" cmpd="sng" algn="ctr">
+            <a:solidFill>
+              <a:srgbClr val="4472C4"/>
+            </a:solidFill>
+            <a:prstDash val="solid"/>
+            <a:miter lim="800000"/>
+            <a:headEnd type="triangle" w="med" len="med"/>
+            <a:tailEnd type="triangle" w="med" len="med"/>
+          </a:ln>
+          <a:effectLst/>
+        </p:spPr>
+      </p:cxnSp>
+      <p:cxnSp>
+        <p:nvCxnSpPr>
+          <p:cNvPr id="100" name="Connector: Elbow 47">
+            <a:extLst>
+              <a:ext uri="{FF2B5EF4-FFF2-40B4-BE49-F238E27FC236}">
+                <a16:creationId xmlns:a16="http://schemas.microsoft.com/office/drawing/2014/main" id="{695E2A34-B455-2465-4DEF-DCE235B760F9}"/>
               </a:ext>
             </a:extLst>
           </p:cNvPr>
@@ -24461,79 +23913,320 @@
           <p:nvPr/>
         </p:nvCxnSpPr>
         <p:spPr>
-          <a:xfrm flipH="1">
-            <a:off x="6189443" y="3418996"/>
-            <a:ext cx="1341657" cy="0"/>
+          <a:xfrm flipV="1">
+            <a:off x="7131866" y="1840903"/>
+            <a:ext cx="4372824" cy="11659"/>
           </a:xfrm>
           <a:prstGeom prst="straightConnector1">
             <a:avLst/>
           </a:prstGeom>
-          <a:ln>
-            <a:headEnd type="none" w="lg" len="med"/>
-            <a:tailEnd type="triangle"/>
+          <a:noFill/>
+          <a:ln w="12700" cap="flat" cmpd="sng" algn="ctr">
+            <a:solidFill>
+              <a:srgbClr val="4472C4"/>
+            </a:solidFill>
+            <a:prstDash val="solid"/>
+            <a:miter lim="800000"/>
+            <a:headEnd type="triangle" w="med" len="med"/>
+            <a:tailEnd type="triangle" w="med" len="med"/>
           </a:ln>
+          <a:effectLst/>
         </p:spPr>
-        <p:style>
-          <a:lnRef idx="1">
-            <a:schemeClr val="accent2"/>
-          </a:lnRef>
-          <a:fillRef idx="0">
-            <a:schemeClr val="accent2"/>
-          </a:fillRef>
-          <a:effectRef idx="0">
-            <a:schemeClr val="accent2"/>
-          </a:effectRef>
-          <a:fontRef idx="minor">
-            <a:schemeClr val="tx1"/>
-          </a:fontRef>
-        </p:style>
       </p:cxnSp>
+      <p:grpSp>
+        <p:nvGrpSpPr>
+          <p:cNvPr id="101" name="Group 100">
+            <a:extLst>
+              <a:ext uri="{FF2B5EF4-FFF2-40B4-BE49-F238E27FC236}">
+                <a16:creationId xmlns:a16="http://schemas.microsoft.com/office/drawing/2014/main" id="{1AACE31B-84EF-4021-F238-6B09123260A1}"/>
+              </a:ext>
+            </a:extLst>
+          </p:cNvPr>
+          <p:cNvGrpSpPr/>
+          <p:nvPr/>
+        </p:nvGrpSpPr>
+        <p:grpSpPr>
+          <a:xfrm>
+            <a:off x="11432941" y="1620183"/>
+            <a:ext cx="654345" cy="961219"/>
+            <a:chOff x="11432941" y="1360247"/>
+            <a:chExt cx="654345" cy="961219"/>
+          </a:xfrm>
+        </p:grpSpPr>
+        <p:pic>
+          <p:nvPicPr>
+            <p:cNvPr id="102" name="Graphic 101" descr="Server with solid fill">
+              <a:extLst>
+                <a:ext uri="{FF2B5EF4-FFF2-40B4-BE49-F238E27FC236}">
+                  <a16:creationId xmlns:a16="http://schemas.microsoft.com/office/drawing/2014/main" id="{818F274C-9633-8024-A1CF-5F3A34DB0148}"/>
+                </a:ext>
+              </a:extLst>
+            </p:cNvPr>
+            <p:cNvPicPr>
+              <a:picLocks noChangeAspect="1"/>
+            </p:cNvPicPr>
+            <p:nvPr/>
+          </p:nvPicPr>
+          <p:blipFill>
+            <a:blip r:embed="rId23">
+              <a:extLst>
+                <a:ext uri="{28A0092B-C50C-407E-A947-70E740481C1C}">
+                  <a14:useLocalDpi xmlns:a14="http://schemas.microsoft.com/office/drawing/2010/main" val="0"/>
+                </a:ext>
+                <a:ext uri="{96DAC541-7B7A-43D3-8B79-37D633B846F1}">
+                  <asvg:svgBlip xmlns:asvg="http://schemas.microsoft.com/office/drawing/2016/SVG/main" r:embed="rId24"/>
+                </a:ext>
+              </a:extLst>
+            </a:blip>
+            <a:stretch>
+              <a:fillRect/>
+            </a:stretch>
+          </p:blipFill>
+          <p:spPr>
+            <a:xfrm>
+              <a:off x="11504690" y="1360247"/>
+              <a:ext cx="510843" cy="510843"/>
+            </a:xfrm>
+            <a:prstGeom prst="rect">
+              <a:avLst/>
+            </a:prstGeom>
+          </p:spPr>
+        </p:pic>
+        <p:sp>
+          <p:nvSpPr>
+            <p:cNvPr id="103" name="TextBox 102">
+              <a:extLst>
+                <a:ext uri="{FF2B5EF4-FFF2-40B4-BE49-F238E27FC236}">
+                  <a16:creationId xmlns:a16="http://schemas.microsoft.com/office/drawing/2014/main" id="{FC49B133-8ED1-38E4-4FA0-A100FBD929EA}"/>
+                </a:ext>
+              </a:extLst>
+            </p:cNvPr>
+            <p:cNvSpPr txBox="1"/>
+            <p:nvPr/>
+          </p:nvSpPr>
+          <p:spPr>
+            <a:xfrm>
+              <a:off x="11432941" y="1890579"/>
+              <a:ext cx="654345" cy="430887"/>
+            </a:xfrm>
+            <a:prstGeom prst="rect">
+              <a:avLst/>
+            </a:prstGeom>
+            <a:noFill/>
+          </p:spPr>
+          <p:txBody>
+            <a:bodyPr wrap="none" rtlCol="0">
+              <a:spAutoFit/>
+            </a:bodyPr>
+            <a:lstStyle/>
+            <a:p>
+              <a:pPr algn="ctr"/>
+              <a:r>
+                <a:rPr lang="en-US" sz="1100" dirty="0">
+                  <a:solidFill>
+                    <a:prstClr val="black"/>
+                  </a:solidFill>
+                  <a:latin typeface="Calibri" panose="020F0502020204030204"/>
+                </a:rPr>
+                <a:t>External</a:t>
+              </a:r>
+              <a:br>
+                <a:rPr lang="en-US" sz="1100" dirty="0">
+                  <a:solidFill>
+                    <a:prstClr val="black"/>
+                  </a:solidFill>
+                  <a:latin typeface="Calibri" panose="020F0502020204030204"/>
+                </a:rPr>
+              </a:br>
+              <a:r>
+                <a:rPr lang="en-US" sz="1100" dirty="0">
+                  <a:solidFill>
+                    <a:prstClr val="black"/>
+                  </a:solidFill>
+                  <a:latin typeface="Calibri" panose="020F0502020204030204"/>
+                </a:rPr>
+                <a:t>System</a:t>
+              </a:r>
+              <a:endParaRPr lang="en-US" sz="1100" b="1" dirty="0">
+                <a:solidFill>
+                  <a:prstClr val="black"/>
+                </a:solidFill>
+                <a:latin typeface="Calibri" panose="020F0502020204030204"/>
+              </a:endParaRPr>
+            </a:p>
+          </p:txBody>
+        </p:sp>
+      </p:grpSp>
+      <p:grpSp>
+        <p:nvGrpSpPr>
+          <p:cNvPr id="104" name="Group 103">
+            <a:extLst>
+              <a:ext uri="{FF2B5EF4-FFF2-40B4-BE49-F238E27FC236}">
+                <a16:creationId xmlns:a16="http://schemas.microsoft.com/office/drawing/2014/main" id="{4C0CDBA2-449B-046F-6B24-8E3C4D300007}"/>
+              </a:ext>
+            </a:extLst>
+          </p:cNvPr>
+          <p:cNvGrpSpPr/>
+          <p:nvPr/>
+        </p:nvGrpSpPr>
+        <p:grpSpPr>
+          <a:xfrm>
+            <a:off x="1225744" y="2946933"/>
+            <a:ext cx="1598516" cy="1082304"/>
+            <a:chOff x="1391992" y="2686997"/>
+            <a:chExt cx="1598516" cy="1082304"/>
+          </a:xfrm>
+        </p:grpSpPr>
+        <p:pic>
+          <p:nvPicPr>
+            <p:cNvPr id="105" name="Graphic 104">
+              <a:extLst>
+                <a:ext uri="{FF2B5EF4-FFF2-40B4-BE49-F238E27FC236}">
+                  <a16:creationId xmlns:a16="http://schemas.microsoft.com/office/drawing/2014/main" id="{AD7F6A4F-D2E7-E499-A49A-41926C4E02E9}"/>
+                </a:ext>
+              </a:extLst>
+            </p:cNvPr>
+            <p:cNvPicPr>
+              <a:picLocks noChangeAspect="1"/>
+            </p:cNvPicPr>
+            <p:nvPr/>
+          </p:nvPicPr>
+          <p:blipFill>
+            <a:blip r:embed="rId25">
+              <a:extLst>
+                <a:ext uri="{28A0092B-C50C-407E-A947-70E740481C1C}">
+                  <a14:useLocalDpi xmlns:a14="http://schemas.microsoft.com/office/drawing/2010/main" val="0"/>
+                </a:ext>
+                <a:ext uri="{96DAC541-7B7A-43D3-8B79-37D633B846F1}">
+                  <asvg:svgBlip xmlns:asvg="http://schemas.microsoft.com/office/drawing/2016/SVG/main" r:embed="rId26"/>
+                </a:ext>
+              </a:extLst>
+            </a:blip>
+            <a:stretch>
+              <a:fillRect/>
+            </a:stretch>
+          </p:blipFill>
+          <p:spPr>
+            <a:xfrm>
+              <a:off x="1962649" y="2686997"/>
+              <a:ext cx="457200" cy="457200"/>
+            </a:xfrm>
+            <a:prstGeom prst="rect">
+              <a:avLst/>
+            </a:prstGeom>
+          </p:spPr>
+        </p:pic>
+        <p:sp>
+          <p:nvSpPr>
+            <p:cNvPr id="106" name="TextBox 105">
+              <a:extLst>
+                <a:ext uri="{FF2B5EF4-FFF2-40B4-BE49-F238E27FC236}">
+                  <a16:creationId xmlns:a16="http://schemas.microsoft.com/office/drawing/2014/main" id="{CB829BC3-E100-FE8F-C92A-E009BBA09D42}"/>
+                </a:ext>
+              </a:extLst>
+            </p:cNvPr>
+            <p:cNvSpPr txBox="1"/>
+            <p:nvPr/>
+          </p:nvSpPr>
+          <p:spPr>
+            <a:xfrm>
+              <a:off x="1391992" y="3169137"/>
+              <a:ext cx="1598516" cy="600164"/>
+            </a:xfrm>
+            <a:prstGeom prst="rect">
+              <a:avLst/>
+            </a:prstGeom>
+            <a:noFill/>
+          </p:spPr>
+          <p:txBody>
+            <a:bodyPr wrap="none" rtlCol="0">
+              <a:spAutoFit/>
+            </a:bodyPr>
+            <a:lstStyle/>
+            <a:p>
+              <a:pPr algn="ctr"/>
+              <a:r>
+                <a:rPr lang="en-US" sz="1100" dirty="0">
+                  <a:solidFill>
+                    <a:prstClr val="black"/>
+                  </a:solidFill>
+                  <a:latin typeface="Calibri" panose="020F0502020204030204"/>
+                </a:rPr>
+                <a:t>Data Management /</a:t>
+              </a:r>
+              <a:br>
+                <a:rPr lang="en-US" sz="1100" dirty="0">
+                  <a:solidFill>
+                    <a:prstClr val="black"/>
+                  </a:solidFill>
+                  <a:latin typeface="Calibri" panose="020F0502020204030204"/>
+                </a:rPr>
+              </a:br>
+              <a:r>
+                <a:rPr lang="en-US" sz="1100" dirty="0">
+                  <a:solidFill>
+                    <a:prstClr val="black"/>
+                  </a:solidFill>
+                  <a:latin typeface="Calibri" panose="020F0502020204030204"/>
+                </a:rPr>
+                <a:t>Loading</a:t>
+              </a:r>
+            </a:p>
+            <a:p>
+              <a:pPr algn="ctr"/>
+              <a:r>
+                <a:rPr lang="en-US" sz="1100" b="1" dirty="0">
+                  <a:solidFill>
+                    <a:prstClr val="black"/>
+                  </a:solidFill>
+                  <a:latin typeface="Calibri" panose="020F0502020204030204"/>
+                </a:rPr>
+                <a:t>Azure Synapse Analytics</a:t>
+              </a:r>
+            </a:p>
+          </p:txBody>
+        </p:sp>
+      </p:grpSp>
       <p:cxnSp>
         <p:nvCxnSpPr>
-          <p:cNvPr id="50" name="Straight Arrow Connector 49">
+          <p:cNvPr id="107" name="Connector: Elbow 106">
             <a:extLst>
               <a:ext uri="{FF2B5EF4-FFF2-40B4-BE49-F238E27FC236}">
-                <a16:creationId xmlns:a16="http://schemas.microsoft.com/office/drawing/2014/main" id="{2547536D-DCD6-1403-8508-43CC9A076F4A}"/>
+                <a16:creationId xmlns:a16="http://schemas.microsoft.com/office/drawing/2014/main" id="{03057899-D55E-54EB-5440-A91DE2AC2AAA}"/>
               </a:ext>
             </a:extLst>
           </p:cNvPr>
           <p:cNvCxnSpPr>
             <a:cxnSpLocks/>
+            <a:stCxn id="105" idx="3"/>
+            <a:endCxn id="64" idx="0"/>
           </p:cNvCxnSpPr>
           <p:nvPr/>
         </p:nvCxnSpPr>
         <p:spPr>
-          <a:xfrm flipH="1">
-            <a:off x="7945775" y="3409877"/>
-            <a:ext cx="2104389" cy="0"/>
+          <a:xfrm>
+            <a:off x="2253601" y="3175533"/>
+            <a:ext cx="1498748" cy="683646"/>
           </a:xfrm>
-          <a:prstGeom prst="straightConnector1">
+          <a:prstGeom prst="bentConnector2">
             <a:avLst/>
           </a:prstGeom>
-          <a:ln>
-            <a:headEnd type="none" w="lg" len="med"/>
+          <a:noFill/>
+          <a:ln w="12700" cap="flat" cmpd="sng" algn="ctr">
+            <a:solidFill>
+              <a:srgbClr val="4472C4"/>
+            </a:solidFill>
+            <a:prstDash val="solid"/>
+            <a:miter lim="800000"/>
             <a:tailEnd type="triangle"/>
           </a:ln>
+          <a:effectLst/>
         </p:spPr>
-        <p:style>
-          <a:lnRef idx="1">
-            <a:schemeClr val="accent2"/>
-          </a:lnRef>
-          <a:fillRef idx="0">
-            <a:schemeClr val="accent2"/>
-          </a:fillRef>
-          <a:effectRef idx="0">
-            <a:schemeClr val="accent2"/>
-          </a:effectRef>
-          <a:fontRef idx="minor">
-            <a:schemeClr val="tx1"/>
-          </a:fontRef>
-        </p:style>
       </p:cxnSp>
     </p:spTree>
     <p:extLst>
       <p:ext uri="{BB962C8B-B14F-4D97-AF65-F5344CB8AC3E}">
-        <p14:creationId xmlns:p14="http://schemas.microsoft.com/office/powerpoint/2010/main" val="1202072964"/>
+        <p14:creationId xmlns:p14="http://schemas.microsoft.com/office/powerpoint/2010/main" val="3985323768"/>
       </p:ext>
     </p:extLst>
   </p:cSld>
@@ -24631,8 +24324,8 @@
         </p:blipFill>
         <p:spPr>
           <a:xfrm>
-            <a:off x="437859" y="1434548"/>
-            <a:ext cx="7800208" cy="2601454"/>
+            <a:off x="218156" y="818662"/>
+            <a:ext cx="8008028" cy="3725488"/>
           </a:xfrm>
           <a:prstGeom prst="rect">
             <a:avLst/>
@@ -24740,7 +24433,7 @@
                 <a:latin typeface="Arial" panose="020B0604020202020204" pitchFamily="34" charset="0"/>
                 <a:cs typeface="Arial" panose="020B0604020202020204" pitchFamily="34" charset="0"/>
               </a:rPr>
-              <a:t>Common Change Feed Scenarios</a:t>
+              <a:t>Common Change Feed scenarios</a:t>
             </a:r>
           </a:p>
         </p:txBody>
@@ -24760,15 +24453,20 @@
           <p:nvPr/>
         </p:nvPicPr>
         <p:blipFill>
-          <a:blip r:embed="rId2"/>
-          <a:stretch>
-            <a:fillRect/>
-          </a:stretch>
+          <a:blip r:embed="rId4">
+            <a:extLst>
+              <a:ext uri="{28A0092B-C50C-407E-A947-70E740481C1C}">
+                <a14:useLocalDpi xmlns:a14="http://schemas.microsoft.com/office/drawing/2010/main" val="0"/>
+              </a:ext>
+            </a:extLst>
+          </a:blip>
+          <a:srcRect/>
+          <a:stretch/>
         </p:blipFill>
         <p:spPr>
           <a:xfrm>
-            <a:off x="1617016" y="1592629"/>
-            <a:ext cx="8957968" cy="5016681"/>
+            <a:off x="1864937" y="1308149"/>
+            <a:ext cx="8462126" cy="5016681"/>
           </a:xfrm>
           <a:prstGeom prst="rect">
             <a:avLst/>
@@ -24791,6 +24489,11 @@
   <p:transition>
     <p:fade/>
   </p:transition>
+  <p:extLst>
+    <p:ext uri="{6950BFC3-D8DA-4A85-94F7-54DA5524770B}">
+      <p188:commentRel xmlns:p188="http://schemas.microsoft.com/office/powerpoint/2018/8/main" r:id="rId3"/>
+    </p:ext>
+  </p:extLst>
 </p:sld>
 </file>
 
@@ -28599,15 +28302,6 @@
 </file>
 
 <file path=customXml/item2.xml><?xml version="1.0" encoding="utf-8"?>
-<?mso-contentType ?>
-<FormTemplates xmlns="http://schemas.microsoft.com/sharepoint/v3/contenttype/forms">
-  <Display>DocumentLibraryForm</Display>
-  <Edit>DocumentLibraryForm</Edit>
-  <New>DocumentLibraryForm</New>
-</FormTemplates>
-</file>
-
-<file path=customXml/item3.xml><?xml version="1.0" encoding="utf-8"?>
 <p:properties xmlns:p="http://schemas.microsoft.com/office/2006/metadata/properties" xmlns:xsi="http://www.w3.org/2001/XMLSchema-instance" xmlns:pc="http://schemas.microsoft.com/office/infopath/2007/PartnerControls">
   <documentManagement>
     <MediaServiceKeyPoints xmlns="675661ce-a921-4ef4-be83-dd19f3c4cc86" xsi:nil="true"/>
@@ -28634,6 +28328,15 @@
 </p:properties>
 </file>
 
+<file path=customXml/item3.xml><?xml version="1.0" encoding="utf-8"?>
+<?mso-contentType ?>
+<FormTemplates xmlns="http://schemas.microsoft.com/sharepoint/v3/contenttype/forms">
+  <Display>DocumentLibraryForm</Display>
+  <Edit>DocumentLibraryForm</Edit>
+  <New>DocumentLibraryForm</New>
+</FormTemplates>
+</file>
+
 <file path=customXml/itemProps1.xml><?xml version="1.0" encoding="utf-8"?>
 <ds:datastoreItem xmlns:ds="http://schemas.openxmlformats.org/officeDocument/2006/customXml" ds:itemID="{D1157EB0-1AB2-459D-92B4-E00E8DCC06DF}">
   <ds:schemaRefs>
@@ -28656,14 +28359,6 @@
 </file>
 
 <file path=customXml/itemProps2.xml><?xml version="1.0" encoding="utf-8"?>
-<ds:datastoreItem xmlns:ds="http://schemas.openxmlformats.org/officeDocument/2006/customXml" ds:itemID="{91696345-23F8-4CDB-8A31-BEF0BEB16805}">
-  <ds:schemaRefs>
-    <ds:schemaRef ds:uri="http://schemas.microsoft.com/sharepoint/v3/contenttype/forms"/>
-  </ds:schemaRefs>
-</ds:datastoreItem>
-</file>
-
-<file path=customXml/itemProps3.xml><?xml version="1.0" encoding="utf-8"?>
 <ds:datastoreItem xmlns:ds="http://schemas.openxmlformats.org/officeDocument/2006/customXml" ds:itemID="{0A9086BA-F6B1-41F0-8458-5D968EBBF04E}">
   <ds:schemaRefs>
     <ds:schemaRef ds:uri="http://schemas.microsoft.com/office/2006/metadata/properties"/>
@@ -28682,6 +28377,14 @@
 </ds:datastoreItem>
 </file>
 
+<file path=customXml/itemProps3.xml><?xml version="1.0" encoding="utf-8"?>
+<ds:datastoreItem xmlns:ds="http://schemas.openxmlformats.org/officeDocument/2006/customXml" ds:itemID="{91696345-23F8-4CDB-8A31-BEF0BEB16805}">
+  <ds:schemaRefs>
+    <ds:schemaRef ds:uri="http://schemas.microsoft.com/sharepoint/v3/contenttype/forms"/>
+  </ds:schemaRefs>
+</ds:datastoreItem>
+</file>
+
 <file path=docMetadata/LabelInfo.xml><?xml version="1.0" encoding="utf-8"?>
 <clbl:labelList xmlns:clbl="http://schemas.microsoft.com/office/2020/mipLabelMetadata">
   <clbl:label id="{f42aa342-8706-4288-bd11-ebb85995028c}" enabled="1" method="Privileged" siteId="{72f988bf-86f1-41af-91ab-2d7cd011db47}" removed="0"/>
